--- a/Blank/Lecture_05_ Tokenization_03.pptx
+++ b/Blank/Lecture_05_ Tokenization_03.pptx
@@ -267,7 +267,7 @@
   </p:defaultTextStyle>
   <p:extLst>
     <p:ext uri="GoogleSlidesCustomDataVersion2">
-      <go:slidesCustomData xmlns:go="http://customooxmlschemas.google.com/" r:id="rId30" roundtripDataSignature="AMtx7mhDxOqICIGUZTSBr0XGPAmfEZ5OxA=="/>
+      <go:slidesCustomData xmlns:go="http://customooxmlschemas.google.com/" r:id="rId30" roundtripDataSignature="AMtx7mizZVBybQxIx/MIe8lh7GJfY52YEA=="/>
     </p:ext>
   </p:extLst>
 </p:presentation>
@@ -2185,7 +2185,7 @@
       </p:grpSpPr>
       <p:sp>
         <p:nvSpPr>
-          <p:cNvPr id="188" name="Google Shape;188;g3bbeee67e43_0_147:notes"/>
+          <p:cNvPr id="188" name="Google Shape;188;g3bbeee67e43_0_137:notes"/>
           <p:cNvSpPr/>
           <p:nvPr>
             <p:ph idx="2" type="sldImg"/>
@@ -2230,7 +2230,7 @@
       </p:sp>
       <p:sp>
         <p:nvSpPr>
-          <p:cNvPr id="189" name="Google Shape;189;g3bbeee67e43_0_147:notes"/>
+          <p:cNvPr id="189" name="Google Shape;189;g3bbeee67e43_0_137:notes"/>
           <p:cNvSpPr txBox="1"/>
           <p:nvPr>
             <p:ph idx="1" type="body"/>
@@ -2302,7 +2302,7 @@
       </p:grpSpPr>
       <p:sp>
         <p:nvSpPr>
-          <p:cNvPr id="194" name="Google Shape;194;g3bbeee67e43_0_142:notes"/>
+          <p:cNvPr id="194" name="Google Shape;194;g3bbeee67e43_0_126:notes"/>
           <p:cNvSpPr/>
           <p:nvPr>
             <p:ph idx="2" type="sldImg"/>
@@ -2347,7 +2347,7 @@
       </p:sp>
       <p:sp>
         <p:nvSpPr>
-          <p:cNvPr id="195" name="Google Shape;195;g3bbeee67e43_0_142:notes"/>
+          <p:cNvPr id="195" name="Google Shape;195;g3bbeee67e43_0_126:notes"/>
           <p:cNvSpPr txBox="1"/>
           <p:nvPr>
             <p:ph idx="1" type="body"/>
@@ -2419,7 +2419,7 @@
       </p:grpSpPr>
       <p:sp>
         <p:nvSpPr>
-          <p:cNvPr id="200" name="Google Shape;200;g3bbeee67e43_0_126:notes"/>
+          <p:cNvPr id="200" name="Google Shape;200;g3bbeee67e43_0_132:notes"/>
           <p:cNvSpPr/>
           <p:nvPr>
             <p:ph idx="2" type="sldImg"/>
@@ -2464,7 +2464,7 @@
       </p:sp>
       <p:sp>
         <p:nvSpPr>
-          <p:cNvPr id="201" name="Google Shape;201;g3bbeee67e43_0_126:notes"/>
+          <p:cNvPr id="201" name="Google Shape;201;g3bbeee67e43_0_132:notes"/>
           <p:cNvSpPr txBox="1"/>
           <p:nvPr>
             <p:ph idx="1" type="body"/>
@@ -2536,7 +2536,7 @@
       </p:grpSpPr>
       <p:sp>
         <p:nvSpPr>
-          <p:cNvPr id="206" name="Google Shape;206;g3bbeee67e43_0_132:notes"/>
+          <p:cNvPr id="206" name="Google Shape;206;g3bbeee67e43_0_147:notes"/>
           <p:cNvSpPr/>
           <p:nvPr>
             <p:ph idx="2" type="sldImg"/>
@@ -2581,7 +2581,7 @@
       </p:sp>
       <p:sp>
         <p:nvSpPr>
-          <p:cNvPr id="207" name="Google Shape;207;g3bbeee67e43_0_132:notes"/>
+          <p:cNvPr id="207" name="Google Shape;207;g3bbeee67e43_0_147:notes"/>
           <p:cNvSpPr txBox="1"/>
           <p:nvPr>
             <p:ph idx="1" type="body"/>
@@ -2653,7 +2653,7 @@
       </p:grpSpPr>
       <p:sp>
         <p:nvSpPr>
-          <p:cNvPr id="212" name="Google Shape;212;g3bbeee67e43_0_137:notes"/>
+          <p:cNvPr id="212" name="Google Shape;212;g3bbeee67e43_0_142:notes"/>
           <p:cNvSpPr/>
           <p:nvPr>
             <p:ph idx="2" type="sldImg"/>
@@ -2698,7 +2698,7 @@
       </p:sp>
       <p:sp>
         <p:nvSpPr>
-          <p:cNvPr id="213" name="Google Shape;213;g3bbeee67e43_0_137:notes"/>
+          <p:cNvPr id="213" name="Google Shape;213;g3bbeee67e43_0_142:notes"/>
           <p:cNvSpPr txBox="1"/>
           <p:nvPr>
             <p:ph idx="1" type="body"/>
@@ -12383,7 +12383,7 @@
       </p:grpSpPr>
       <p:sp>
         <p:nvSpPr>
-          <p:cNvPr id="191" name="Google Shape;191;g3bbeee67e43_0_147"/>
+          <p:cNvPr id="191" name="Google Shape;191;g3bbeee67e43_0_137"/>
           <p:cNvSpPr txBox="1"/>
           <p:nvPr>
             <p:ph type="title"/>
@@ -12427,15 +12427,7 @@
                   <a:srgbClr val="A31415"/>
                 </a:solidFill>
               </a:rPr>
-              <a:t>Machine</a:t>
-            </a:r>
-            <a:r>
-              <a:rPr lang="en">
-                <a:solidFill>
-                  <a:srgbClr val="A31415"/>
-                </a:solidFill>
-              </a:rPr>
-              <a:t> Learning</a:t>
+              <a:t>Deep Learning</a:t>
             </a:r>
             <a:r>
               <a:rPr lang="en"/>
@@ -12451,7 +12443,7 @@
                 <a:cs typeface="Consolas"/>
                 <a:sym typeface="Consolas"/>
               </a:rPr>
-              <a:t>Classification</a:t>
+              <a:t>Dataset</a:t>
             </a:r>
             <a:endParaRPr>
               <a:solidFill>
@@ -12467,7 +12459,7 @@
       </p:sp>
       <p:sp>
         <p:nvSpPr>
-          <p:cNvPr id="192" name="Google Shape;192;g3bbeee67e43_0_147"/>
+          <p:cNvPr id="192" name="Google Shape;192;g3bbeee67e43_0_137"/>
           <p:cNvSpPr txBox="1"/>
           <p:nvPr>
             <p:ph idx="1" type="body"/>
@@ -12476,7 +12468,7 @@
         <p:spPr>
           <a:xfrm>
             <a:off x="457200" y="1600200"/>
-            <a:ext cx="8229600" cy="4788300"/>
+            <a:ext cx="8229600" cy="1728600"/>
           </a:xfrm>
           <a:prstGeom prst="rect">
             <a:avLst/>
@@ -12507,19 +12499,7 @@
             </a:pPr>
             <a:r>
               <a:rPr lang="en"/>
-              <a:t>In </a:t>
-            </a:r>
-            <a:r>
-              <a:rPr b="1" lang="en">
-                <a:solidFill>
-                  <a:srgbClr val="A31515"/>
-                </a:solidFill>
-              </a:rPr>
-              <a:t>machine learning</a:t>
-            </a:r>
-            <a:r>
-              <a:rPr lang="en"/>
-              <a:t>, a </a:t>
+              <a:t>A </a:t>
             </a:r>
             <a:r>
               <a:rPr b="1" lang="en">
@@ -12531,39 +12511,11 @@
                 <a:cs typeface="Consolas"/>
                 <a:sym typeface="Consolas"/>
               </a:rPr>
-              <a:t>classification</a:t>
-            </a:r>
-            <a:r>
-              <a:rPr b="1" lang="en"/>
-              <a:t> </a:t>
+              <a:t>dataset </a:t>
             </a:r>
             <a:r>
               <a:rPr lang="en"/>
-              <a:t>task</a:t>
-            </a:r>
-            <a:r>
-              <a:rPr lang="en"/>
-              <a:t> is one in which we’re </a:t>
-            </a:r>
-            <a:r>
-              <a:rPr lang="en"/>
-              <a:t>trying</a:t>
-            </a:r>
-            <a:r>
-              <a:rPr lang="en"/>
-              <a:t> to </a:t>
-            </a:r>
-            <a:r>
-              <a:rPr b="1" lang="en">
-                <a:solidFill>
-                  <a:srgbClr val="465510"/>
-                </a:solidFill>
-              </a:rPr>
-              <a:t>predict a category or label</a:t>
-            </a:r>
-            <a:r>
-              <a:rPr lang="en"/>
-              <a:t> given a </a:t>
+              <a:t>is a collection of </a:t>
             </a:r>
             <a:r>
               <a:rPr b="1" lang="en">
@@ -12575,11 +12527,39 @@
                 <a:cs typeface="Consolas"/>
                 <a:sym typeface="Consolas"/>
               </a:rPr>
-              <a:t>sample</a:t>
+              <a:t>feature vectors</a:t>
             </a:r>
             <a:r>
               <a:rPr lang="en"/>
-              <a:t>.</a:t>
+              <a:t> for </a:t>
+            </a:r>
+            <a:r>
+              <a:rPr b="1" lang="en">
+                <a:solidFill>
+                  <a:srgbClr val="5AABBC"/>
+                </a:solidFill>
+                <a:latin typeface="Consolas"/>
+                <a:ea typeface="Consolas"/>
+                <a:cs typeface="Consolas"/>
+                <a:sym typeface="Consolas"/>
+              </a:rPr>
+              <a:t>samples</a:t>
+            </a:r>
+            <a:r>
+              <a:rPr lang="en"/>
+              <a:t> that are </a:t>
+            </a:r>
+            <a:r>
+              <a:rPr b="1" lang="en">
+                <a:solidFill>
+                  <a:srgbClr val="DCB439"/>
+                </a:solidFill>
+              </a:rPr>
+              <a:t>ideally representative of the population</a:t>
+            </a:r>
+            <a:r>
+              <a:rPr lang="en"/>
+              <a:t> we’re interested in</a:t>
             </a:r>
             <a:endParaRPr/>
           </a:p>
@@ -12600,123 +12580,14 @@
             <a:r>
               <a:t/>
             </a:r>
-            <a:endParaRPr/>
-          </a:p>
-          <a:p>
-            <a:pPr indent="0" lvl="0" marL="0" rtl="0" algn="l">
-              <a:lnSpc>
-                <a:spcPct val="100000"/>
-              </a:lnSpc>
-              <a:spcBef>
-                <a:spcPts val="600"/>
-              </a:spcBef>
-              <a:spcAft>
-                <a:spcPts val="0"/>
-              </a:spcAft>
-              <a:buSzPts val="3000"/>
-              <a:buNone/>
-            </a:pPr>
-            <a:r>
-              <a:t/>
-            </a:r>
-            <a:endParaRPr/>
-          </a:p>
-          <a:p>
-            <a:pPr indent="0" lvl="0" marL="0" rtl="0" algn="l">
-              <a:lnSpc>
-                <a:spcPct val="100000"/>
-              </a:lnSpc>
-              <a:spcBef>
-                <a:spcPts val="600"/>
-              </a:spcBef>
-              <a:spcAft>
-                <a:spcPts val="0"/>
-              </a:spcAft>
-              <a:buSzPts val="3000"/>
-              <a:buNone/>
-            </a:pPr>
-            <a:r>
-              <a:t/>
-            </a:r>
-            <a:endParaRPr/>
-          </a:p>
-          <a:p>
-            <a:pPr indent="0" lvl="0" marL="0" rtl="0" algn="l">
-              <a:lnSpc>
-                <a:spcPct val="100000"/>
-              </a:lnSpc>
-              <a:spcBef>
-                <a:spcPts val="600"/>
-              </a:spcBef>
-              <a:spcAft>
-                <a:spcPts val="0"/>
-              </a:spcAft>
-              <a:buSzPts val="3000"/>
-              <a:buNone/>
-            </a:pPr>
-            <a:r>
-              <a:t/>
-            </a:r>
-            <a:endParaRPr/>
-          </a:p>
-          <a:p>
-            <a:pPr indent="0" lvl="0" marL="0" rtl="0" algn="l">
-              <a:lnSpc>
-                <a:spcPct val="100000"/>
-              </a:lnSpc>
-              <a:spcBef>
-                <a:spcPts val="600"/>
-              </a:spcBef>
-              <a:spcAft>
-                <a:spcPts val="0"/>
-              </a:spcAft>
-              <a:buSzPts val="3000"/>
-              <a:buNone/>
-            </a:pPr>
-            <a:r>
-              <a:rPr lang="en"/>
-              <a:t>For our student </a:t>
-            </a:r>
-            <a:r>
-              <a:rPr b="1" lang="en">
-                <a:solidFill>
-                  <a:srgbClr val="5AABBC"/>
-                </a:solidFill>
-                <a:latin typeface="Consolas"/>
-                <a:ea typeface="Consolas"/>
-                <a:cs typeface="Consolas"/>
-                <a:sym typeface="Consolas"/>
-              </a:rPr>
-              <a:t>dataset</a:t>
-            </a:r>
-            <a:r>
-              <a:rPr lang="en"/>
-              <a:t>, our categories are: </a:t>
-            </a:r>
-            <a:r>
-              <a:rPr b="1" lang="en">
-                <a:solidFill>
-                  <a:srgbClr val="DCB439"/>
-                </a:solidFill>
-              </a:rPr>
-              <a:t>“Will Graduate”</a:t>
-            </a:r>
-            <a:r>
-              <a:rPr lang="en"/>
-              <a:t> and </a:t>
-            </a:r>
-            <a:r>
-              <a:rPr b="1" lang="en">
-                <a:solidFill>
-                  <a:srgbClr val="DCB439"/>
-                </a:solidFill>
-              </a:rPr>
-              <a:t>“Will not graduate”</a:t>
-            </a:r>
-            <a:endParaRPr b="1">
+            <a:endParaRPr>
               <a:solidFill>
-                <a:srgbClr val="DCB439"/>
+                <a:srgbClr val="5AABBC"/>
               </a:solidFill>
+              <a:latin typeface="Consolas"/>
+              <a:ea typeface="Consolas"/>
+              <a:cs typeface="Consolas"/>
+              <a:sym typeface="Consolas"/>
             </a:endParaRPr>
           </a:p>
           <a:p>
@@ -12775,7 +12646,7 @@
       </p:grpSpPr>
       <p:sp>
         <p:nvSpPr>
-          <p:cNvPr id="197" name="Google Shape;197;g3bbeee67e43_0_142"/>
+          <p:cNvPr id="197" name="Google Shape;197;g3bbeee67e43_0_126"/>
           <p:cNvSpPr txBox="1"/>
           <p:nvPr>
             <p:ph type="title"/>
@@ -12818,32 +12689,28 @@
                 <a:solidFill>
                   <a:srgbClr val="A31415"/>
                 </a:solidFill>
-              </a:rPr>
-              <a:t>Machine</a:t>
-            </a:r>
-            <a:r>
-              <a:rPr lang="en">
-                <a:solidFill>
-                  <a:srgbClr val="A31415"/>
-                </a:solidFill>
-              </a:rPr>
-              <a:t> Learning</a:t>
-            </a:r>
-            <a:r>
-              <a:rPr lang="en"/>
-              <a:t>: </a:t>
-            </a:r>
-            <a:r>
-              <a:rPr lang="en">
-                <a:solidFill>
-                  <a:srgbClr val="5AABBC"/>
-                </a:solidFill>
                 <a:latin typeface="Consolas"/>
                 <a:ea typeface="Consolas"/>
                 <a:cs typeface="Consolas"/>
                 <a:sym typeface="Consolas"/>
               </a:rPr>
-              <a:t>Supervised Learning</a:t>
+              <a:t>Deep Learning</a:t>
+            </a:r>
+            <a:r>
+              <a:rPr lang="en"/>
+              <a:t>: </a:t>
+            </a:r>
+            <a:r>
+              <a:rPr lang="en">
+                <a:solidFill>
+                  <a:srgbClr val="5AABBC"/>
+                </a:solidFill>
+                <a:latin typeface="Consolas"/>
+                <a:ea typeface="Consolas"/>
+                <a:cs typeface="Consolas"/>
+                <a:sym typeface="Consolas"/>
+              </a:rPr>
+              <a:t>features</a:t>
             </a:r>
             <a:endParaRPr>
               <a:solidFill>
@@ -12859,7 +12726,7 @@
       </p:sp>
       <p:sp>
         <p:nvSpPr>
-          <p:cNvPr id="198" name="Google Shape;198;g3bbeee67e43_0_142"/>
+          <p:cNvPr id="198" name="Google Shape;198;g3bbeee67e43_0_126"/>
           <p:cNvSpPr txBox="1"/>
           <p:nvPr>
             <p:ph idx="1" type="body"/>
@@ -12868,7 +12735,7 @@
         <p:spPr>
           <a:xfrm>
             <a:off x="457200" y="1600200"/>
-            <a:ext cx="8229600" cy="2440800"/>
+            <a:ext cx="8229600" cy="4967700"/>
           </a:xfrm>
           <a:prstGeom prst="rect">
             <a:avLst/>
@@ -12899,7 +12766,19 @@
             </a:pPr>
             <a:r>
               <a:rPr lang="en"/>
-              <a:t>We call it </a:t>
+              <a:t>In </a:t>
+            </a:r>
+            <a:r>
+              <a:rPr b="1" lang="en">
+                <a:solidFill>
+                  <a:srgbClr val="A31515"/>
+                </a:solidFill>
+              </a:rPr>
+              <a:t>deep learning</a:t>
+            </a:r>
+            <a:r>
+              <a:rPr lang="en"/>
+              <a:t>, a </a:t>
             </a:r>
             <a:r>
               <a:rPr b="1" lang="en">
@@ -12911,11 +12790,11 @@
                 <a:cs typeface="Consolas"/>
                 <a:sym typeface="Consolas"/>
               </a:rPr>
-              <a:t>supervised learning</a:t>
+              <a:t>feature</a:t>
             </a:r>
             <a:r>
               <a:rPr lang="en"/>
-              <a:t> when we have examples of the correct answer in our </a:t>
+              <a:t> is a way to describe a </a:t>
             </a:r>
             <a:r>
               <a:rPr b="1" lang="en">
@@ -12927,23 +12806,7 @@
                 <a:cs typeface="Consolas"/>
                 <a:sym typeface="Consolas"/>
               </a:rPr>
-              <a:t>dataset</a:t>
-            </a:r>
-            <a:r>
-              <a:rPr lang="en"/>
-              <a:t>, because we can tell our model if it guessed correctly or not. We call these correct answers </a:t>
-            </a:r>
-            <a:r>
-              <a:rPr b="1" lang="en">
-                <a:solidFill>
-                  <a:srgbClr val="5AABBC"/>
-                </a:solidFill>
-                <a:latin typeface="Consolas"/>
-                <a:ea typeface="Consolas"/>
-                <a:cs typeface="Consolas"/>
-                <a:sym typeface="Consolas"/>
-              </a:rPr>
-              <a:t>ground truth</a:t>
+              <a:t>sample</a:t>
             </a:r>
             <a:endParaRPr b="1">
               <a:solidFill>
@@ -12981,6 +12844,42 @@
               <a:cs typeface="Consolas"/>
               <a:sym typeface="Consolas"/>
             </a:endParaRPr>
+          </a:p>
+          <a:p>
+            <a:pPr indent="0" lvl="0" marL="0" rtl="0" algn="l">
+              <a:lnSpc>
+                <a:spcPct val="100000"/>
+              </a:lnSpc>
+              <a:spcBef>
+                <a:spcPts val="600"/>
+              </a:spcBef>
+              <a:spcAft>
+                <a:spcPts val="0"/>
+              </a:spcAft>
+              <a:buSzPts val="3000"/>
+              <a:buNone/>
+            </a:pPr>
+            <a:r>
+              <a:rPr lang="en"/>
+              <a:t>A </a:t>
+            </a:r>
+            <a:r>
+              <a:rPr b="1" lang="en">
+                <a:solidFill>
+                  <a:srgbClr val="5AABBC"/>
+                </a:solidFill>
+                <a:latin typeface="Consolas"/>
+                <a:ea typeface="Consolas"/>
+                <a:cs typeface="Consolas"/>
+                <a:sym typeface="Consolas"/>
+              </a:rPr>
+              <a:t>sample</a:t>
+            </a:r>
+            <a:r>
+              <a:rPr lang="en"/>
+              <a:t> is one individual “thing” in our dataset. Maybe a bird, a flower, or a person.</a:t>
+            </a:r>
+            <a:endParaRPr/>
           </a:p>
         </p:txBody>
       </p:sp>
@@ -13011,7 +12910,7 @@
       </p:grpSpPr>
       <p:sp>
         <p:nvSpPr>
-          <p:cNvPr id="203" name="Google Shape;203;g3bbeee67e43_0_126"/>
+          <p:cNvPr id="203" name="Google Shape;203;g3bbeee67e43_0_132"/>
           <p:cNvSpPr txBox="1"/>
           <p:nvPr>
             <p:ph type="title"/>
@@ -13054,28 +12953,24 @@
                 <a:solidFill>
                   <a:srgbClr val="A31415"/>
                 </a:solidFill>
+              </a:rPr>
+              <a:t>Deep Learning</a:t>
+            </a:r>
+            <a:r>
+              <a:rPr lang="en"/>
+              <a:t>: </a:t>
+            </a:r>
+            <a:r>
+              <a:rPr lang="en">
+                <a:solidFill>
+                  <a:srgbClr val="5AABBC"/>
+                </a:solidFill>
                 <a:latin typeface="Consolas"/>
                 <a:ea typeface="Consolas"/>
                 <a:cs typeface="Consolas"/>
                 <a:sym typeface="Consolas"/>
               </a:rPr>
-              <a:t>Deep Learning</a:t>
-            </a:r>
-            <a:r>
-              <a:rPr lang="en"/>
-              <a:t>: </a:t>
-            </a:r>
-            <a:r>
-              <a:rPr lang="en">
-                <a:solidFill>
-                  <a:srgbClr val="5AABBC"/>
-                </a:solidFill>
-                <a:latin typeface="Consolas"/>
-                <a:ea typeface="Consolas"/>
-                <a:cs typeface="Consolas"/>
-                <a:sym typeface="Consolas"/>
-              </a:rPr>
-              <a:t>features</a:t>
+              <a:t>feature vector</a:t>
             </a:r>
             <a:endParaRPr>
               <a:solidFill>
@@ -13091,7 +12986,7 @@
       </p:sp>
       <p:sp>
         <p:nvSpPr>
-          <p:cNvPr id="204" name="Google Shape;204;g3bbeee67e43_0_126"/>
+          <p:cNvPr id="204" name="Google Shape;204;g3bbeee67e43_0_132"/>
           <p:cNvSpPr txBox="1"/>
           <p:nvPr>
             <p:ph idx="1" type="body"/>
@@ -13131,19 +13026,7 @@
             </a:pPr>
             <a:r>
               <a:rPr lang="en"/>
-              <a:t>In </a:t>
-            </a:r>
-            <a:r>
-              <a:rPr b="1" lang="en">
-                <a:solidFill>
-                  <a:srgbClr val="A31515"/>
-                </a:solidFill>
-              </a:rPr>
-              <a:t>deep learning</a:t>
-            </a:r>
-            <a:r>
-              <a:rPr lang="en"/>
-              <a:t>, a </a:t>
+              <a:t>A </a:t>
             </a:r>
             <a:r>
               <a:rPr b="1" lang="en">
@@ -13155,11 +13038,11 @@
                 <a:cs typeface="Consolas"/>
                 <a:sym typeface="Consolas"/>
               </a:rPr>
-              <a:t>feature</a:t>
+              <a:t>feature vector</a:t>
             </a:r>
             <a:r>
               <a:rPr lang="en"/>
-              <a:t> is a way to describe a </a:t>
+              <a:t> then is a representation of a </a:t>
             </a:r>
             <a:r>
               <a:rPr b="1" lang="en">
@@ -13171,17 +13054,13 @@
                 <a:cs typeface="Consolas"/>
                 <a:sym typeface="Consolas"/>
               </a:rPr>
-              <a:t>sample</a:t>
-            </a:r>
-            <a:endParaRPr b="1">
-              <a:solidFill>
-                <a:srgbClr val="5AABBC"/>
-              </a:solidFill>
-              <a:latin typeface="Consolas"/>
-              <a:ea typeface="Consolas"/>
-              <a:cs typeface="Consolas"/>
-              <a:sym typeface="Consolas"/>
-            </a:endParaRPr>
+              <a:t>sample </a:t>
+            </a:r>
+            <a:r>
+              <a:rPr lang="en"/>
+              <a:t>in some high-dimensional space</a:t>
+            </a:r>
+            <a:endParaRPr/>
           </a:p>
           <a:p>
             <a:pPr indent="0" lvl="0" marL="0" rtl="0" algn="l">
@@ -13225,26 +13104,17 @@
               <a:buNone/>
             </a:pPr>
             <a:r>
-              <a:rPr lang="en"/>
-              <a:t>A </a:t>
-            </a:r>
-            <a:r>
-              <a:rPr b="1" lang="en">
-                <a:solidFill>
-                  <a:srgbClr val="5AABBC"/>
-                </a:solidFill>
-                <a:latin typeface="Consolas"/>
-                <a:ea typeface="Consolas"/>
-                <a:cs typeface="Consolas"/>
-                <a:sym typeface="Consolas"/>
-              </a:rPr>
-              <a:t>sample</a:t>
-            </a:r>
-            <a:r>
-              <a:rPr lang="en"/>
-              <a:t> is one individual “thing” in our dataset. Maybe a bird, a flower, or a person.</a:t>
-            </a:r>
-            <a:endParaRPr/>
+              <a:t/>
+            </a:r>
+            <a:endParaRPr>
+              <a:solidFill>
+                <a:srgbClr val="5AABBC"/>
+              </a:solidFill>
+              <a:latin typeface="Consolas"/>
+              <a:ea typeface="Consolas"/>
+              <a:cs typeface="Consolas"/>
+              <a:sym typeface="Consolas"/>
+            </a:endParaRPr>
           </a:p>
         </p:txBody>
       </p:sp>
@@ -13275,7 +13145,7 @@
       </p:grpSpPr>
       <p:sp>
         <p:nvSpPr>
-          <p:cNvPr id="209" name="Google Shape;209;g3bbeee67e43_0_132"/>
+          <p:cNvPr id="209" name="Google Shape;209;g3bbeee67e43_0_147"/>
           <p:cNvSpPr txBox="1"/>
           <p:nvPr>
             <p:ph type="title"/>
@@ -13319,7 +13189,15 @@
                   <a:srgbClr val="A31415"/>
                 </a:solidFill>
               </a:rPr>
-              <a:t>Deep Learning</a:t>
+              <a:t>Machine</a:t>
+            </a:r>
+            <a:r>
+              <a:rPr lang="en">
+                <a:solidFill>
+                  <a:srgbClr val="A31415"/>
+                </a:solidFill>
+              </a:rPr>
+              <a:t> Learning</a:t>
             </a:r>
             <a:r>
               <a:rPr lang="en"/>
@@ -13335,7 +13213,7 @@
                 <a:cs typeface="Consolas"/>
                 <a:sym typeface="Consolas"/>
               </a:rPr>
-              <a:t>feature vector</a:t>
+              <a:t>Classification</a:t>
             </a:r>
             <a:endParaRPr>
               <a:solidFill>
@@ -13351,7 +13229,7 @@
       </p:sp>
       <p:sp>
         <p:nvSpPr>
-          <p:cNvPr id="210" name="Google Shape;210;g3bbeee67e43_0_132"/>
+          <p:cNvPr id="210" name="Google Shape;210;g3bbeee67e43_0_147"/>
           <p:cNvSpPr txBox="1"/>
           <p:nvPr>
             <p:ph idx="1" type="body"/>
@@ -13360,7 +13238,7 @@
         <p:spPr>
           <a:xfrm>
             <a:off x="457200" y="1600200"/>
-            <a:ext cx="8229600" cy="4967700"/>
+            <a:ext cx="8229600" cy="4788300"/>
           </a:xfrm>
           <a:prstGeom prst="rect">
             <a:avLst/>
@@ -13391,7 +13269,19 @@
             </a:pPr>
             <a:r>
               <a:rPr lang="en"/>
-              <a:t>A </a:t>
+              <a:t>In </a:t>
+            </a:r>
+            <a:r>
+              <a:rPr b="1" lang="en">
+                <a:solidFill>
+                  <a:srgbClr val="A31515"/>
+                </a:solidFill>
+              </a:rPr>
+              <a:t>machine learning</a:t>
+            </a:r>
+            <a:r>
+              <a:rPr lang="en"/>
+              <a:t>, a </a:t>
             </a:r>
             <a:r>
               <a:rPr b="1" lang="en">
@@ -13403,11 +13293,39 @@
                 <a:cs typeface="Consolas"/>
                 <a:sym typeface="Consolas"/>
               </a:rPr>
-              <a:t>feature vector</a:t>
+              <a:t>classification</a:t>
+            </a:r>
+            <a:r>
+              <a:rPr b="1" lang="en"/>
+              <a:t> </a:t>
             </a:r>
             <a:r>
               <a:rPr lang="en"/>
-              <a:t> then is a representation of a </a:t>
+              <a:t>task</a:t>
+            </a:r>
+            <a:r>
+              <a:rPr lang="en"/>
+              <a:t> is one in which we’re </a:t>
+            </a:r>
+            <a:r>
+              <a:rPr lang="en"/>
+              <a:t>trying</a:t>
+            </a:r>
+            <a:r>
+              <a:rPr lang="en"/>
+              <a:t> to </a:t>
+            </a:r>
+            <a:r>
+              <a:rPr b="1" lang="en">
+                <a:solidFill>
+                  <a:srgbClr val="465510"/>
+                </a:solidFill>
+              </a:rPr>
+              <a:t>predict a category or label</a:t>
+            </a:r>
+            <a:r>
+              <a:rPr lang="en"/>
+              <a:t> given a </a:t>
             </a:r>
             <a:r>
               <a:rPr b="1" lang="en">
@@ -13419,11 +13337,11 @@
                 <a:cs typeface="Consolas"/>
                 <a:sym typeface="Consolas"/>
               </a:rPr>
-              <a:t>sample </a:t>
+              <a:t>sample</a:t>
             </a:r>
             <a:r>
               <a:rPr lang="en"/>
-              <a:t>in some high-dimensional space</a:t>
+              <a:t>.</a:t>
             </a:r>
             <a:endParaRPr/>
           </a:p>
@@ -13444,14 +13362,123 @@
             <a:r>
               <a:t/>
             </a:r>
-            <a:endParaRPr>
+            <a:endParaRPr/>
+          </a:p>
+          <a:p>
+            <a:pPr indent="0" lvl="0" marL="0" rtl="0" algn="l">
+              <a:lnSpc>
+                <a:spcPct val="100000"/>
+              </a:lnSpc>
+              <a:spcBef>
+                <a:spcPts val="600"/>
+              </a:spcBef>
+              <a:spcAft>
+                <a:spcPts val="0"/>
+              </a:spcAft>
+              <a:buSzPts val="3000"/>
+              <a:buNone/>
+            </a:pPr>
+            <a:r>
+              <a:t/>
+            </a:r>
+            <a:endParaRPr/>
+          </a:p>
+          <a:p>
+            <a:pPr indent="0" lvl="0" marL="0" rtl="0" algn="l">
+              <a:lnSpc>
+                <a:spcPct val="100000"/>
+              </a:lnSpc>
+              <a:spcBef>
+                <a:spcPts val="600"/>
+              </a:spcBef>
+              <a:spcAft>
+                <a:spcPts val="0"/>
+              </a:spcAft>
+              <a:buSzPts val="3000"/>
+              <a:buNone/>
+            </a:pPr>
+            <a:r>
+              <a:t/>
+            </a:r>
+            <a:endParaRPr/>
+          </a:p>
+          <a:p>
+            <a:pPr indent="0" lvl="0" marL="0" rtl="0" algn="l">
+              <a:lnSpc>
+                <a:spcPct val="100000"/>
+              </a:lnSpc>
+              <a:spcBef>
+                <a:spcPts val="600"/>
+              </a:spcBef>
+              <a:spcAft>
+                <a:spcPts val="0"/>
+              </a:spcAft>
+              <a:buSzPts val="3000"/>
+              <a:buNone/>
+            </a:pPr>
+            <a:r>
+              <a:t/>
+            </a:r>
+            <a:endParaRPr/>
+          </a:p>
+          <a:p>
+            <a:pPr indent="0" lvl="0" marL="0" rtl="0" algn="l">
+              <a:lnSpc>
+                <a:spcPct val="100000"/>
+              </a:lnSpc>
+              <a:spcBef>
+                <a:spcPts val="600"/>
+              </a:spcBef>
+              <a:spcAft>
+                <a:spcPts val="0"/>
+              </a:spcAft>
+              <a:buSzPts val="3000"/>
+              <a:buNone/>
+            </a:pPr>
+            <a:r>
+              <a:rPr lang="en"/>
+              <a:t>For our student </a:t>
+            </a:r>
+            <a:r>
+              <a:rPr b="1" lang="en">
+                <a:solidFill>
+                  <a:srgbClr val="5AABBC"/>
+                </a:solidFill>
+                <a:latin typeface="Consolas"/>
+                <a:ea typeface="Consolas"/>
+                <a:cs typeface="Consolas"/>
+                <a:sym typeface="Consolas"/>
+              </a:rPr>
+              <a:t>dataset</a:t>
+            </a:r>
+            <a:r>
+              <a:rPr lang="en"/>
+              <a:t>, our categories are: </a:t>
+            </a:r>
+            <a:r>
+              <a:rPr b="1" lang="en">
+                <a:solidFill>
+                  <a:srgbClr val="DCB439"/>
+                </a:solidFill>
+              </a:rPr>
+              <a:t>“Will Graduate”</a:t>
+            </a:r>
+            <a:r>
+              <a:rPr lang="en"/>
+              <a:t> and </a:t>
+            </a:r>
+            <a:r>
+              <a:rPr b="1" lang="en">
+                <a:solidFill>
+                  <a:srgbClr val="DCB439"/>
+                </a:solidFill>
+              </a:rPr>
+              <a:t>“Will not graduate”</a:t>
+            </a:r>
+            <a:endParaRPr b="1">
               <a:solidFill>
-                <a:srgbClr val="5AABBC"/>
+                <a:srgbClr val="DCB439"/>
               </a:solidFill>
-              <a:latin typeface="Consolas"/>
-              <a:ea typeface="Consolas"/>
-              <a:cs typeface="Consolas"/>
-              <a:sym typeface="Consolas"/>
             </a:endParaRPr>
           </a:p>
           <a:p>
@@ -13510,7 +13537,7 @@
       </p:grpSpPr>
       <p:sp>
         <p:nvSpPr>
-          <p:cNvPr id="215" name="Google Shape;215;g3bbeee67e43_0_137"/>
+          <p:cNvPr id="215" name="Google Shape;215;g3bbeee67e43_0_142"/>
           <p:cNvSpPr txBox="1"/>
           <p:nvPr>
             <p:ph type="title"/>
@@ -13554,7 +13581,15 @@
                   <a:srgbClr val="A31415"/>
                 </a:solidFill>
               </a:rPr>
-              <a:t>Deep Learning</a:t>
+              <a:t>Machine</a:t>
+            </a:r>
+            <a:r>
+              <a:rPr lang="en">
+                <a:solidFill>
+                  <a:srgbClr val="A31415"/>
+                </a:solidFill>
+              </a:rPr>
+              <a:t> Learning</a:t>
             </a:r>
             <a:r>
               <a:rPr lang="en"/>
@@ -13570,7 +13605,7 @@
                 <a:cs typeface="Consolas"/>
                 <a:sym typeface="Consolas"/>
               </a:rPr>
-              <a:t>Dataset</a:t>
+              <a:t>Supervised Learning</a:t>
             </a:r>
             <a:endParaRPr>
               <a:solidFill>
@@ -13586,7 +13621,7 @@
       </p:sp>
       <p:sp>
         <p:nvSpPr>
-          <p:cNvPr id="216" name="Google Shape;216;g3bbeee67e43_0_137"/>
+          <p:cNvPr id="216" name="Google Shape;216;g3bbeee67e43_0_142"/>
           <p:cNvSpPr txBox="1"/>
           <p:nvPr>
             <p:ph idx="1" type="body"/>
@@ -13595,7 +13630,7 @@
         <p:spPr>
           <a:xfrm>
             <a:off x="457200" y="1600200"/>
-            <a:ext cx="8229600" cy="1728600"/>
+            <a:ext cx="8229600" cy="2440800"/>
           </a:xfrm>
           <a:prstGeom prst="rect">
             <a:avLst/>
@@ -13626,7 +13661,7 @@
             </a:pPr>
             <a:r>
               <a:rPr lang="en"/>
-              <a:t>A </a:t>
+              <a:t>We call it </a:t>
             </a:r>
             <a:r>
               <a:rPr b="1" lang="en">
@@ -13638,11 +13673,11 @@
                 <a:cs typeface="Consolas"/>
                 <a:sym typeface="Consolas"/>
               </a:rPr>
-              <a:t>dataset </a:t>
+              <a:t>supervised learning</a:t>
             </a:r>
             <a:r>
               <a:rPr lang="en"/>
-              <a:t>is a collection of </a:t>
+              <a:t> when we have examples of the correct answer in our </a:t>
             </a:r>
             <a:r>
               <a:rPr b="1" lang="en">
@@ -13654,11 +13689,23 @@
                 <a:cs typeface="Consolas"/>
                 <a:sym typeface="Consolas"/>
               </a:rPr>
-              <a:t>feature vectors</a:t>
+              <a:t>dataset</a:t>
             </a:r>
             <a:r>
               <a:rPr lang="en"/>
-              <a:t> for </a:t>
+              <a:t>, because </a:t>
+            </a:r>
+            <a:r>
+              <a:rPr b="1" lang="en">
+                <a:solidFill>
+                  <a:srgbClr val="465510"/>
+                </a:solidFill>
+              </a:rPr>
+              <a:t>we can tell our model if it guessed correctly or not</a:t>
+            </a:r>
+            <a:r>
+              <a:rPr lang="en"/>
+              <a:t>. We call these correct answers </a:t>
             </a:r>
             <a:r>
               <a:rPr b="1" lang="en">
@@ -13670,44 +13717,9 @@
                 <a:cs typeface="Consolas"/>
                 <a:sym typeface="Consolas"/>
               </a:rPr>
-              <a:t>samples</a:t>
-            </a:r>
-            <a:r>
-              <a:rPr lang="en"/>
-              <a:t> that are </a:t>
-            </a:r>
-            <a:r>
-              <a:rPr b="1" lang="en">
-                <a:solidFill>
-                  <a:srgbClr val="DCB439"/>
-                </a:solidFill>
-              </a:rPr>
-              <a:t>ideally representative of the population</a:t>
-            </a:r>
-            <a:r>
-              <a:rPr lang="en"/>
-              <a:t> we’re interested in</a:t>
-            </a:r>
-            <a:endParaRPr/>
-          </a:p>
-          <a:p>
-            <a:pPr indent="0" lvl="0" marL="0" rtl="0" algn="l">
-              <a:lnSpc>
-                <a:spcPct val="100000"/>
-              </a:lnSpc>
-              <a:spcBef>
-                <a:spcPts val="600"/>
-              </a:spcBef>
-              <a:spcAft>
-                <a:spcPts val="0"/>
-              </a:spcAft>
-              <a:buSzPts val="3000"/>
-              <a:buNone/>
-            </a:pPr>
-            <a:r>
-              <a:t/>
-            </a:r>
-            <a:endParaRPr>
+              <a:t>ground truth</a:t>
+            </a:r>
+            <a:endParaRPr b="1">
               <a:solidFill>
                 <a:srgbClr val="5AABBC"/>
               </a:solidFill>
@@ -17151,6 +17163,285 @@
 </file>
 
 <file path=ppt/theme/theme1.xml><?xml version="1.0" encoding="utf-8"?>
+<a:theme xmlns:a="http://schemas.openxmlformats.org/drawingml/2006/main" xmlns:r="http://schemas.openxmlformats.org/officeDocument/2006/relationships" name="PB Theme">
+  <a:themeElements>
+    <a:clrScheme name="Custom 347">
+      <a:dk1>
+        <a:srgbClr val="000000"/>
+      </a:dk1>
+      <a:lt1>
+        <a:srgbClr val="FFFFFF"/>
+      </a:lt1>
+      <a:dk2>
+        <a:srgbClr val="666666"/>
+      </a:dk2>
+      <a:lt2>
+        <a:srgbClr val="CCCCCC"/>
+      </a:lt2>
+      <a:accent1>
+        <a:srgbClr val="3A81BA"/>
+      </a:accent1>
+      <a:accent2>
+        <a:srgbClr val="D89F39"/>
+      </a:accent2>
+      <a:accent3>
+        <a:srgbClr val="8BAB42"/>
+      </a:accent3>
+      <a:accent4>
+        <a:srgbClr val="57A7B5"/>
+      </a:accent4>
+      <a:accent5>
+        <a:srgbClr val="8B81D2"/>
+      </a:accent5>
+      <a:accent6>
+        <a:srgbClr val="963334"/>
+      </a:accent6>
+      <a:hlink>
+        <a:srgbClr val="1155CC"/>
+      </a:hlink>
+      <a:folHlink>
+        <a:srgbClr val="6611CC"/>
+      </a:folHlink>
+    </a:clrScheme>
+    <a:fontScheme name="Office">
+      <a:majorFont>
+        <a:latin typeface="Arial"/>
+        <a:ea typeface=""/>
+        <a:cs typeface=""/>
+        <a:font script="Jpan" typeface="ＭＳ Ｐゴシック"/>
+        <a:font script="Hang" typeface="맑은 고딕"/>
+        <a:font script="Hans" typeface="宋体"/>
+        <a:font script="Hant" typeface="新細明體"/>
+        <a:font script="Arab" typeface="Times New Roman"/>
+        <a:font script="Hebr" typeface="Times New Roman"/>
+        <a:font script="Thai" typeface="Angsana New"/>
+        <a:font script="Ethi" typeface="Nyala"/>
+        <a:font script="Beng" typeface="Vrinda"/>
+        <a:font script="Gujr" typeface="Shruti"/>
+        <a:font script="Khmr" typeface="MoolBoran"/>
+        <a:font script="Knda" typeface="Tunga"/>
+        <a:font script="Guru" typeface="Raavi"/>
+        <a:font script="Cans" typeface="Euphemia"/>
+        <a:font script="Cher" typeface="Plantagenet Cherokee"/>
+        <a:font script="Yiii" typeface="Microsoft Yi Baiti"/>
+        <a:font script="Tibt" typeface="Microsoft Himalaya"/>
+        <a:font script="Thaa" typeface="MV Boli"/>
+        <a:font script="Deva" typeface="Mangal"/>
+        <a:font script="Telu" typeface="Gautami"/>
+        <a:font script="Taml" typeface="Latha"/>
+        <a:font script="Syrc" typeface="Estrangelo Edessa"/>
+        <a:font script="Orya" typeface="Kalinga"/>
+        <a:font script="Mlym" typeface="Kartika"/>
+        <a:font script="Laoo" typeface="DokChampa"/>
+        <a:font script="Sinh" typeface="Iskoola Pota"/>
+        <a:font script="Mong" typeface="Mongolian Baiti"/>
+        <a:font script="Viet" typeface="Times New Roman"/>
+        <a:font script="Uigh" typeface="Microsoft Uighur"/>
+        <a:font script="Geor" typeface="Sylfaen"/>
+      </a:majorFont>
+      <a:minorFont>
+        <a:latin typeface="Arial"/>
+        <a:ea typeface=""/>
+        <a:cs typeface=""/>
+        <a:font script="Jpan" typeface="ＭＳ Ｐゴシック"/>
+        <a:font script="Hang" typeface="맑은 고딕"/>
+        <a:font script="Hans" typeface="宋体"/>
+        <a:font script="Hant" typeface="新細明體"/>
+        <a:font script="Arab" typeface="Arial"/>
+        <a:font script="Hebr" typeface="Arial"/>
+        <a:font script="Thai" typeface="Cordia New"/>
+        <a:font script="Ethi" typeface="Nyala"/>
+        <a:font script="Beng" typeface="Vrinda"/>
+        <a:font script="Gujr" typeface="Shruti"/>
+        <a:font script="Khmr" typeface="DaunPenh"/>
+        <a:font script="Knda" typeface="Tunga"/>
+        <a:font script="Guru" typeface="Raavi"/>
+        <a:font script="Cans" typeface="Euphemia"/>
+        <a:font script="Cher" typeface="Plantagenet Cherokee"/>
+        <a:font script="Yiii" typeface="Microsoft Yi Baiti"/>
+        <a:font script="Tibt" typeface="Microsoft Himalaya"/>
+        <a:font script="Thaa" typeface="MV Boli"/>
+        <a:font script="Deva" typeface="Mangal"/>
+        <a:font script="Telu" typeface="Gautami"/>
+        <a:font script="Taml" typeface="Latha"/>
+        <a:font script="Syrc" typeface="Estrangelo Edessa"/>
+        <a:font script="Orya" typeface="Kalinga"/>
+        <a:font script="Mlym" typeface="Kartika"/>
+        <a:font script="Laoo" typeface="DokChampa"/>
+        <a:font script="Sinh" typeface="Iskoola Pota"/>
+        <a:font script="Mong" typeface="Mongolian Baiti"/>
+        <a:font script="Viet" typeface="Arial"/>
+        <a:font script="Uigh" typeface="Microsoft Uighur"/>
+        <a:font script="Geor" typeface="Sylfaen"/>
+      </a:minorFont>
+    </a:fontScheme>
+    <a:fmtScheme name="Office">
+      <a:fillStyleLst>
+        <a:solidFill>
+          <a:schemeClr val="phClr"/>
+        </a:solidFill>
+        <a:gradFill rotWithShape="1">
+          <a:gsLst>
+            <a:gs pos="0">
+              <a:schemeClr val="phClr">
+                <a:tint val="50000"/>
+                <a:satMod val="300000"/>
+              </a:schemeClr>
+            </a:gs>
+            <a:gs pos="35000">
+              <a:schemeClr val="phClr">
+                <a:tint val="37000"/>
+                <a:satMod val="300000"/>
+              </a:schemeClr>
+            </a:gs>
+            <a:gs pos="100000">
+              <a:schemeClr val="phClr">
+                <a:tint val="15000"/>
+                <a:satMod val="350000"/>
+              </a:schemeClr>
+            </a:gs>
+          </a:gsLst>
+          <a:lin ang="16200000" scaled="1"/>
+        </a:gradFill>
+        <a:gradFill rotWithShape="1">
+          <a:gsLst>
+            <a:gs pos="0">
+              <a:schemeClr val="phClr">
+                <a:tint val="100000"/>
+                <a:shade val="100000"/>
+                <a:satMod val="130000"/>
+              </a:schemeClr>
+            </a:gs>
+            <a:gs pos="100000">
+              <a:schemeClr val="phClr">
+                <a:tint val="50000"/>
+                <a:shade val="100000"/>
+                <a:satMod val="350000"/>
+              </a:schemeClr>
+            </a:gs>
+          </a:gsLst>
+          <a:lin ang="16200000" scaled="0"/>
+        </a:gradFill>
+      </a:fillStyleLst>
+      <a:lnStyleLst>
+        <a:ln w="9525" cap="flat" cmpd="sng" algn="ctr">
+          <a:solidFill>
+            <a:schemeClr val="phClr">
+              <a:shade val="95000"/>
+              <a:satMod val="105000"/>
+            </a:schemeClr>
+          </a:solidFill>
+          <a:prstDash val="solid"/>
+        </a:ln>
+        <a:ln w="25400" cap="flat" cmpd="sng" algn="ctr">
+          <a:solidFill>
+            <a:schemeClr val="phClr"/>
+          </a:solidFill>
+          <a:prstDash val="solid"/>
+        </a:ln>
+        <a:ln w="38100" cap="flat" cmpd="sng" algn="ctr">
+          <a:solidFill>
+            <a:schemeClr val="phClr"/>
+          </a:solidFill>
+          <a:prstDash val="solid"/>
+        </a:ln>
+      </a:lnStyleLst>
+      <a:effectStyleLst>
+        <a:effectStyle>
+          <a:effectLst>
+            <a:outerShdw blurRad="40000" dist="20000" dir="5400000" rotWithShape="0">
+              <a:srgbClr val="000000">
+                <a:alpha val="38000"/>
+              </a:srgbClr>
+            </a:outerShdw>
+          </a:effectLst>
+        </a:effectStyle>
+        <a:effectStyle>
+          <a:effectLst>
+            <a:outerShdw blurRad="40000" dist="23000" dir="5400000" rotWithShape="0">
+              <a:srgbClr val="000000">
+                <a:alpha val="35000"/>
+              </a:srgbClr>
+            </a:outerShdw>
+          </a:effectLst>
+        </a:effectStyle>
+        <a:effectStyle>
+          <a:effectLst>
+            <a:outerShdw blurRad="40000" dist="23000" dir="5400000" rotWithShape="0">
+              <a:srgbClr val="000000">
+                <a:alpha val="35000"/>
+              </a:srgbClr>
+            </a:outerShdw>
+          </a:effectLst>
+          <a:scene3d>
+            <a:camera prst="orthographicFront">
+              <a:rot lat="0" lon="0" rev="0"/>
+            </a:camera>
+            <a:lightRig rig="threePt" dir="t">
+              <a:rot lat="0" lon="0" rev="1200000"/>
+            </a:lightRig>
+          </a:scene3d>
+          <a:sp3d>
+            <a:bevelT w="63500" h="25400"/>
+          </a:sp3d>
+        </a:effectStyle>
+      </a:effectStyleLst>
+      <a:bgFillStyleLst>
+        <a:solidFill>
+          <a:schemeClr val="phClr"/>
+        </a:solidFill>
+        <a:gradFill rotWithShape="1">
+          <a:gsLst>
+            <a:gs pos="0">
+              <a:schemeClr val="phClr">
+                <a:tint val="40000"/>
+                <a:satMod val="350000"/>
+              </a:schemeClr>
+            </a:gs>
+            <a:gs pos="40000">
+              <a:schemeClr val="phClr">
+                <a:tint val="45000"/>
+                <a:shade val="99000"/>
+                <a:satMod val="350000"/>
+              </a:schemeClr>
+            </a:gs>
+            <a:gs pos="100000">
+              <a:schemeClr val="phClr">
+                <a:shade val="20000"/>
+                <a:satMod val="255000"/>
+              </a:schemeClr>
+            </a:gs>
+          </a:gsLst>
+          <a:path path="circle">
+            <a:fillToRect l="50000" t="-80000" r="50000" b="180000"/>
+          </a:path>
+        </a:gradFill>
+        <a:gradFill rotWithShape="1">
+          <a:gsLst>
+            <a:gs pos="0">
+              <a:schemeClr val="phClr">
+                <a:tint val="80000"/>
+                <a:satMod val="300000"/>
+              </a:schemeClr>
+            </a:gs>
+            <a:gs pos="100000">
+              <a:schemeClr val="phClr">
+                <a:shade val="30000"/>
+                <a:satMod val="200000"/>
+              </a:schemeClr>
+            </a:gs>
+          </a:gsLst>
+          <a:path path="circle">
+            <a:fillToRect l="50000" t="50000" r="50000" b="50000"/>
+          </a:path>
+        </a:gradFill>
+      </a:bgFillStyleLst>
+    </a:fmtScheme>
+  </a:themeElements>
+</a:theme>
+</file>
+
+<file path=ppt/theme/theme2.xml><?xml version="1.0" encoding="utf-8"?>
 <a:theme xmlns:a="http://schemas.openxmlformats.org/drawingml/2006/main" xmlns:r="http://schemas.openxmlformats.org/officeDocument/2006/relationships">
   <a:themeElements>
     <a:clrScheme name="Default">
@@ -17427,283 +17718,4 @@
     </a:fmtScheme>
   </a:themeElements>
 </a:theme>
-</file>
-
-<file path=ppt/theme/theme2.xml><?xml version="1.0" encoding="utf-8"?>
-<a:theme xmlns:a="http://schemas.openxmlformats.org/drawingml/2006/main" xmlns:r="http://schemas.openxmlformats.org/officeDocument/2006/relationships" name="PB Theme">
-  <a:themeElements>
-    <a:clrScheme name="Custom 347">
-      <a:dk1>
-        <a:srgbClr val="000000"/>
-      </a:dk1>
-      <a:lt1>
-        <a:srgbClr val="FFFFFF"/>
-      </a:lt1>
-      <a:dk2>
-        <a:srgbClr val="666666"/>
-      </a:dk2>
-      <a:lt2>
-        <a:srgbClr val="CCCCCC"/>
-      </a:lt2>
-      <a:accent1>
-        <a:srgbClr val="3A81BA"/>
-      </a:accent1>
-      <a:accent2>
-        <a:srgbClr val="D89F39"/>
-      </a:accent2>
-      <a:accent3>
-        <a:srgbClr val="8BAB42"/>
-      </a:accent3>
-      <a:accent4>
-        <a:srgbClr val="57A7B5"/>
-      </a:accent4>
-      <a:accent5>
-        <a:srgbClr val="8B81D2"/>
-      </a:accent5>
-      <a:accent6>
-        <a:srgbClr val="963334"/>
-      </a:accent6>
-      <a:hlink>
-        <a:srgbClr val="1155CC"/>
-      </a:hlink>
-      <a:folHlink>
-        <a:srgbClr val="6611CC"/>
-      </a:folHlink>
-    </a:clrScheme>
-    <a:fontScheme name="Office">
-      <a:majorFont>
-        <a:latin typeface="Arial"/>
-        <a:ea typeface=""/>
-        <a:cs typeface=""/>
-        <a:font script="Jpan" typeface="ＭＳ Ｐゴシック"/>
-        <a:font script="Hang" typeface="맑은 고딕"/>
-        <a:font script="Hans" typeface="宋体"/>
-        <a:font script="Hant" typeface="新細明體"/>
-        <a:font script="Arab" typeface="Times New Roman"/>
-        <a:font script="Hebr" typeface="Times New Roman"/>
-        <a:font script="Thai" typeface="Angsana New"/>
-        <a:font script="Ethi" typeface="Nyala"/>
-        <a:font script="Beng" typeface="Vrinda"/>
-        <a:font script="Gujr" typeface="Shruti"/>
-        <a:font script="Khmr" typeface="MoolBoran"/>
-        <a:font script="Knda" typeface="Tunga"/>
-        <a:font script="Guru" typeface="Raavi"/>
-        <a:font script="Cans" typeface="Euphemia"/>
-        <a:font script="Cher" typeface="Plantagenet Cherokee"/>
-        <a:font script="Yiii" typeface="Microsoft Yi Baiti"/>
-        <a:font script="Tibt" typeface="Microsoft Himalaya"/>
-        <a:font script="Thaa" typeface="MV Boli"/>
-        <a:font script="Deva" typeface="Mangal"/>
-        <a:font script="Telu" typeface="Gautami"/>
-        <a:font script="Taml" typeface="Latha"/>
-        <a:font script="Syrc" typeface="Estrangelo Edessa"/>
-        <a:font script="Orya" typeface="Kalinga"/>
-        <a:font script="Mlym" typeface="Kartika"/>
-        <a:font script="Laoo" typeface="DokChampa"/>
-        <a:font script="Sinh" typeface="Iskoola Pota"/>
-        <a:font script="Mong" typeface="Mongolian Baiti"/>
-        <a:font script="Viet" typeface="Times New Roman"/>
-        <a:font script="Uigh" typeface="Microsoft Uighur"/>
-        <a:font script="Geor" typeface="Sylfaen"/>
-      </a:majorFont>
-      <a:minorFont>
-        <a:latin typeface="Arial"/>
-        <a:ea typeface=""/>
-        <a:cs typeface=""/>
-        <a:font script="Jpan" typeface="ＭＳ Ｐゴシック"/>
-        <a:font script="Hang" typeface="맑은 고딕"/>
-        <a:font script="Hans" typeface="宋体"/>
-        <a:font script="Hant" typeface="新細明體"/>
-        <a:font script="Arab" typeface="Arial"/>
-        <a:font script="Hebr" typeface="Arial"/>
-        <a:font script="Thai" typeface="Cordia New"/>
-        <a:font script="Ethi" typeface="Nyala"/>
-        <a:font script="Beng" typeface="Vrinda"/>
-        <a:font script="Gujr" typeface="Shruti"/>
-        <a:font script="Khmr" typeface="DaunPenh"/>
-        <a:font script="Knda" typeface="Tunga"/>
-        <a:font script="Guru" typeface="Raavi"/>
-        <a:font script="Cans" typeface="Euphemia"/>
-        <a:font script="Cher" typeface="Plantagenet Cherokee"/>
-        <a:font script="Yiii" typeface="Microsoft Yi Baiti"/>
-        <a:font script="Tibt" typeface="Microsoft Himalaya"/>
-        <a:font script="Thaa" typeface="MV Boli"/>
-        <a:font script="Deva" typeface="Mangal"/>
-        <a:font script="Telu" typeface="Gautami"/>
-        <a:font script="Taml" typeface="Latha"/>
-        <a:font script="Syrc" typeface="Estrangelo Edessa"/>
-        <a:font script="Orya" typeface="Kalinga"/>
-        <a:font script="Mlym" typeface="Kartika"/>
-        <a:font script="Laoo" typeface="DokChampa"/>
-        <a:font script="Sinh" typeface="Iskoola Pota"/>
-        <a:font script="Mong" typeface="Mongolian Baiti"/>
-        <a:font script="Viet" typeface="Arial"/>
-        <a:font script="Uigh" typeface="Microsoft Uighur"/>
-        <a:font script="Geor" typeface="Sylfaen"/>
-      </a:minorFont>
-    </a:fontScheme>
-    <a:fmtScheme name="Office">
-      <a:fillStyleLst>
-        <a:solidFill>
-          <a:schemeClr val="phClr"/>
-        </a:solidFill>
-        <a:gradFill rotWithShape="1">
-          <a:gsLst>
-            <a:gs pos="0">
-              <a:schemeClr val="phClr">
-                <a:tint val="50000"/>
-                <a:satMod val="300000"/>
-              </a:schemeClr>
-            </a:gs>
-            <a:gs pos="35000">
-              <a:schemeClr val="phClr">
-                <a:tint val="37000"/>
-                <a:satMod val="300000"/>
-              </a:schemeClr>
-            </a:gs>
-            <a:gs pos="100000">
-              <a:schemeClr val="phClr">
-                <a:tint val="15000"/>
-                <a:satMod val="350000"/>
-              </a:schemeClr>
-            </a:gs>
-          </a:gsLst>
-          <a:lin ang="16200000" scaled="1"/>
-        </a:gradFill>
-        <a:gradFill rotWithShape="1">
-          <a:gsLst>
-            <a:gs pos="0">
-              <a:schemeClr val="phClr">
-                <a:tint val="100000"/>
-                <a:shade val="100000"/>
-                <a:satMod val="130000"/>
-              </a:schemeClr>
-            </a:gs>
-            <a:gs pos="100000">
-              <a:schemeClr val="phClr">
-                <a:tint val="50000"/>
-                <a:shade val="100000"/>
-                <a:satMod val="350000"/>
-              </a:schemeClr>
-            </a:gs>
-          </a:gsLst>
-          <a:lin ang="16200000" scaled="0"/>
-        </a:gradFill>
-      </a:fillStyleLst>
-      <a:lnStyleLst>
-        <a:ln w="9525" cap="flat" cmpd="sng" algn="ctr">
-          <a:solidFill>
-            <a:schemeClr val="phClr">
-              <a:shade val="95000"/>
-              <a:satMod val="105000"/>
-            </a:schemeClr>
-          </a:solidFill>
-          <a:prstDash val="solid"/>
-        </a:ln>
-        <a:ln w="25400" cap="flat" cmpd="sng" algn="ctr">
-          <a:solidFill>
-            <a:schemeClr val="phClr"/>
-          </a:solidFill>
-          <a:prstDash val="solid"/>
-        </a:ln>
-        <a:ln w="38100" cap="flat" cmpd="sng" algn="ctr">
-          <a:solidFill>
-            <a:schemeClr val="phClr"/>
-          </a:solidFill>
-          <a:prstDash val="solid"/>
-        </a:ln>
-      </a:lnStyleLst>
-      <a:effectStyleLst>
-        <a:effectStyle>
-          <a:effectLst>
-            <a:outerShdw blurRad="40000" dist="20000" dir="5400000" rotWithShape="0">
-              <a:srgbClr val="000000">
-                <a:alpha val="38000"/>
-              </a:srgbClr>
-            </a:outerShdw>
-          </a:effectLst>
-        </a:effectStyle>
-        <a:effectStyle>
-          <a:effectLst>
-            <a:outerShdw blurRad="40000" dist="23000" dir="5400000" rotWithShape="0">
-              <a:srgbClr val="000000">
-                <a:alpha val="35000"/>
-              </a:srgbClr>
-            </a:outerShdw>
-          </a:effectLst>
-        </a:effectStyle>
-        <a:effectStyle>
-          <a:effectLst>
-            <a:outerShdw blurRad="40000" dist="23000" dir="5400000" rotWithShape="0">
-              <a:srgbClr val="000000">
-                <a:alpha val="35000"/>
-              </a:srgbClr>
-            </a:outerShdw>
-          </a:effectLst>
-          <a:scene3d>
-            <a:camera prst="orthographicFront">
-              <a:rot lat="0" lon="0" rev="0"/>
-            </a:camera>
-            <a:lightRig rig="threePt" dir="t">
-              <a:rot lat="0" lon="0" rev="1200000"/>
-            </a:lightRig>
-          </a:scene3d>
-          <a:sp3d>
-            <a:bevelT w="63500" h="25400"/>
-          </a:sp3d>
-        </a:effectStyle>
-      </a:effectStyleLst>
-      <a:bgFillStyleLst>
-        <a:solidFill>
-          <a:schemeClr val="phClr"/>
-        </a:solidFill>
-        <a:gradFill rotWithShape="1">
-          <a:gsLst>
-            <a:gs pos="0">
-              <a:schemeClr val="phClr">
-                <a:tint val="40000"/>
-                <a:satMod val="350000"/>
-              </a:schemeClr>
-            </a:gs>
-            <a:gs pos="40000">
-              <a:schemeClr val="phClr">
-                <a:tint val="45000"/>
-                <a:shade val="99000"/>
-                <a:satMod val="350000"/>
-              </a:schemeClr>
-            </a:gs>
-            <a:gs pos="100000">
-              <a:schemeClr val="phClr">
-                <a:shade val="20000"/>
-                <a:satMod val="255000"/>
-              </a:schemeClr>
-            </a:gs>
-          </a:gsLst>
-          <a:path path="circle">
-            <a:fillToRect l="50000" t="-80000" r="50000" b="180000"/>
-          </a:path>
-        </a:gradFill>
-        <a:gradFill rotWithShape="1">
-          <a:gsLst>
-            <a:gs pos="0">
-              <a:schemeClr val="phClr">
-                <a:tint val="80000"/>
-                <a:satMod val="300000"/>
-              </a:schemeClr>
-            </a:gs>
-            <a:gs pos="100000">
-              <a:schemeClr val="phClr">
-                <a:shade val="30000"/>
-                <a:satMod val="200000"/>
-              </a:schemeClr>
-            </a:gs>
-          </a:gsLst>
-          <a:path path="circle">
-            <a:fillToRect l="50000" t="50000" r="50000" b="50000"/>
-          </a:path>
-        </a:gradFill>
-      </a:bgFillStyleLst>
-    </a:fmtScheme>
-  </a:themeElements>
-</a:theme>
 </file>
--- a/Blank/Lecture_05_ Tokenization_03.pptx
+++ b/Blank/Lecture_05_ Tokenization_03.pptx
@@ -267,7 +267,7 @@
   </p:defaultTextStyle>
   <p:extLst>
     <p:ext uri="GoogleSlidesCustomDataVersion2">
-      <go:slidesCustomData xmlns:go="http://customooxmlschemas.google.com/" r:id="rId30" roundtripDataSignature="AMtx7mizZVBybQxIx/MIe8lh7GJfY52YEA=="/>
+      <go:slidesCustomData xmlns:go="http://customooxmlschemas.google.com/" r:id="rId30" roundtripDataSignature="AMtx7mhYMrLYAAQJQ/tC4BrRvp9R3qZNsw=="/>
     </p:ext>
   </p:extLst>
 </p:presentation>
@@ -1523,7 +1523,7 @@
   <p:cSld>
     <p:spTree>
       <p:nvGrpSpPr>
-        <p:cNvPr id="138" name="Shape 138"/>
+        <p:cNvPr id="153" name="Shape 153"/>
         <p:cNvGrpSpPr/>
         <p:nvPr/>
       </p:nvGrpSpPr>
@@ -1537,7 +1537,7 @@
       </p:grpSpPr>
       <p:sp>
         <p:nvSpPr>
-          <p:cNvPr id="139" name="Google Shape;139;g3b8409de4d6_0_108:notes"/>
+          <p:cNvPr id="154" name="Google Shape;154;g3b8409de4d6_0_108:notes"/>
           <p:cNvSpPr/>
           <p:nvPr>
             <p:ph idx="2" type="sldImg"/>
@@ -1582,7 +1582,7 @@
       </p:sp>
       <p:sp>
         <p:nvSpPr>
-          <p:cNvPr id="140" name="Google Shape;140;g3b8409de4d6_0_108:notes"/>
+          <p:cNvPr id="155" name="Google Shape;155;g3b8409de4d6_0_108:notes"/>
           <p:cNvSpPr txBox="1"/>
           <p:nvPr>
             <p:ph idx="1" type="body"/>
@@ -1640,7 +1640,7 @@
   <p:cSld>
     <p:spTree>
       <p:nvGrpSpPr>
-        <p:cNvPr id="146" name="Shape 146"/>
+        <p:cNvPr id="161" name="Shape 161"/>
         <p:cNvGrpSpPr/>
         <p:nvPr/>
       </p:nvGrpSpPr>
@@ -1654,7 +1654,7 @@
       </p:grpSpPr>
       <p:sp>
         <p:nvSpPr>
-          <p:cNvPr id="147" name="Google Shape;147;g3bbeee67e43_0_26:notes"/>
+          <p:cNvPr id="162" name="Google Shape;162;g3bbeee67e43_0_26:notes"/>
           <p:cNvSpPr/>
           <p:nvPr>
             <p:ph idx="2" type="sldImg"/>
@@ -1699,7 +1699,7 @@
       </p:sp>
       <p:sp>
         <p:nvSpPr>
-          <p:cNvPr id="148" name="Google Shape;148;g3bbeee67e43_0_26:notes"/>
+          <p:cNvPr id="163" name="Google Shape;163;g3bbeee67e43_0_26:notes"/>
           <p:cNvSpPr txBox="1"/>
           <p:nvPr>
             <p:ph idx="1" type="body"/>
@@ -1757,7 +1757,7 @@
   <p:cSld>
     <p:spTree>
       <p:nvGrpSpPr>
-        <p:cNvPr id="151" name="Shape 151"/>
+        <p:cNvPr id="166" name="Shape 166"/>
         <p:cNvGrpSpPr/>
         <p:nvPr/>
       </p:nvGrpSpPr>
@@ -1771,7 +1771,7 @@
       </p:grpSpPr>
       <p:sp>
         <p:nvSpPr>
-          <p:cNvPr id="152" name="Google Shape;152;g3bbeee67e43_0_44:notes"/>
+          <p:cNvPr id="167" name="Google Shape;167;g3bbeee67e43_0_44:notes"/>
           <p:cNvSpPr/>
           <p:nvPr>
             <p:ph idx="2" type="sldImg"/>
@@ -1806,7 +1806,7 @@
       </p:sp>
       <p:sp>
         <p:nvSpPr>
-          <p:cNvPr id="153" name="Google Shape;153;g3bbeee67e43_0_44:notes"/>
+          <p:cNvPr id="168" name="Google Shape;168;g3bbeee67e43_0_44:notes"/>
           <p:cNvSpPr txBox="1"/>
           <p:nvPr>
             <p:ph idx="1" type="body"/>
@@ -1856,7 +1856,7 @@
   <p:cSld>
     <p:spTree>
       <p:nvGrpSpPr>
-        <p:cNvPr id="159" name="Shape 159"/>
+        <p:cNvPr id="174" name="Shape 174"/>
         <p:cNvGrpSpPr/>
         <p:nvPr/>
       </p:nvGrpSpPr>
@@ -1870,7 +1870,7 @@
       </p:grpSpPr>
       <p:sp>
         <p:nvSpPr>
-          <p:cNvPr id="160" name="Google Shape;160;g3bbeee67e43_0_53:notes"/>
+          <p:cNvPr id="175" name="Google Shape;175;g3bbeee67e43_0_53:notes"/>
           <p:cNvSpPr/>
           <p:nvPr>
             <p:ph idx="2" type="sldImg"/>
@@ -1905,7 +1905,7 @@
       </p:sp>
       <p:sp>
         <p:nvSpPr>
-          <p:cNvPr id="161" name="Google Shape;161;g3bbeee67e43_0_53:notes"/>
+          <p:cNvPr id="176" name="Google Shape;176;g3bbeee67e43_0_53:notes"/>
           <p:cNvSpPr txBox="1"/>
           <p:nvPr>
             <p:ph idx="1" type="body"/>
@@ -1955,7 +1955,7 @@
   <p:cSld>
     <p:spTree>
       <p:nvGrpSpPr>
-        <p:cNvPr id="181" name="Shape 181"/>
+        <p:cNvPr id="196" name="Shape 196"/>
         <p:cNvGrpSpPr/>
         <p:nvPr/>
       </p:nvGrpSpPr>
@@ -1969,7 +1969,7 @@
       </p:grpSpPr>
       <p:sp>
         <p:nvSpPr>
-          <p:cNvPr id="182" name="Google Shape;182;g3bbeee67e43_0_98:notes"/>
+          <p:cNvPr id="197" name="Google Shape;197;g3bbeee67e43_0_98:notes"/>
           <p:cNvSpPr/>
           <p:nvPr>
             <p:ph idx="2" type="sldImg"/>
@@ -2004,7 +2004,7 @@
       </p:sp>
       <p:sp>
         <p:nvSpPr>
-          <p:cNvPr id="183" name="Google Shape;183;g3bbeee67e43_0_98:notes"/>
+          <p:cNvPr id="198" name="Google Shape;198;g3bbeee67e43_0_98:notes"/>
           <p:cNvSpPr txBox="1"/>
           <p:nvPr>
             <p:ph idx="1" type="body"/>
@@ -2171,7 +2171,7 @@
   <p:cSld>
     <p:spTree>
       <p:nvGrpSpPr>
-        <p:cNvPr id="187" name="Shape 187"/>
+        <p:cNvPr id="202" name="Shape 202"/>
         <p:cNvGrpSpPr/>
         <p:nvPr/>
       </p:nvGrpSpPr>
@@ -2185,7 +2185,7 @@
       </p:grpSpPr>
       <p:sp>
         <p:nvSpPr>
-          <p:cNvPr id="188" name="Google Shape;188;g3bbeee67e43_0_137:notes"/>
+          <p:cNvPr id="203" name="Google Shape;203;g3bbeee67e43_0_137:notes"/>
           <p:cNvSpPr/>
           <p:nvPr>
             <p:ph idx="2" type="sldImg"/>
@@ -2230,7 +2230,7 @@
       </p:sp>
       <p:sp>
         <p:nvSpPr>
-          <p:cNvPr id="189" name="Google Shape;189;g3bbeee67e43_0_137:notes"/>
+          <p:cNvPr id="204" name="Google Shape;204;g3bbeee67e43_0_137:notes"/>
           <p:cNvSpPr txBox="1"/>
           <p:nvPr>
             <p:ph idx="1" type="body"/>
@@ -2288,7 +2288,7 @@
   <p:cSld>
     <p:spTree>
       <p:nvGrpSpPr>
-        <p:cNvPr id="193" name="Shape 193"/>
+        <p:cNvPr id="208" name="Shape 208"/>
         <p:cNvGrpSpPr/>
         <p:nvPr/>
       </p:nvGrpSpPr>
@@ -2302,7 +2302,7 @@
       </p:grpSpPr>
       <p:sp>
         <p:nvSpPr>
-          <p:cNvPr id="194" name="Google Shape;194;g3bbeee67e43_0_126:notes"/>
+          <p:cNvPr id="209" name="Google Shape;209;g3bbeee67e43_0_126:notes"/>
           <p:cNvSpPr/>
           <p:nvPr>
             <p:ph idx="2" type="sldImg"/>
@@ -2347,7 +2347,7 @@
       </p:sp>
       <p:sp>
         <p:nvSpPr>
-          <p:cNvPr id="195" name="Google Shape;195;g3bbeee67e43_0_126:notes"/>
+          <p:cNvPr id="210" name="Google Shape;210;g3bbeee67e43_0_126:notes"/>
           <p:cNvSpPr txBox="1"/>
           <p:nvPr>
             <p:ph idx="1" type="body"/>
@@ -2405,7 +2405,7 @@
   <p:cSld>
     <p:spTree>
       <p:nvGrpSpPr>
-        <p:cNvPr id="199" name="Shape 199"/>
+        <p:cNvPr id="214" name="Shape 214"/>
         <p:cNvGrpSpPr/>
         <p:nvPr/>
       </p:nvGrpSpPr>
@@ -2419,7 +2419,7 @@
       </p:grpSpPr>
       <p:sp>
         <p:nvSpPr>
-          <p:cNvPr id="200" name="Google Shape;200;g3bbeee67e43_0_132:notes"/>
+          <p:cNvPr id="215" name="Google Shape;215;g3bbeee67e43_0_132:notes"/>
           <p:cNvSpPr/>
           <p:nvPr>
             <p:ph idx="2" type="sldImg"/>
@@ -2464,7 +2464,7 @@
       </p:sp>
       <p:sp>
         <p:nvSpPr>
-          <p:cNvPr id="201" name="Google Shape;201;g3bbeee67e43_0_132:notes"/>
+          <p:cNvPr id="216" name="Google Shape;216;g3bbeee67e43_0_132:notes"/>
           <p:cNvSpPr txBox="1"/>
           <p:nvPr>
             <p:ph idx="1" type="body"/>
@@ -2522,7 +2522,7 @@
   <p:cSld>
     <p:spTree>
       <p:nvGrpSpPr>
-        <p:cNvPr id="205" name="Shape 205"/>
+        <p:cNvPr id="220" name="Shape 220"/>
         <p:cNvGrpSpPr/>
         <p:nvPr/>
       </p:nvGrpSpPr>
@@ -2536,7 +2536,7 @@
       </p:grpSpPr>
       <p:sp>
         <p:nvSpPr>
-          <p:cNvPr id="206" name="Google Shape;206;g3bbeee67e43_0_147:notes"/>
+          <p:cNvPr id="221" name="Google Shape;221;g3bbeee67e43_0_147:notes"/>
           <p:cNvSpPr/>
           <p:nvPr>
             <p:ph idx="2" type="sldImg"/>
@@ -2581,7 +2581,7 @@
       </p:sp>
       <p:sp>
         <p:nvSpPr>
-          <p:cNvPr id="207" name="Google Shape;207;g3bbeee67e43_0_147:notes"/>
+          <p:cNvPr id="222" name="Google Shape;222;g3bbeee67e43_0_147:notes"/>
           <p:cNvSpPr txBox="1"/>
           <p:nvPr>
             <p:ph idx="1" type="body"/>
@@ -2639,7 +2639,7 @@
   <p:cSld>
     <p:spTree>
       <p:nvGrpSpPr>
-        <p:cNvPr id="211" name="Shape 211"/>
+        <p:cNvPr id="226" name="Shape 226"/>
         <p:cNvGrpSpPr/>
         <p:nvPr/>
       </p:nvGrpSpPr>
@@ -2653,7 +2653,7 @@
       </p:grpSpPr>
       <p:sp>
         <p:nvSpPr>
-          <p:cNvPr id="212" name="Google Shape;212;g3bbeee67e43_0_142:notes"/>
+          <p:cNvPr id="227" name="Google Shape;227;g3bbeee67e43_0_142:notes"/>
           <p:cNvSpPr/>
           <p:nvPr>
             <p:ph idx="2" type="sldImg"/>
@@ -2698,7 +2698,7 @@
       </p:sp>
       <p:sp>
         <p:nvSpPr>
-          <p:cNvPr id="213" name="Google Shape;213;g3bbeee67e43_0_142:notes"/>
+          <p:cNvPr id="228" name="Google Shape;228;g3bbeee67e43_0_142:notes"/>
           <p:cNvSpPr txBox="1"/>
           <p:nvPr>
             <p:ph idx="1" type="body"/>
@@ -2756,7 +2756,7 @@
   <p:cSld>
     <p:spTree>
       <p:nvGrpSpPr>
-        <p:cNvPr id="217" name="Shape 217"/>
+        <p:cNvPr id="232" name="Shape 232"/>
         <p:cNvGrpSpPr/>
         <p:nvPr/>
       </p:nvGrpSpPr>
@@ -2770,7 +2770,7 @@
       </p:grpSpPr>
       <p:sp>
         <p:nvSpPr>
-          <p:cNvPr id="218" name="Google Shape;218;g3bbeee67e43_0_93:notes"/>
+          <p:cNvPr id="233" name="Google Shape;233;g3bbeee67e43_0_93:notes"/>
           <p:cNvSpPr/>
           <p:nvPr>
             <p:ph idx="2" type="sldImg"/>
@@ -2805,7 +2805,7 @@
       </p:sp>
       <p:sp>
         <p:nvSpPr>
-          <p:cNvPr id="219" name="Google Shape;219;g3bbeee67e43_0_93:notes"/>
+          <p:cNvPr id="234" name="Google Shape;234;g3bbeee67e43_0_93:notes"/>
           <p:cNvSpPr txBox="1"/>
           <p:nvPr>
             <p:ph idx="1" type="body"/>
@@ -10824,7 +10824,7 @@
         <p:spPr>
           <a:xfrm>
             <a:off x="457200" y="1600200"/>
-            <a:ext cx="8229600" cy="4967700"/>
+            <a:ext cx="8229600" cy="2046300"/>
           </a:xfrm>
           <a:prstGeom prst="rect">
             <a:avLst/>
@@ -10846,9 +10846,872 @@
               <a:buNone/>
             </a:pPr>
             <a:r>
+              <a:rPr b="1" lang="en">
+                <a:solidFill>
+                  <a:srgbClr val="DCB439"/>
+                </a:solidFill>
+                <a:latin typeface="Consolas"/>
+                <a:ea typeface="Consolas"/>
+                <a:cs typeface="Consolas"/>
+                <a:sym typeface="Consolas"/>
+              </a:rPr>
+              <a:t>Lab 01</a:t>
+            </a:r>
+            <a:r>
+              <a:rPr lang="en"/>
+              <a:t> will be a guided walkthrough of programming a </a:t>
+            </a:r>
+            <a:r>
+              <a:rPr b="1" lang="en">
+                <a:solidFill>
+                  <a:srgbClr val="5AABBC"/>
+                </a:solidFill>
+                <a:latin typeface="Consolas"/>
+                <a:ea typeface="Consolas"/>
+                <a:cs typeface="Consolas"/>
+                <a:sym typeface="Consolas"/>
+              </a:rPr>
+              <a:t>RegexTokenizer() class </a:t>
+            </a:r>
+            <a:r>
+              <a:rPr lang="en"/>
+              <a:t>which will be the first piece of code for our </a:t>
+            </a:r>
+            <a:r>
+              <a:rPr b="1" lang="en">
+                <a:solidFill>
+                  <a:srgbClr val="5AABBC"/>
+                </a:solidFill>
+                <a:latin typeface="Consolas"/>
+                <a:ea typeface="Consolas"/>
+                <a:cs typeface="Consolas"/>
+                <a:sym typeface="Consolas"/>
+              </a:rPr>
+              <a:t>LLM</a:t>
+            </a:r>
+            <a:r>
+              <a:rPr lang="en"/>
+              <a:t> we’re building this semester.</a:t>
+            </a:r>
+            <a:endParaRPr/>
+          </a:p>
+        </p:txBody>
+      </p:sp>
+      <p:pic>
+        <p:nvPicPr>
+          <p:cNvPr id="138" name="Google Shape;138;g3bbeee67e43_0_30"/>
+          <p:cNvPicPr preferRelativeResize="0"/>
+          <p:nvPr/>
+        </p:nvPicPr>
+        <p:blipFill rotWithShape="1">
+          <a:blip r:embed="rId3">
+            <a:alphaModFix/>
+          </a:blip>
+          <a:srcRect b="0" l="0" r="0" t="0"/>
+          <a:stretch/>
+        </p:blipFill>
+        <p:spPr>
+          <a:xfrm>
+            <a:off x="3187037" y="3766943"/>
+            <a:ext cx="3010832" cy="2284690"/>
+          </a:xfrm>
+          <a:prstGeom prst="rect">
+            <a:avLst/>
+          </a:prstGeom>
+          <a:noFill/>
+          <a:ln>
+            <a:noFill/>
+          </a:ln>
+        </p:spPr>
+      </p:pic>
+      <p:sp>
+        <p:nvSpPr>
+          <p:cNvPr id="139" name="Google Shape;139;g3bbeee67e43_0_30"/>
+          <p:cNvSpPr/>
+          <p:nvPr/>
+        </p:nvSpPr>
+        <p:spPr>
+          <a:xfrm>
+            <a:off x="3055086" y="5743857"/>
+            <a:ext cx="1157700" cy="720900"/>
+          </a:xfrm>
+          <a:prstGeom prst="roundRect">
+            <a:avLst>
+              <a:gd fmla="val 16667" name="adj"/>
+            </a:avLst>
+          </a:prstGeom>
+          <a:solidFill>
+            <a:srgbClr val="CFE2F3"/>
+          </a:solidFill>
+          <a:ln>
+            <a:noFill/>
+          </a:ln>
+        </p:spPr>
+        <p:txBody>
+          <a:bodyPr anchorCtr="0" anchor="ctr" bIns="40675" lIns="40675" spcFirstLastPara="1" rIns="40675" wrap="square" tIns="40675">
+            <a:noAutofit/>
+          </a:bodyPr>
+          <a:lstStyle/>
+          <a:p>
+            <a:pPr indent="0" lvl="0" marL="0" marR="0" rtl="0" algn="ctr">
+              <a:lnSpc>
+                <a:spcPct val="100000"/>
+              </a:lnSpc>
+              <a:spcBef>
+                <a:spcPts val="0"/>
+              </a:spcBef>
+              <a:spcAft>
+                <a:spcPts val="0"/>
+              </a:spcAft>
+              <a:buClr>
+                <a:srgbClr val="000000"/>
+              </a:buClr>
+              <a:buSzPts val="445"/>
+              <a:buFont typeface="Arial"/>
+              <a:buNone/>
+            </a:pPr>
+            <a:r>
               <a:t/>
             </a:r>
-            <a:endParaRPr/>
+            <a:endParaRPr b="0" i="0" sz="444" u="none" cap="none" strike="noStrike">
+              <a:solidFill>
+                <a:srgbClr val="000000"/>
+              </a:solidFill>
+              <a:latin typeface="Arial"/>
+              <a:ea typeface="Arial"/>
+              <a:cs typeface="Arial"/>
+              <a:sym typeface="Arial"/>
+            </a:endParaRPr>
+          </a:p>
+        </p:txBody>
+      </p:sp>
+      <p:sp>
+        <p:nvSpPr>
+          <p:cNvPr id="140" name="Google Shape;140;g3bbeee67e43_0_30"/>
+          <p:cNvSpPr/>
+          <p:nvPr/>
+        </p:nvSpPr>
+        <p:spPr>
+          <a:xfrm>
+            <a:off x="3533953" y="5659908"/>
+            <a:ext cx="199800" cy="84000"/>
+          </a:xfrm>
+          <a:prstGeom prst="rect">
+            <a:avLst/>
+          </a:prstGeom>
+          <a:solidFill>
+            <a:schemeClr val="lt1"/>
+          </a:solidFill>
+          <a:ln cap="flat" cmpd="sng" w="4225">
+            <a:solidFill>
+              <a:schemeClr val="lt1"/>
+            </a:solidFill>
+            <a:prstDash val="solid"/>
+            <a:round/>
+            <a:headEnd len="sm" w="sm" type="none"/>
+            <a:tailEnd len="sm" w="sm" type="none"/>
+          </a:ln>
+        </p:spPr>
+        <p:txBody>
+          <a:bodyPr anchorCtr="0" anchor="ctr" bIns="40675" lIns="40675" spcFirstLastPara="1" rIns="40675" wrap="square" tIns="40675">
+            <a:noAutofit/>
+          </a:bodyPr>
+          <a:lstStyle/>
+          <a:p>
+            <a:pPr indent="0" lvl="0" marL="0" marR="0" rtl="0" algn="ctr">
+              <a:lnSpc>
+                <a:spcPct val="100000"/>
+              </a:lnSpc>
+              <a:spcBef>
+                <a:spcPts val="0"/>
+              </a:spcBef>
+              <a:spcAft>
+                <a:spcPts val="0"/>
+              </a:spcAft>
+              <a:buClr>
+                <a:srgbClr val="000000"/>
+              </a:buClr>
+              <a:buSzPts val="623"/>
+              <a:buFont typeface="Arial"/>
+              <a:buNone/>
+            </a:pPr>
+            <a:r>
+              <a:t/>
+            </a:r>
+            <a:endParaRPr b="0" i="0" sz="622" u="none" cap="none" strike="noStrike">
+              <a:solidFill>
+                <a:srgbClr val="000000"/>
+              </a:solidFill>
+              <a:latin typeface="Arial"/>
+              <a:ea typeface="Arial"/>
+              <a:cs typeface="Arial"/>
+              <a:sym typeface="Arial"/>
+            </a:endParaRPr>
+          </a:p>
+        </p:txBody>
+      </p:sp>
+      <p:sp>
+        <p:nvSpPr>
+          <p:cNvPr id="141" name="Google Shape;141;g3bbeee67e43_0_30"/>
+          <p:cNvSpPr/>
+          <p:nvPr/>
+        </p:nvSpPr>
+        <p:spPr>
+          <a:xfrm>
+            <a:off x="3414570" y="5796691"/>
+            <a:ext cx="439800" cy="135900"/>
+          </a:xfrm>
+          <a:prstGeom prst="roundRect">
+            <a:avLst>
+              <a:gd fmla="val 16667" name="adj"/>
+            </a:avLst>
+          </a:prstGeom>
+          <a:solidFill>
+            <a:srgbClr val="ABFF95"/>
+          </a:solidFill>
+          <a:ln cap="flat" cmpd="sng" w="4225">
+            <a:solidFill>
+              <a:schemeClr val="dk1"/>
+            </a:solidFill>
+            <a:prstDash val="solid"/>
+            <a:round/>
+            <a:headEnd len="sm" w="sm" type="none"/>
+            <a:tailEnd len="sm" w="sm" type="none"/>
+          </a:ln>
+        </p:spPr>
+        <p:txBody>
+          <a:bodyPr anchorCtr="0" anchor="ctr" bIns="40675" lIns="40675" spcFirstLastPara="1" rIns="40675" wrap="square" tIns="40675">
+            <a:noAutofit/>
+          </a:bodyPr>
+          <a:lstStyle/>
+          <a:p>
+            <a:pPr indent="0" lvl="0" marL="0" marR="0" rtl="0" algn="ctr">
+              <a:lnSpc>
+                <a:spcPct val="100000"/>
+              </a:lnSpc>
+              <a:spcBef>
+                <a:spcPts val="0"/>
+              </a:spcBef>
+              <a:spcAft>
+                <a:spcPts val="0"/>
+              </a:spcAft>
+              <a:buClr>
+                <a:srgbClr val="000000"/>
+              </a:buClr>
+              <a:buSzPts val="445"/>
+              <a:buFont typeface="Arial"/>
+              <a:buNone/>
+            </a:pPr>
+            <a:r>
+              <a:rPr b="0" i="0" lang="en" sz="444" u="none" cap="none" strike="noStrike">
+                <a:solidFill>
+                  <a:srgbClr val="000000"/>
+                </a:solidFill>
+                <a:latin typeface="Arial"/>
+                <a:ea typeface="Arial"/>
+                <a:cs typeface="Arial"/>
+                <a:sym typeface="Arial"/>
+              </a:rPr>
+              <a:t>Embeddings</a:t>
+            </a:r>
+            <a:endParaRPr b="0" i="0" sz="444" u="none" cap="none" strike="noStrike">
+              <a:solidFill>
+                <a:srgbClr val="000000"/>
+              </a:solidFill>
+              <a:latin typeface="Arial"/>
+              <a:ea typeface="Arial"/>
+              <a:cs typeface="Arial"/>
+              <a:sym typeface="Arial"/>
+            </a:endParaRPr>
+          </a:p>
+        </p:txBody>
+      </p:sp>
+      <p:cxnSp>
+        <p:nvCxnSpPr>
+          <p:cNvPr id="142" name="Google Shape;142;g3bbeee67e43_0_30"/>
+          <p:cNvCxnSpPr>
+            <a:stCxn id="141" idx="0"/>
+          </p:cNvCxnSpPr>
+          <p:nvPr/>
+        </p:nvCxnSpPr>
+        <p:spPr>
+          <a:xfrm flipH="1" rot="10800000">
+            <a:off x="3634470" y="5569891"/>
+            <a:ext cx="1200" cy="226800"/>
+          </a:xfrm>
+          <a:prstGeom prst="straightConnector1">
+            <a:avLst/>
+          </a:prstGeom>
+          <a:noFill/>
+          <a:ln cap="flat" cmpd="sng" w="8475">
+            <a:solidFill>
+              <a:schemeClr val="dk2"/>
+            </a:solidFill>
+            <a:prstDash val="solid"/>
+            <a:round/>
+            <a:headEnd len="sm" w="sm" type="none"/>
+            <a:tailEnd len="sm" w="sm" type="none"/>
+          </a:ln>
+        </p:spPr>
+      </p:cxnSp>
+      <p:sp>
+        <p:nvSpPr>
+          <p:cNvPr id="143" name="Google Shape;143;g3bbeee67e43_0_30"/>
+          <p:cNvSpPr/>
+          <p:nvPr/>
+        </p:nvSpPr>
+        <p:spPr>
+          <a:xfrm>
+            <a:off x="3414570" y="6018512"/>
+            <a:ext cx="439800" cy="135900"/>
+          </a:xfrm>
+          <a:prstGeom prst="roundRect">
+            <a:avLst>
+              <a:gd fmla="val 16667" name="adj"/>
+            </a:avLst>
+          </a:prstGeom>
+          <a:solidFill>
+            <a:srgbClr val="FFF995"/>
+          </a:solidFill>
+          <a:ln cap="flat" cmpd="sng" w="4225">
+            <a:solidFill>
+              <a:schemeClr val="dk1"/>
+            </a:solidFill>
+            <a:prstDash val="solid"/>
+            <a:round/>
+            <a:headEnd len="sm" w="sm" type="none"/>
+            <a:tailEnd len="sm" w="sm" type="none"/>
+          </a:ln>
+        </p:spPr>
+        <p:txBody>
+          <a:bodyPr anchorCtr="0" anchor="ctr" bIns="40675" lIns="40675" spcFirstLastPara="1" rIns="40675" wrap="square" tIns="40675">
+            <a:noAutofit/>
+          </a:bodyPr>
+          <a:lstStyle/>
+          <a:p>
+            <a:pPr indent="0" lvl="0" marL="0" marR="0" rtl="0" algn="ctr">
+              <a:lnSpc>
+                <a:spcPct val="100000"/>
+              </a:lnSpc>
+              <a:spcBef>
+                <a:spcPts val="0"/>
+              </a:spcBef>
+              <a:spcAft>
+                <a:spcPts val="0"/>
+              </a:spcAft>
+              <a:buClr>
+                <a:srgbClr val="000000"/>
+              </a:buClr>
+              <a:buSzPts val="445"/>
+              <a:buFont typeface="Arial"/>
+              <a:buNone/>
+            </a:pPr>
+            <a:r>
+              <a:rPr b="0" i="0" lang="en" sz="444" u="none" cap="none" strike="noStrike">
+                <a:solidFill>
+                  <a:srgbClr val="000000"/>
+                </a:solidFill>
+                <a:latin typeface="Arial"/>
+                <a:ea typeface="Arial"/>
+                <a:cs typeface="Arial"/>
+                <a:sym typeface="Arial"/>
+              </a:rPr>
+              <a:t>Tokenizer</a:t>
+            </a:r>
+            <a:endParaRPr b="0" i="0" sz="444" u="none" cap="none" strike="noStrike">
+              <a:solidFill>
+                <a:srgbClr val="000000"/>
+              </a:solidFill>
+              <a:latin typeface="Arial"/>
+              <a:ea typeface="Arial"/>
+              <a:cs typeface="Arial"/>
+              <a:sym typeface="Arial"/>
+            </a:endParaRPr>
+          </a:p>
+        </p:txBody>
+      </p:sp>
+      <p:cxnSp>
+        <p:nvCxnSpPr>
+          <p:cNvPr id="144" name="Google Shape;144;g3bbeee67e43_0_30"/>
+          <p:cNvCxnSpPr>
+            <a:stCxn id="143" idx="0"/>
+            <a:endCxn id="141" idx="2"/>
+          </p:cNvCxnSpPr>
+          <p:nvPr/>
+        </p:nvCxnSpPr>
+        <p:spPr>
+          <a:xfrm rot="10800000">
+            <a:off x="3634470" y="5932712"/>
+            <a:ext cx="0" cy="85800"/>
+          </a:xfrm>
+          <a:prstGeom prst="straightConnector1">
+            <a:avLst/>
+          </a:prstGeom>
+          <a:noFill/>
+          <a:ln cap="flat" cmpd="sng" w="8475">
+            <a:solidFill>
+              <a:schemeClr val="dk2"/>
+            </a:solidFill>
+            <a:prstDash val="solid"/>
+            <a:round/>
+            <a:headEnd len="sm" w="sm" type="none"/>
+            <a:tailEnd len="sm" w="sm" type="none"/>
+          </a:ln>
+        </p:spPr>
+      </p:cxnSp>
+      <p:sp>
+        <p:nvSpPr>
+          <p:cNvPr id="145" name="Google Shape;145;g3bbeee67e43_0_30"/>
+          <p:cNvSpPr/>
+          <p:nvPr/>
+        </p:nvSpPr>
+        <p:spPr>
+          <a:xfrm>
+            <a:off x="3104778" y="6240327"/>
+            <a:ext cx="1058400" cy="135900"/>
+          </a:xfrm>
+          <a:prstGeom prst="roundRect">
+            <a:avLst>
+              <a:gd fmla="val 16667" name="adj"/>
+            </a:avLst>
+          </a:prstGeom>
+          <a:solidFill>
+            <a:srgbClr val="95DCFF"/>
+          </a:solidFill>
+          <a:ln cap="flat" cmpd="sng" w="4225">
+            <a:solidFill>
+              <a:schemeClr val="dk1"/>
+            </a:solidFill>
+            <a:prstDash val="solid"/>
+            <a:round/>
+            <a:headEnd len="sm" w="sm" type="none"/>
+            <a:tailEnd len="sm" w="sm" type="none"/>
+          </a:ln>
+        </p:spPr>
+        <p:txBody>
+          <a:bodyPr anchorCtr="0" anchor="ctr" bIns="40675" lIns="40675" spcFirstLastPara="1" rIns="40675" wrap="square" tIns="40675">
+            <a:noAutofit/>
+          </a:bodyPr>
+          <a:lstStyle/>
+          <a:p>
+            <a:pPr indent="0" lvl="0" marL="0" marR="0" rtl="0" algn="ctr">
+              <a:lnSpc>
+                <a:spcPct val="100000"/>
+              </a:lnSpc>
+              <a:spcBef>
+                <a:spcPts val="0"/>
+              </a:spcBef>
+              <a:spcAft>
+                <a:spcPts val="0"/>
+              </a:spcAft>
+              <a:buClr>
+                <a:srgbClr val="000000"/>
+              </a:buClr>
+              <a:buSzPts val="445"/>
+              <a:buFont typeface="Arial"/>
+              <a:buNone/>
+            </a:pPr>
+            <a:r>
+              <a:rPr b="0" i="0" lang="en" sz="444" u="none" cap="none" strike="noStrike">
+                <a:solidFill>
+                  <a:srgbClr val="000000"/>
+                </a:solidFill>
+                <a:latin typeface="Arial"/>
+                <a:ea typeface="Arial"/>
+                <a:cs typeface="Arial"/>
+                <a:sym typeface="Arial"/>
+              </a:rPr>
+              <a:t>“Please help me with my homework!!”</a:t>
+            </a:r>
+            <a:endParaRPr b="0" i="0" sz="444" u="none" cap="none" strike="noStrike">
+              <a:solidFill>
+                <a:srgbClr val="000000"/>
+              </a:solidFill>
+              <a:latin typeface="Arial"/>
+              <a:ea typeface="Arial"/>
+              <a:cs typeface="Arial"/>
+              <a:sym typeface="Arial"/>
+            </a:endParaRPr>
+          </a:p>
+        </p:txBody>
+      </p:sp>
+      <p:cxnSp>
+        <p:nvCxnSpPr>
+          <p:cNvPr id="146" name="Google Shape;146;g3bbeee67e43_0_30"/>
+          <p:cNvCxnSpPr>
+            <a:stCxn id="145" idx="0"/>
+            <a:endCxn id="143" idx="2"/>
+          </p:cNvCxnSpPr>
+          <p:nvPr/>
+        </p:nvCxnSpPr>
+        <p:spPr>
+          <a:xfrm flipH="1" rot="10800000">
+            <a:off x="3633978" y="6154527"/>
+            <a:ext cx="600" cy="85800"/>
+          </a:xfrm>
+          <a:prstGeom prst="straightConnector1">
+            <a:avLst/>
+          </a:prstGeom>
+          <a:noFill/>
+          <a:ln cap="flat" cmpd="sng" w="8475">
+            <a:solidFill>
+              <a:schemeClr val="dk2"/>
+            </a:solidFill>
+            <a:prstDash val="solid"/>
+            <a:round/>
+            <a:headEnd len="sm" w="sm" type="none"/>
+            <a:tailEnd len="sm" w="sm" type="none"/>
+          </a:ln>
+        </p:spPr>
+      </p:cxnSp>
+      <p:sp>
+        <p:nvSpPr>
+          <p:cNvPr id="147" name="Google Shape;147;g3bbeee67e43_0_30"/>
+          <p:cNvSpPr/>
+          <p:nvPr/>
+        </p:nvSpPr>
+        <p:spPr>
+          <a:xfrm>
+            <a:off x="3512265" y="4129879"/>
+            <a:ext cx="243300" cy="155400"/>
+          </a:xfrm>
+          <a:prstGeom prst="rect">
+            <a:avLst/>
+          </a:prstGeom>
+          <a:solidFill>
+            <a:schemeClr val="lt1"/>
+          </a:solidFill>
+          <a:ln cap="flat" cmpd="sng" w="4225">
+            <a:solidFill>
+              <a:schemeClr val="lt1"/>
+            </a:solidFill>
+            <a:prstDash val="solid"/>
+            <a:round/>
+            <a:headEnd len="sm" w="sm" type="none"/>
+            <a:tailEnd len="sm" w="sm" type="none"/>
+          </a:ln>
+        </p:spPr>
+        <p:txBody>
+          <a:bodyPr anchorCtr="0" anchor="ctr" bIns="40675" lIns="40675" spcFirstLastPara="1" rIns="40675" wrap="square" tIns="40675">
+            <a:noAutofit/>
+          </a:bodyPr>
+          <a:lstStyle/>
+          <a:p>
+            <a:pPr indent="0" lvl="0" marL="0" marR="0" rtl="0" algn="ctr">
+              <a:lnSpc>
+                <a:spcPct val="100000"/>
+              </a:lnSpc>
+              <a:spcBef>
+                <a:spcPts val="0"/>
+              </a:spcBef>
+              <a:spcAft>
+                <a:spcPts val="0"/>
+              </a:spcAft>
+              <a:buClr>
+                <a:srgbClr val="000000"/>
+              </a:buClr>
+              <a:buSzPts val="623"/>
+              <a:buFont typeface="Arial"/>
+              <a:buNone/>
+            </a:pPr>
+            <a:r>
+              <a:t/>
+            </a:r>
+            <a:endParaRPr b="0" i="0" sz="622" u="none" cap="none" strike="noStrike">
+              <a:solidFill>
+                <a:srgbClr val="000000"/>
+              </a:solidFill>
+              <a:latin typeface="Arial"/>
+              <a:ea typeface="Arial"/>
+              <a:cs typeface="Arial"/>
+              <a:sym typeface="Arial"/>
+            </a:endParaRPr>
+          </a:p>
+        </p:txBody>
+      </p:sp>
+      <p:sp>
+        <p:nvSpPr>
+          <p:cNvPr id="148" name="Google Shape;148;g3bbeee67e43_0_30"/>
+          <p:cNvSpPr/>
+          <p:nvPr/>
+        </p:nvSpPr>
+        <p:spPr>
+          <a:xfrm>
+            <a:off x="2946113" y="3766949"/>
+            <a:ext cx="1375500" cy="415800"/>
+          </a:xfrm>
+          <a:prstGeom prst="roundRect">
+            <a:avLst>
+              <a:gd fmla="val 16667" name="adj"/>
+            </a:avLst>
+          </a:prstGeom>
+          <a:solidFill>
+            <a:srgbClr val="D9EAD3"/>
+          </a:solidFill>
+          <a:ln>
+            <a:noFill/>
+          </a:ln>
+        </p:spPr>
+        <p:txBody>
+          <a:bodyPr anchorCtr="0" anchor="ctr" bIns="40675" lIns="40675" spcFirstLastPara="1" rIns="40675" wrap="square" tIns="40675">
+            <a:noAutofit/>
+          </a:bodyPr>
+          <a:lstStyle/>
+          <a:p>
+            <a:pPr indent="0" lvl="0" marL="0" marR="0" rtl="0" algn="ctr">
+              <a:lnSpc>
+                <a:spcPct val="100000"/>
+              </a:lnSpc>
+              <a:spcBef>
+                <a:spcPts val="0"/>
+              </a:spcBef>
+              <a:spcAft>
+                <a:spcPts val="0"/>
+              </a:spcAft>
+              <a:buClr>
+                <a:srgbClr val="000000"/>
+              </a:buClr>
+              <a:buSzPts val="445"/>
+              <a:buFont typeface="Arial"/>
+              <a:buNone/>
+            </a:pPr>
+            <a:r>
+              <a:t/>
+            </a:r>
+            <a:endParaRPr b="0" i="0" sz="444" u="none" cap="none" strike="noStrike">
+              <a:solidFill>
+                <a:srgbClr val="000000"/>
+              </a:solidFill>
+              <a:latin typeface="Arial"/>
+              <a:ea typeface="Arial"/>
+              <a:cs typeface="Arial"/>
+              <a:sym typeface="Arial"/>
+            </a:endParaRPr>
+          </a:p>
+        </p:txBody>
+      </p:sp>
+      <p:sp>
+        <p:nvSpPr>
+          <p:cNvPr id="149" name="Google Shape;149;g3bbeee67e43_0_30"/>
+          <p:cNvSpPr/>
+          <p:nvPr/>
+        </p:nvSpPr>
+        <p:spPr>
+          <a:xfrm>
+            <a:off x="3055086" y="3835749"/>
+            <a:ext cx="1157700" cy="278100"/>
+          </a:xfrm>
+          <a:prstGeom prst="roundRect">
+            <a:avLst>
+              <a:gd fmla="val 16667" name="adj"/>
+            </a:avLst>
+          </a:prstGeom>
+          <a:solidFill>
+            <a:srgbClr val="ABFF95"/>
+          </a:solidFill>
+          <a:ln cap="flat" cmpd="sng" w="4225">
+            <a:solidFill>
+              <a:schemeClr val="dk1"/>
+            </a:solidFill>
+            <a:prstDash val="solid"/>
+            <a:round/>
+            <a:headEnd len="sm" w="sm" type="none"/>
+            <a:tailEnd len="sm" w="sm" type="none"/>
+          </a:ln>
+        </p:spPr>
+        <p:txBody>
+          <a:bodyPr anchorCtr="0" anchor="ctr" bIns="40675" lIns="40675" spcFirstLastPara="1" rIns="40675" wrap="square" tIns="40675">
+            <a:noAutofit/>
+          </a:bodyPr>
+          <a:lstStyle/>
+          <a:p>
+            <a:pPr indent="0" lvl="0" marL="0" marR="0" rtl="0" algn="l">
+              <a:lnSpc>
+                <a:spcPct val="100000"/>
+              </a:lnSpc>
+              <a:spcBef>
+                <a:spcPts val="0"/>
+              </a:spcBef>
+              <a:spcAft>
+                <a:spcPts val="0"/>
+              </a:spcAft>
+              <a:buClr>
+                <a:srgbClr val="000000"/>
+              </a:buClr>
+              <a:buSzPts val="445"/>
+              <a:buFont typeface="Arial"/>
+              <a:buNone/>
+            </a:pPr>
+            <a:r>
+              <a:rPr b="0" i="0" lang="en" sz="444" u="none" cap="none" strike="noStrike">
+                <a:solidFill>
+                  <a:srgbClr val="000000"/>
+                </a:solidFill>
+                <a:latin typeface="Arial"/>
+                <a:ea typeface="Arial"/>
+                <a:cs typeface="Arial"/>
+                <a:sym typeface="Arial"/>
+              </a:rPr>
+              <a:t>Response: “Certainly, as a large language model I’d be happy to help you cheat on your homework assignment”</a:t>
+            </a:r>
+            <a:endParaRPr b="0" i="0" sz="444" u="none" cap="none" strike="noStrike">
+              <a:solidFill>
+                <a:srgbClr val="000000"/>
+              </a:solidFill>
+              <a:latin typeface="Arial"/>
+              <a:ea typeface="Arial"/>
+              <a:cs typeface="Arial"/>
+              <a:sym typeface="Arial"/>
+            </a:endParaRPr>
+          </a:p>
+        </p:txBody>
+      </p:sp>
+      <p:cxnSp>
+        <p:nvCxnSpPr>
+          <p:cNvPr id="150" name="Google Shape;150;g3bbeee67e43_0_30"/>
+          <p:cNvCxnSpPr>
+            <a:endCxn id="149" idx="2"/>
+          </p:cNvCxnSpPr>
+          <p:nvPr/>
+        </p:nvCxnSpPr>
+        <p:spPr>
+          <a:xfrm rot="10800000">
+            <a:off x="3633936" y="4113849"/>
+            <a:ext cx="2100" cy="201000"/>
+          </a:xfrm>
+          <a:prstGeom prst="straightConnector1">
+            <a:avLst/>
+          </a:prstGeom>
+          <a:noFill/>
+          <a:ln cap="flat" cmpd="sng" w="8475">
+            <a:solidFill>
+              <a:schemeClr val="dk2"/>
+            </a:solidFill>
+            <a:prstDash val="solid"/>
+            <a:round/>
+            <a:headEnd len="sm" w="sm" type="none"/>
+            <a:tailEnd len="sm" w="sm" type="none"/>
+          </a:ln>
+        </p:spPr>
+      </p:cxnSp>
+      <p:sp>
+        <p:nvSpPr>
+          <p:cNvPr id="151" name="Google Shape;151;g3bbeee67e43_0_30"/>
+          <p:cNvSpPr/>
+          <p:nvPr/>
+        </p:nvSpPr>
+        <p:spPr>
+          <a:xfrm>
+            <a:off x="2980435" y="5974447"/>
+            <a:ext cx="1295100" cy="548100"/>
+          </a:xfrm>
+          <a:prstGeom prst="rect">
+            <a:avLst/>
+          </a:prstGeom>
+          <a:noFill/>
+          <a:ln cap="flat" cmpd="sng" w="38100">
+            <a:solidFill>
+              <a:srgbClr val="DCB439"/>
+            </a:solidFill>
+            <a:prstDash val="solid"/>
+            <a:round/>
+            <a:headEnd len="sm" w="sm" type="none"/>
+            <a:tailEnd len="sm" w="sm" type="none"/>
+          </a:ln>
+        </p:spPr>
+        <p:txBody>
+          <a:bodyPr anchorCtr="0" anchor="ctr" bIns="40675" lIns="40675" spcFirstLastPara="1" rIns="40675" wrap="square" tIns="40675">
+            <a:noAutofit/>
+          </a:bodyPr>
+          <a:lstStyle/>
+          <a:p>
+            <a:pPr indent="0" lvl="0" marL="0" marR="0" rtl="0" algn="ctr">
+              <a:lnSpc>
+                <a:spcPct val="100000"/>
+              </a:lnSpc>
+              <a:spcBef>
+                <a:spcPts val="0"/>
+              </a:spcBef>
+              <a:spcAft>
+                <a:spcPts val="0"/>
+              </a:spcAft>
+              <a:buClr>
+                <a:srgbClr val="000000"/>
+              </a:buClr>
+              <a:buSzPts val="623"/>
+              <a:buFont typeface="Arial"/>
+              <a:buNone/>
+            </a:pPr>
+            <a:r>
+              <a:t/>
+            </a:r>
+            <a:endParaRPr b="0" i="0" sz="622" u="none" cap="none" strike="noStrike">
+              <a:solidFill>
+                <a:srgbClr val="DCB439"/>
+              </a:solidFill>
+              <a:latin typeface="Arial"/>
+              <a:ea typeface="Arial"/>
+              <a:cs typeface="Arial"/>
+              <a:sym typeface="Arial"/>
+            </a:endParaRPr>
+          </a:p>
+        </p:txBody>
+      </p:sp>
+      <p:sp>
+        <p:nvSpPr>
+          <p:cNvPr id="152" name="Google Shape;152;g3bbeee67e43_0_30"/>
+          <p:cNvSpPr txBox="1"/>
+          <p:nvPr/>
+        </p:nvSpPr>
+        <p:spPr>
+          <a:xfrm>
+            <a:off x="2081625" y="6135100"/>
+            <a:ext cx="725400" cy="226800"/>
+          </a:xfrm>
+          <a:prstGeom prst="rect">
+            <a:avLst/>
+          </a:prstGeom>
+          <a:noFill/>
+          <a:ln>
+            <a:noFill/>
+          </a:ln>
+        </p:spPr>
+        <p:txBody>
+          <a:bodyPr anchorCtr="0" anchor="ctr" bIns="91425" lIns="91425" spcFirstLastPara="1" rIns="91425" wrap="square" tIns="91425">
+            <a:noAutofit/>
+          </a:bodyPr>
+          <a:lstStyle/>
+          <a:p>
+            <a:pPr indent="0" lvl="0" marL="0" rtl="0" algn="ctr">
+              <a:spcBef>
+                <a:spcPts val="0"/>
+              </a:spcBef>
+              <a:spcAft>
+                <a:spcPts val="0"/>
+              </a:spcAft>
+              <a:buNone/>
+            </a:pPr>
+            <a:r>
+              <a:rPr b="1" lang="en" sz="1200">
+                <a:solidFill>
+                  <a:srgbClr val="DCB439"/>
+                </a:solidFill>
+                <a:latin typeface="Consolas"/>
+                <a:ea typeface="Consolas"/>
+                <a:cs typeface="Consolas"/>
+                <a:sym typeface="Consolas"/>
+              </a:rPr>
+              <a:t>Lab 01</a:t>
+            </a:r>
+            <a:endParaRPr b="1" sz="1200">
+              <a:solidFill>
+                <a:srgbClr val="DCB439"/>
+              </a:solidFill>
+              <a:latin typeface="Consolas"/>
+              <a:ea typeface="Consolas"/>
+              <a:cs typeface="Consolas"/>
+              <a:sym typeface="Consolas"/>
+            </a:endParaRPr>
           </a:p>
         </p:txBody>
       </p:sp>
@@ -10865,7 +11728,7 @@
   <p:cSld>
     <p:spTree>
       <p:nvGrpSpPr>
-        <p:cNvPr id="141" name="Shape 141"/>
+        <p:cNvPr id="156" name="Shape 156"/>
         <p:cNvGrpSpPr/>
         <p:nvPr/>
       </p:nvGrpSpPr>
@@ -10879,7 +11742,7 @@
       </p:grpSpPr>
       <p:sp>
         <p:nvSpPr>
-          <p:cNvPr id="142" name="Google Shape;142;g3b8409de4d6_0_108"/>
+          <p:cNvPr id="157" name="Google Shape;157;g3b8409de4d6_0_108"/>
           <p:cNvSpPr txBox="1"/>
           <p:nvPr>
             <p:ph type="title"/>
@@ -10927,7 +11790,7 @@
       </p:sp>
       <p:sp>
         <p:nvSpPr>
-          <p:cNvPr id="143" name="Google Shape;143;g3b8409de4d6_0_108"/>
+          <p:cNvPr id="158" name="Google Shape;158;g3b8409de4d6_0_108"/>
           <p:cNvSpPr txBox="1"/>
           <p:nvPr>
             <p:ph idx="1" type="body"/>
@@ -11075,7 +11938,7 @@
       </p:sp>
       <p:pic>
         <p:nvPicPr>
-          <p:cNvPr id="144" name="Google Shape;144;g3b8409de4d6_0_108"/>
+          <p:cNvPr id="159" name="Google Shape;159;g3b8409de4d6_0_108"/>
           <p:cNvPicPr preferRelativeResize="0"/>
           <p:nvPr/>
         </p:nvPicPr>
@@ -11102,7 +11965,7 @@
       </p:pic>
       <p:pic>
         <p:nvPicPr>
-          <p:cNvPr id="145" name="Google Shape;145;g3b8409de4d6_0_108" title="IMG_0529.jpeg"/>
+          <p:cNvPr id="160" name="Google Shape;160;g3b8409de4d6_0_108" title="IMG_0529.jpeg"/>
           <p:cNvPicPr preferRelativeResize="0"/>
           <p:nvPr/>
         </p:nvPicPr>
@@ -11140,7 +12003,7 @@
   <p:cSld>
     <p:spTree>
       <p:nvGrpSpPr>
-        <p:cNvPr id="149" name="Shape 149"/>
+        <p:cNvPr id="164" name="Shape 164"/>
         <p:cNvGrpSpPr/>
         <p:nvPr/>
       </p:nvGrpSpPr>
@@ -11154,7 +12017,7 @@
       </p:grpSpPr>
       <p:sp>
         <p:nvSpPr>
-          <p:cNvPr id="150" name="Google Shape;150;g3bbeee67e43_0_26"/>
+          <p:cNvPr id="165" name="Google Shape;165;g3bbeee67e43_0_26"/>
           <p:cNvSpPr txBox="1"/>
           <p:nvPr>
             <p:ph type="ctrTitle"/>
@@ -11256,7 +12119,7 @@
   <p:cSld>
     <p:spTree>
       <p:nvGrpSpPr>
-        <p:cNvPr id="154" name="Shape 154"/>
+        <p:cNvPr id="169" name="Shape 169"/>
         <p:cNvGrpSpPr/>
         <p:nvPr/>
       </p:nvGrpSpPr>
@@ -11270,7 +12133,7 @@
       </p:grpSpPr>
       <p:sp>
         <p:nvSpPr>
-          <p:cNvPr id="155" name="Google Shape;155;g3bbeee67e43_0_44"/>
+          <p:cNvPr id="170" name="Google Shape;170;g3bbeee67e43_0_44"/>
           <p:cNvSpPr txBox="1"/>
           <p:nvPr>
             <p:ph type="title"/>
@@ -11310,7 +12173,7 @@
       </p:sp>
       <p:sp>
         <p:nvSpPr>
-          <p:cNvPr id="156" name="Google Shape;156;g3bbeee67e43_0_44"/>
+          <p:cNvPr id="171" name="Google Shape;171;g3bbeee67e43_0_44"/>
           <p:cNvSpPr txBox="1"/>
           <p:nvPr>
             <p:ph idx="1" type="body"/>
@@ -11358,7 +12221,7 @@
       </p:sp>
       <p:pic>
         <p:nvPicPr>
-          <p:cNvPr id="157" name="Google Shape;157;g3bbeee67e43_0_44" title="Screenshot 2026-01-27 at 11.03.21 AM.png"/>
+          <p:cNvPr id="172" name="Google Shape;172;g3bbeee67e43_0_44" title="Screenshot 2026-01-27 at 11.03.21 AM.png"/>
           <p:cNvPicPr preferRelativeResize="0"/>
           <p:nvPr/>
         </p:nvPicPr>
@@ -11386,7 +12249,7 @@
       </p:pic>
       <p:pic>
         <p:nvPicPr>
-          <p:cNvPr id="158" name="Google Shape;158;g3bbeee67e43_0_44" title="Screenshot 2026-01-27 at 11.04.18 AM.png"/>
+          <p:cNvPr id="173" name="Google Shape;173;g3bbeee67e43_0_44" title="Screenshot 2026-01-27 at 11.04.18 AM.png"/>
           <p:cNvPicPr preferRelativeResize="0"/>
           <p:nvPr/>
         </p:nvPicPr>
@@ -11425,7 +12288,7 @@
   <p:cSld>
     <p:spTree>
       <p:nvGrpSpPr>
-        <p:cNvPr id="162" name="Shape 162"/>
+        <p:cNvPr id="177" name="Shape 177"/>
         <p:cNvGrpSpPr/>
         <p:nvPr/>
       </p:nvGrpSpPr>
@@ -11439,7 +12302,7 @@
       </p:grpSpPr>
       <p:sp>
         <p:nvSpPr>
-          <p:cNvPr id="163" name="Google Shape;163;g3bbeee67e43_0_53"/>
+          <p:cNvPr id="178" name="Google Shape;178;g3bbeee67e43_0_53"/>
           <p:cNvSpPr txBox="1"/>
           <p:nvPr>
             <p:ph type="title"/>
@@ -11479,7 +12342,7 @@
       </p:sp>
       <p:pic>
         <p:nvPicPr>
-          <p:cNvPr id="164" name="Google Shape;164;g3bbeee67e43_0_53" title="Screenshot 2026-01-27 at 11.06.13 AM.png"/>
+          <p:cNvPr id="179" name="Google Shape;179;g3bbeee67e43_0_53" title="Screenshot 2026-01-27 at 11.06.13 AM.png"/>
           <p:cNvPicPr preferRelativeResize="0"/>
           <p:nvPr/>
         </p:nvPicPr>
@@ -11507,7 +12370,7 @@
       </p:pic>
       <p:pic>
         <p:nvPicPr>
-          <p:cNvPr id="165" name="Google Shape;165;g3bbeee67e43_0_53" title="Screenshot 2026-01-27 at 11.06.43 AM.png"/>
+          <p:cNvPr id="180" name="Google Shape;180;g3bbeee67e43_0_53" title="Screenshot 2026-01-27 at 11.06.43 AM.png"/>
           <p:cNvPicPr preferRelativeResize="0"/>
           <p:nvPr/>
         </p:nvPicPr>
@@ -11535,7 +12398,7 @@
       </p:pic>
       <p:pic>
         <p:nvPicPr>
-          <p:cNvPr id="166" name="Google Shape;166;g3bbeee67e43_0_53" title="Screenshot 2026-01-27 at 11.12.02 AM.png"/>
+          <p:cNvPr id="181" name="Google Shape;181;g3bbeee67e43_0_53" title="Screenshot 2026-01-27 at 11.12.02 AM.png"/>
           <p:cNvPicPr preferRelativeResize="0"/>
           <p:nvPr/>
         </p:nvPicPr>
@@ -11563,7 +12426,7 @@
       </p:pic>
       <p:pic>
         <p:nvPicPr>
-          <p:cNvPr id="167" name="Google Shape;167;g3bbeee67e43_0_53" title="Screenshot 2026-01-27 at 11.12.43 AM.png"/>
+          <p:cNvPr id="182" name="Google Shape;182;g3bbeee67e43_0_53" title="Screenshot 2026-01-27 at 11.12.43 AM.png"/>
           <p:cNvPicPr preferRelativeResize="0"/>
           <p:nvPr/>
         </p:nvPicPr>
@@ -11591,7 +12454,7 @@
       </p:pic>
       <p:pic>
         <p:nvPicPr>
-          <p:cNvPr id="168" name="Google Shape;168;g3bbeee67e43_0_53" title="Screenshot 2026-01-27 at 11.12.59 AM.png"/>
+          <p:cNvPr id="183" name="Google Shape;183;g3bbeee67e43_0_53" title="Screenshot 2026-01-27 at 11.12.59 AM.png"/>
           <p:cNvPicPr preferRelativeResize="0"/>
           <p:nvPr/>
         </p:nvPicPr>
@@ -11619,7 +12482,7 @@
       </p:pic>
       <p:sp>
         <p:nvSpPr>
-          <p:cNvPr id="169" name="Google Shape;169;g3bbeee67e43_0_53"/>
+          <p:cNvPr id="184" name="Google Shape;184;g3bbeee67e43_0_53"/>
           <p:cNvSpPr/>
           <p:nvPr/>
         </p:nvSpPr>
@@ -11666,7 +12529,7 @@
       </p:sp>
       <p:sp>
         <p:nvSpPr>
-          <p:cNvPr id="170" name="Google Shape;170;g3bbeee67e43_0_53"/>
+          <p:cNvPr id="185" name="Google Shape;185;g3bbeee67e43_0_53"/>
           <p:cNvSpPr/>
           <p:nvPr/>
         </p:nvSpPr>
@@ -11713,10 +12576,10 @@
       </p:sp>
       <p:cxnSp>
         <p:nvCxnSpPr>
-          <p:cNvPr id="171" name="Google Shape;171;g3bbeee67e43_0_53"/>
+          <p:cNvPr id="186" name="Google Shape;186;g3bbeee67e43_0_53"/>
           <p:cNvCxnSpPr>
-            <a:stCxn id="169" idx="3"/>
-            <a:endCxn id="170" idx="0"/>
+            <a:stCxn id="184" idx="3"/>
+            <a:endCxn id="185" idx="0"/>
           </p:cNvCxnSpPr>
           <p:nvPr/>
         </p:nvCxnSpPr>
@@ -11742,7 +12605,7 @@
       </p:cxnSp>
       <p:sp>
         <p:nvSpPr>
-          <p:cNvPr id="172" name="Google Shape;172;g3bbeee67e43_0_53"/>
+          <p:cNvPr id="187" name="Google Shape;187;g3bbeee67e43_0_53"/>
           <p:cNvSpPr/>
           <p:nvPr/>
         </p:nvSpPr>
@@ -11789,7 +12652,7 @@
       </p:sp>
       <p:sp>
         <p:nvSpPr>
-          <p:cNvPr id="173" name="Google Shape;173;g3bbeee67e43_0_53"/>
+          <p:cNvPr id="188" name="Google Shape;188;g3bbeee67e43_0_53"/>
           <p:cNvSpPr/>
           <p:nvPr/>
         </p:nvSpPr>
@@ -11836,7 +12699,7 @@
       </p:sp>
       <p:sp>
         <p:nvSpPr>
-          <p:cNvPr id="174" name="Google Shape;174;g3bbeee67e43_0_53"/>
+          <p:cNvPr id="189" name="Google Shape;189;g3bbeee67e43_0_53"/>
           <p:cNvSpPr/>
           <p:nvPr/>
         </p:nvSpPr>
@@ -11883,9 +12746,9 @@
       </p:sp>
       <p:cxnSp>
         <p:nvCxnSpPr>
-          <p:cNvPr id="175" name="Google Shape;175;g3bbeee67e43_0_53"/>
+          <p:cNvPr id="190" name="Google Shape;190;g3bbeee67e43_0_53"/>
           <p:cNvCxnSpPr>
-            <a:endCxn id="173" idx="2"/>
+            <a:endCxn id="188" idx="2"/>
           </p:cNvCxnSpPr>
           <p:nvPr/>
         </p:nvCxnSpPr>
@@ -11911,10 +12774,10 @@
       </p:cxnSp>
       <p:cxnSp>
         <p:nvCxnSpPr>
-          <p:cNvPr id="176" name="Google Shape;176;g3bbeee67e43_0_53"/>
+          <p:cNvPr id="191" name="Google Shape;191;g3bbeee67e43_0_53"/>
           <p:cNvCxnSpPr>
-            <a:stCxn id="172" idx="3"/>
-            <a:endCxn id="174" idx="2"/>
+            <a:stCxn id="187" idx="3"/>
+            <a:endCxn id="189" idx="2"/>
           </p:cNvCxnSpPr>
           <p:nvPr/>
         </p:nvCxnSpPr>
@@ -11940,7 +12803,7 @@
       </p:cxnSp>
       <p:sp>
         <p:nvSpPr>
-          <p:cNvPr id="177" name="Google Shape;177;g3bbeee67e43_0_53"/>
+          <p:cNvPr id="192" name="Google Shape;192;g3bbeee67e43_0_53"/>
           <p:cNvSpPr/>
           <p:nvPr/>
         </p:nvSpPr>
@@ -11987,7 +12850,7 @@
       </p:sp>
       <p:sp>
         <p:nvSpPr>
-          <p:cNvPr id="178" name="Google Shape;178;g3bbeee67e43_0_53"/>
+          <p:cNvPr id="193" name="Google Shape;193;g3bbeee67e43_0_53"/>
           <p:cNvSpPr/>
           <p:nvPr/>
         </p:nvSpPr>
@@ -12034,10 +12897,10 @@
       </p:sp>
       <p:cxnSp>
         <p:nvCxnSpPr>
-          <p:cNvPr id="179" name="Google Shape;179;g3bbeee67e43_0_53"/>
+          <p:cNvPr id="194" name="Google Shape;194;g3bbeee67e43_0_53"/>
           <p:cNvCxnSpPr>
-            <a:stCxn id="178" idx="0"/>
-            <a:endCxn id="177" idx="1"/>
+            <a:stCxn id="193" idx="0"/>
+            <a:endCxn id="192" idx="1"/>
           </p:cNvCxnSpPr>
           <p:nvPr/>
         </p:nvCxnSpPr>
@@ -12063,10 +12926,10 @@
       </p:cxnSp>
       <p:cxnSp>
         <p:nvCxnSpPr>
-          <p:cNvPr id="180" name="Google Shape;180;g3bbeee67e43_0_53"/>
+          <p:cNvPr id="195" name="Google Shape;195;g3bbeee67e43_0_53"/>
           <p:cNvCxnSpPr>
-            <a:stCxn id="170" idx="0"/>
-            <a:endCxn id="172" idx="1"/>
+            <a:stCxn id="185" idx="0"/>
+            <a:endCxn id="187" idx="1"/>
           </p:cNvCxnSpPr>
           <p:nvPr/>
         </p:nvCxnSpPr>
@@ -12103,7 +12966,7 @@
   <p:cSld>
     <p:spTree>
       <p:nvGrpSpPr>
-        <p:cNvPr id="184" name="Shape 184"/>
+        <p:cNvPr id="199" name="Shape 199"/>
         <p:cNvGrpSpPr/>
         <p:nvPr/>
       </p:nvGrpSpPr>
@@ -12117,7 +12980,7 @@
       </p:grpSpPr>
       <p:sp>
         <p:nvSpPr>
-          <p:cNvPr id="185" name="Google Shape;185;g3bbeee67e43_0_98"/>
+          <p:cNvPr id="200" name="Google Shape;200;g3bbeee67e43_0_98"/>
           <p:cNvSpPr txBox="1"/>
           <p:nvPr>
             <p:ph type="title"/>
@@ -12157,7 +13020,7 @@
       </p:sp>
       <p:sp>
         <p:nvSpPr>
-          <p:cNvPr id="186" name="Google Shape;186;g3bbeee67e43_0_98"/>
+          <p:cNvPr id="201" name="Google Shape;201;g3bbeee67e43_0_98"/>
           <p:cNvSpPr txBox="1"/>
           <p:nvPr>
             <p:ph idx="1" type="body"/>
@@ -12369,7 +13232,7 @@
   <p:cSld>
     <p:spTree>
       <p:nvGrpSpPr>
-        <p:cNvPr id="190" name="Shape 190"/>
+        <p:cNvPr id="205" name="Shape 205"/>
         <p:cNvGrpSpPr/>
         <p:nvPr/>
       </p:nvGrpSpPr>
@@ -12383,7 +13246,7 @@
       </p:grpSpPr>
       <p:sp>
         <p:nvSpPr>
-          <p:cNvPr id="191" name="Google Shape;191;g3bbeee67e43_0_137"/>
+          <p:cNvPr id="206" name="Google Shape;206;g3bbeee67e43_0_137"/>
           <p:cNvSpPr txBox="1"/>
           <p:nvPr>
             <p:ph type="title"/>
@@ -12459,7 +13322,7 @@
       </p:sp>
       <p:sp>
         <p:nvSpPr>
-          <p:cNvPr id="192" name="Google Shape;192;g3bbeee67e43_0_137"/>
+          <p:cNvPr id="207" name="Google Shape;207;g3bbeee67e43_0_137"/>
           <p:cNvSpPr txBox="1"/>
           <p:nvPr>
             <p:ph idx="1" type="body"/>
@@ -12632,7 +13495,7 @@
   <p:cSld>
     <p:spTree>
       <p:nvGrpSpPr>
-        <p:cNvPr id="196" name="Shape 196"/>
+        <p:cNvPr id="211" name="Shape 211"/>
         <p:cNvGrpSpPr/>
         <p:nvPr/>
       </p:nvGrpSpPr>
@@ -12646,7 +13509,7 @@
       </p:grpSpPr>
       <p:sp>
         <p:nvSpPr>
-          <p:cNvPr id="197" name="Google Shape;197;g3bbeee67e43_0_126"/>
+          <p:cNvPr id="212" name="Google Shape;212;g3bbeee67e43_0_126"/>
           <p:cNvSpPr txBox="1"/>
           <p:nvPr>
             <p:ph type="title"/>
@@ -12726,7 +13589,7 @@
       </p:sp>
       <p:sp>
         <p:nvSpPr>
-          <p:cNvPr id="198" name="Google Shape;198;g3bbeee67e43_0_126"/>
+          <p:cNvPr id="213" name="Google Shape;213;g3bbeee67e43_0_126"/>
           <p:cNvSpPr txBox="1"/>
           <p:nvPr>
             <p:ph idx="1" type="body"/>
@@ -12896,7 +13759,7 @@
   <p:cSld>
     <p:spTree>
       <p:nvGrpSpPr>
-        <p:cNvPr id="202" name="Shape 202"/>
+        <p:cNvPr id="217" name="Shape 217"/>
         <p:cNvGrpSpPr/>
         <p:nvPr/>
       </p:nvGrpSpPr>
@@ -12910,7 +13773,7 @@
       </p:grpSpPr>
       <p:sp>
         <p:nvSpPr>
-          <p:cNvPr id="203" name="Google Shape;203;g3bbeee67e43_0_132"/>
+          <p:cNvPr id="218" name="Google Shape;218;g3bbeee67e43_0_132"/>
           <p:cNvSpPr txBox="1"/>
           <p:nvPr>
             <p:ph type="title"/>
@@ -12986,7 +13849,7 @@
       </p:sp>
       <p:sp>
         <p:nvSpPr>
-          <p:cNvPr id="204" name="Google Shape;204;g3bbeee67e43_0_132"/>
+          <p:cNvPr id="219" name="Google Shape;219;g3bbeee67e43_0_132"/>
           <p:cNvSpPr txBox="1"/>
           <p:nvPr>
             <p:ph idx="1" type="body"/>
@@ -13131,7 +13994,7 @@
   <p:cSld>
     <p:spTree>
       <p:nvGrpSpPr>
-        <p:cNvPr id="208" name="Shape 208"/>
+        <p:cNvPr id="223" name="Shape 223"/>
         <p:cNvGrpSpPr/>
         <p:nvPr/>
       </p:nvGrpSpPr>
@@ -13145,7 +14008,7 @@
       </p:grpSpPr>
       <p:sp>
         <p:nvSpPr>
-          <p:cNvPr id="209" name="Google Shape;209;g3bbeee67e43_0_147"/>
+          <p:cNvPr id="224" name="Google Shape;224;g3bbeee67e43_0_147"/>
           <p:cNvSpPr txBox="1"/>
           <p:nvPr>
             <p:ph type="title"/>
@@ -13229,7 +14092,7 @@
       </p:sp>
       <p:sp>
         <p:nvSpPr>
-          <p:cNvPr id="210" name="Google Shape;210;g3bbeee67e43_0_147"/>
+          <p:cNvPr id="225" name="Google Shape;225;g3bbeee67e43_0_147"/>
           <p:cNvSpPr txBox="1"/>
           <p:nvPr>
             <p:ph idx="1" type="body"/>
@@ -13523,7 +14386,7 @@
   <p:cSld>
     <p:spTree>
       <p:nvGrpSpPr>
-        <p:cNvPr id="214" name="Shape 214"/>
+        <p:cNvPr id="229" name="Shape 229"/>
         <p:cNvGrpSpPr/>
         <p:nvPr/>
       </p:nvGrpSpPr>
@@ -13537,7 +14400,7 @@
       </p:grpSpPr>
       <p:sp>
         <p:nvSpPr>
-          <p:cNvPr id="215" name="Google Shape;215;g3bbeee67e43_0_142"/>
+          <p:cNvPr id="230" name="Google Shape;230;g3bbeee67e43_0_142"/>
           <p:cNvSpPr txBox="1"/>
           <p:nvPr>
             <p:ph type="title"/>
@@ -13621,7 +14484,7 @@
       </p:sp>
       <p:sp>
         <p:nvSpPr>
-          <p:cNvPr id="216" name="Google Shape;216;g3bbeee67e43_0_142"/>
+          <p:cNvPr id="231" name="Google Shape;231;g3bbeee67e43_0_142"/>
           <p:cNvSpPr txBox="1"/>
           <p:nvPr>
             <p:ph idx="1" type="body"/>
@@ -13771,7 +14634,7 @@
   <p:cSld>
     <p:spTree>
       <p:nvGrpSpPr>
-        <p:cNvPr id="220" name="Shape 220"/>
+        <p:cNvPr id="235" name="Shape 235"/>
         <p:cNvGrpSpPr/>
         <p:nvPr/>
       </p:nvGrpSpPr>
@@ -13785,7 +14648,7 @@
       </p:grpSpPr>
       <p:sp>
         <p:nvSpPr>
-          <p:cNvPr id="221" name="Google Shape;221;g3bbeee67e43_0_93"/>
+          <p:cNvPr id="236" name="Google Shape;236;g3bbeee67e43_0_93"/>
           <p:cNvSpPr txBox="1"/>
           <p:nvPr>
             <p:ph type="title"/>
@@ -13825,7 +14688,7 @@
       </p:sp>
       <p:sp>
         <p:nvSpPr>
-          <p:cNvPr id="222" name="Google Shape;222;g3bbeee67e43_0_93"/>
+          <p:cNvPr id="237" name="Google Shape;237;g3bbeee67e43_0_93"/>
           <p:cNvSpPr txBox="1"/>
           <p:nvPr>
             <p:ph idx="1" type="body"/>
@@ -17163,6 +18026,285 @@
 </file>
 
 <file path=ppt/theme/theme1.xml><?xml version="1.0" encoding="utf-8"?>
+<a:theme xmlns:a="http://schemas.openxmlformats.org/drawingml/2006/main" xmlns:r="http://schemas.openxmlformats.org/officeDocument/2006/relationships">
+  <a:themeElements>
+    <a:clrScheme name="Default">
+      <a:dk1>
+        <a:srgbClr val="000000"/>
+      </a:dk1>
+      <a:lt1>
+        <a:srgbClr val="FFFFFF"/>
+      </a:lt1>
+      <a:dk2>
+        <a:srgbClr val="158158"/>
+      </a:dk2>
+      <a:lt2>
+        <a:srgbClr val="F3F3F3"/>
+      </a:lt2>
+      <a:accent1>
+        <a:srgbClr val="058DC7"/>
+      </a:accent1>
+      <a:accent2>
+        <a:srgbClr val="50B432"/>
+      </a:accent2>
+      <a:accent3>
+        <a:srgbClr val="ED561B"/>
+      </a:accent3>
+      <a:accent4>
+        <a:srgbClr val="EDEF00"/>
+      </a:accent4>
+      <a:accent5>
+        <a:srgbClr val="24CBE5"/>
+      </a:accent5>
+      <a:accent6>
+        <a:srgbClr val="64E572"/>
+      </a:accent6>
+      <a:hlink>
+        <a:srgbClr val="2200CC"/>
+      </a:hlink>
+      <a:folHlink>
+        <a:srgbClr val="551A8B"/>
+      </a:folHlink>
+    </a:clrScheme>
+    <a:fontScheme name="Office">
+      <a:majorFont>
+        <a:latin typeface="Arial"/>
+        <a:ea typeface=""/>
+        <a:cs typeface=""/>
+        <a:font script="Jpan" typeface="ＭＳ Ｐゴシック"/>
+        <a:font script="Hang" typeface="맑은 고딕"/>
+        <a:font script="Hans" typeface="宋体"/>
+        <a:font script="Hant" typeface="新細明體"/>
+        <a:font script="Arab" typeface="Times New Roman"/>
+        <a:font script="Hebr" typeface="Times New Roman"/>
+        <a:font script="Thai" typeface="Angsana New"/>
+        <a:font script="Ethi" typeface="Nyala"/>
+        <a:font script="Beng" typeface="Vrinda"/>
+        <a:font script="Gujr" typeface="Shruti"/>
+        <a:font script="Khmr" typeface="MoolBoran"/>
+        <a:font script="Knda" typeface="Tunga"/>
+        <a:font script="Guru" typeface="Raavi"/>
+        <a:font script="Cans" typeface="Euphemia"/>
+        <a:font script="Cher" typeface="Plantagenet Cherokee"/>
+        <a:font script="Yiii" typeface="Microsoft Yi Baiti"/>
+        <a:font script="Tibt" typeface="Microsoft Himalaya"/>
+        <a:font script="Thaa" typeface="MV Boli"/>
+        <a:font script="Deva" typeface="Mangal"/>
+        <a:font script="Telu" typeface="Gautami"/>
+        <a:font script="Taml" typeface="Latha"/>
+        <a:font script="Syrc" typeface="Estrangelo Edessa"/>
+        <a:font script="Orya" typeface="Kalinga"/>
+        <a:font script="Mlym" typeface="Kartika"/>
+        <a:font script="Laoo" typeface="DokChampa"/>
+        <a:font script="Sinh" typeface="Iskoola Pota"/>
+        <a:font script="Mong" typeface="Mongolian Baiti"/>
+        <a:font script="Viet" typeface="Times New Roman"/>
+        <a:font script="Uigh" typeface="Microsoft Uighur"/>
+        <a:font script="Geor" typeface="Sylfaen"/>
+      </a:majorFont>
+      <a:minorFont>
+        <a:latin typeface="Arial"/>
+        <a:ea typeface=""/>
+        <a:cs typeface=""/>
+        <a:font script="Jpan" typeface="ＭＳ Ｐゴシック"/>
+        <a:font script="Hang" typeface="맑은 고딕"/>
+        <a:font script="Hans" typeface="宋体"/>
+        <a:font script="Hant" typeface="新細明體"/>
+        <a:font script="Arab" typeface="Arial"/>
+        <a:font script="Hebr" typeface="Arial"/>
+        <a:font script="Thai" typeface="Cordia New"/>
+        <a:font script="Ethi" typeface="Nyala"/>
+        <a:font script="Beng" typeface="Vrinda"/>
+        <a:font script="Gujr" typeface="Shruti"/>
+        <a:font script="Khmr" typeface="DaunPenh"/>
+        <a:font script="Knda" typeface="Tunga"/>
+        <a:font script="Guru" typeface="Raavi"/>
+        <a:font script="Cans" typeface="Euphemia"/>
+        <a:font script="Cher" typeface="Plantagenet Cherokee"/>
+        <a:font script="Yiii" typeface="Microsoft Yi Baiti"/>
+        <a:font script="Tibt" typeface="Microsoft Himalaya"/>
+        <a:font script="Thaa" typeface="MV Boli"/>
+        <a:font script="Deva" typeface="Mangal"/>
+        <a:font script="Telu" typeface="Gautami"/>
+        <a:font script="Taml" typeface="Latha"/>
+        <a:font script="Syrc" typeface="Estrangelo Edessa"/>
+        <a:font script="Orya" typeface="Kalinga"/>
+        <a:font script="Mlym" typeface="Kartika"/>
+        <a:font script="Laoo" typeface="DokChampa"/>
+        <a:font script="Sinh" typeface="Iskoola Pota"/>
+        <a:font script="Mong" typeface="Mongolian Baiti"/>
+        <a:font script="Viet" typeface="Arial"/>
+        <a:font script="Uigh" typeface="Microsoft Uighur"/>
+        <a:font script="Geor" typeface="Sylfaen"/>
+      </a:minorFont>
+    </a:fontScheme>
+    <a:fmtScheme name="Office">
+      <a:fillStyleLst>
+        <a:solidFill>
+          <a:schemeClr val="phClr"/>
+        </a:solidFill>
+        <a:gradFill rotWithShape="1">
+          <a:gsLst>
+            <a:gs pos="0">
+              <a:schemeClr val="phClr">
+                <a:tint val="50000"/>
+                <a:satMod val="300000"/>
+              </a:schemeClr>
+            </a:gs>
+            <a:gs pos="35000">
+              <a:schemeClr val="phClr">
+                <a:tint val="37000"/>
+                <a:satMod val="300000"/>
+              </a:schemeClr>
+            </a:gs>
+            <a:gs pos="100000">
+              <a:schemeClr val="phClr">
+                <a:tint val="15000"/>
+                <a:satMod val="350000"/>
+              </a:schemeClr>
+            </a:gs>
+          </a:gsLst>
+          <a:lin ang="16200000" scaled="1"/>
+        </a:gradFill>
+        <a:gradFill rotWithShape="1">
+          <a:gsLst>
+            <a:gs pos="0">
+              <a:schemeClr val="phClr">
+                <a:tint val="100000"/>
+                <a:shade val="100000"/>
+                <a:satMod val="130000"/>
+              </a:schemeClr>
+            </a:gs>
+            <a:gs pos="100000">
+              <a:schemeClr val="phClr">
+                <a:tint val="50000"/>
+                <a:shade val="100000"/>
+                <a:satMod val="350000"/>
+              </a:schemeClr>
+            </a:gs>
+          </a:gsLst>
+          <a:lin ang="16200000" scaled="0"/>
+        </a:gradFill>
+      </a:fillStyleLst>
+      <a:lnStyleLst>
+        <a:ln w="9525" cap="flat" cmpd="sng" algn="ctr">
+          <a:solidFill>
+            <a:schemeClr val="phClr">
+              <a:shade val="95000"/>
+              <a:satMod val="105000"/>
+            </a:schemeClr>
+          </a:solidFill>
+          <a:prstDash val="solid"/>
+        </a:ln>
+        <a:ln w="25400" cap="flat" cmpd="sng" algn="ctr">
+          <a:solidFill>
+            <a:schemeClr val="phClr"/>
+          </a:solidFill>
+          <a:prstDash val="solid"/>
+        </a:ln>
+        <a:ln w="38100" cap="flat" cmpd="sng" algn="ctr">
+          <a:solidFill>
+            <a:schemeClr val="phClr"/>
+          </a:solidFill>
+          <a:prstDash val="solid"/>
+        </a:ln>
+      </a:lnStyleLst>
+      <a:effectStyleLst>
+        <a:effectStyle>
+          <a:effectLst>
+            <a:outerShdw blurRad="40000" dist="20000" dir="5400000" rotWithShape="0">
+              <a:srgbClr val="000000">
+                <a:alpha val="38000"/>
+              </a:srgbClr>
+            </a:outerShdw>
+          </a:effectLst>
+        </a:effectStyle>
+        <a:effectStyle>
+          <a:effectLst>
+            <a:outerShdw blurRad="40000" dist="23000" dir="5400000" rotWithShape="0">
+              <a:srgbClr val="000000">
+                <a:alpha val="35000"/>
+              </a:srgbClr>
+            </a:outerShdw>
+          </a:effectLst>
+        </a:effectStyle>
+        <a:effectStyle>
+          <a:effectLst>
+            <a:outerShdw blurRad="40000" dist="23000" dir="5400000" rotWithShape="0">
+              <a:srgbClr val="000000">
+                <a:alpha val="35000"/>
+              </a:srgbClr>
+            </a:outerShdw>
+          </a:effectLst>
+          <a:scene3d>
+            <a:camera prst="orthographicFront">
+              <a:rot lat="0" lon="0" rev="0"/>
+            </a:camera>
+            <a:lightRig rig="threePt" dir="t">
+              <a:rot lat="0" lon="0" rev="1200000"/>
+            </a:lightRig>
+          </a:scene3d>
+          <a:sp3d>
+            <a:bevelT w="63500" h="25400"/>
+          </a:sp3d>
+        </a:effectStyle>
+      </a:effectStyleLst>
+      <a:bgFillStyleLst>
+        <a:solidFill>
+          <a:schemeClr val="phClr"/>
+        </a:solidFill>
+        <a:gradFill rotWithShape="1">
+          <a:gsLst>
+            <a:gs pos="0">
+              <a:schemeClr val="phClr">
+                <a:tint val="40000"/>
+                <a:satMod val="350000"/>
+              </a:schemeClr>
+            </a:gs>
+            <a:gs pos="40000">
+              <a:schemeClr val="phClr">
+                <a:tint val="45000"/>
+                <a:shade val="99000"/>
+                <a:satMod val="350000"/>
+              </a:schemeClr>
+            </a:gs>
+            <a:gs pos="100000">
+              <a:schemeClr val="phClr">
+                <a:shade val="20000"/>
+                <a:satMod val="255000"/>
+              </a:schemeClr>
+            </a:gs>
+          </a:gsLst>
+          <a:path path="circle">
+            <a:fillToRect l="50000" t="-80000" r="50000" b="180000"/>
+          </a:path>
+        </a:gradFill>
+        <a:gradFill rotWithShape="1">
+          <a:gsLst>
+            <a:gs pos="0">
+              <a:schemeClr val="phClr">
+                <a:tint val="80000"/>
+                <a:satMod val="300000"/>
+              </a:schemeClr>
+            </a:gs>
+            <a:gs pos="100000">
+              <a:schemeClr val="phClr">
+                <a:shade val="30000"/>
+                <a:satMod val="200000"/>
+              </a:schemeClr>
+            </a:gs>
+          </a:gsLst>
+          <a:path path="circle">
+            <a:fillToRect l="50000" t="50000" r="50000" b="50000"/>
+          </a:path>
+        </a:gradFill>
+      </a:bgFillStyleLst>
+    </a:fmtScheme>
+  </a:themeElements>
+</a:theme>
+</file>
+
+<file path=ppt/theme/theme2.xml><?xml version="1.0" encoding="utf-8"?>
 <a:theme xmlns:a="http://schemas.openxmlformats.org/drawingml/2006/main" xmlns:r="http://schemas.openxmlformats.org/officeDocument/2006/relationships" name="PB Theme">
   <a:themeElements>
     <a:clrScheme name="Custom 347">
@@ -17439,283 +18581,4 @@
     </a:fmtScheme>
   </a:themeElements>
 </a:theme>
-</file>
-
-<file path=ppt/theme/theme2.xml><?xml version="1.0" encoding="utf-8"?>
-<a:theme xmlns:a="http://schemas.openxmlformats.org/drawingml/2006/main" xmlns:r="http://schemas.openxmlformats.org/officeDocument/2006/relationships">
-  <a:themeElements>
-    <a:clrScheme name="Default">
-      <a:dk1>
-        <a:srgbClr val="000000"/>
-      </a:dk1>
-      <a:lt1>
-        <a:srgbClr val="FFFFFF"/>
-      </a:lt1>
-      <a:dk2>
-        <a:srgbClr val="158158"/>
-      </a:dk2>
-      <a:lt2>
-        <a:srgbClr val="F3F3F3"/>
-      </a:lt2>
-      <a:accent1>
-        <a:srgbClr val="058DC7"/>
-      </a:accent1>
-      <a:accent2>
-        <a:srgbClr val="50B432"/>
-      </a:accent2>
-      <a:accent3>
-        <a:srgbClr val="ED561B"/>
-      </a:accent3>
-      <a:accent4>
-        <a:srgbClr val="EDEF00"/>
-      </a:accent4>
-      <a:accent5>
-        <a:srgbClr val="24CBE5"/>
-      </a:accent5>
-      <a:accent6>
-        <a:srgbClr val="64E572"/>
-      </a:accent6>
-      <a:hlink>
-        <a:srgbClr val="2200CC"/>
-      </a:hlink>
-      <a:folHlink>
-        <a:srgbClr val="551A8B"/>
-      </a:folHlink>
-    </a:clrScheme>
-    <a:fontScheme name="Office">
-      <a:majorFont>
-        <a:latin typeface="Arial"/>
-        <a:ea typeface=""/>
-        <a:cs typeface=""/>
-        <a:font script="Jpan" typeface="ＭＳ Ｐゴシック"/>
-        <a:font script="Hang" typeface="맑은 고딕"/>
-        <a:font script="Hans" typeface="宋体"/>
-        <a:font script="Hant" typeface="新細明體"/>
-        <a:font script="Arab" typeface="Times New Roman"/>
-        <a:font script="Hebr" typeface="Times New Roman"/>
-        <a:font script="Thai" typeface="Angsana New"/>
-        <a:font script="Ethi" typeface="Nyala"/>
-        <a:font script="Beng" typeface="Vrinda"/>
-        <a:font script="Gujr" typeface="Shruti"/>
-        <a:font script="Khmr" typeface="MoolBoran"/>
-        <a:font script="Knda" typeface="Tunga"/>
-        <a:font script="Guru" typeface="Raavi"/>
-        <a:font script="Cans" typeface="Euphemia"/>
-        <a:font script="Cher" typeface="Plantagenet Cherokee"/>
-        <a:font script="Yiii" typeface="Microsoft Yi Baiti"/>
-        <a:font script="Tibt" typeface="Microsoft Himalaya"/>
-        <a:font script="Thaa" typeface="MV Boli"/>
-        <a:font script="Deva" typeface="Mangal"/>
-        <a:font script="Telu" typeface="Gautami"/>
-        <a:font script="Taml" typeface="Latha"/>
-        <a:font script="Syrc" typeface="Estrangelo Edessa"/>
-        <a:font script="Orya" typeface="Kalinga"/>
-        <a:font script="Mlym" typeface="Kartika"/>
-        <a:font script="Laoo" typeface="DokChampa"/>
-        <a:font script="Sinh" typeface="Iskoola Pota"/>
-        <a:font script="Mong" typeface="Mongolian Baiti"/>
-        <a:font script="Viet" typeface="Times New Roman"/>
-        <a:font script="Uigh" typeface="Microsoft Uighur"/>
-        <a:font script="Geor" typeface="Sylfaen"/>
-      </a:majorFont>
-      <a:minorFont>
-        <a:latin typeface="Arial"/>
-        <a:ea typeface=""/>
-        <a:cs typeface=""/>
-        <a:font script="Jpan" typeface="ＭＳ Ｐゴシック"/>
-        <a:font script="Hang" typeface="맑은 고딕"/>
-        <a:font script="Hans" typeface="宋体"/>
-        <a:font script="Hant" typeface="新細明體"/>
-        <a:font script="Arab" typeface="Arial"/>
-        <a:font script="Hebr" typeface="Arial"/>
-        <a:font script="Thai" typeface="Cordia New"/>
-        <a:font script="Ethi" typeface="Nyala"/>
-        <a:font script="Beng" typeface="Vrinda"/>
-        <a:font script="Gujr" typeface="Shruti"/>
-        <a:font script="Khmr" typeface="DaunPenh"/>
-        <a:font script="Knda" typeface="Tunga"/>
-        <a:font script="Guru" typeface="Raavi"/>
-        <a:font script="Cans" typeface="Euphemia"/>
-        <a:font script="Cher" typeface="Plantagenet Cherokee"/>
-        <a:font script="Yiii" typeface="Microsoft Yi Baiti"/>
-        <a:font script="Tibt" typeface="Microsoft Himalaya"/>
-        <a:font script="Thaa" typeface="MV Boli"/>
-        <a:font script="Deva" typeface="Mangal"/>
-        <a:font script="Telu" typeface="Gautami"/>
-        <a:font script="Taml" typeface="Latha"/>
-        <a:font script="Syrc" typeface="Estrangelo Edessa"/>
-        <a:font script="Orya" typeface="Kalinga"/>
-        <a:font script="Mlym" typeface="Kartika"/>
-        <a:font script="Laoo" typeface="DokChampa"/>
-        <a:font script="Sinh" typeface="Iskoola Pota"/>
-        <a:font script="Mong" typeface="Mongolian Baiti"/>
-        <a:font script="Viet" typeface="Arial"/>
-        <a:font script="Uigh" typeface="Microsoft Uighur"/>
-        <a:font script="Geor" typeface="Sylfaen"/>
-      </a:minorFont>
-    </a:fontScheme>
-    <a:fmtScheme name="Office">
-      <a:fillStyleLst>
-        <a:solidFill>
-          <a:schemeClr val="phClr"/>
-        </a:solidFill>
-        <a:gradFill rotWithShape="1">
-          <a:gsLst>
-            <a:gs pos="0">
-              <a:schemeClr val="phClr">
-                <a:tint val="50000"/>
-                <a:satMod val="300000"/>
-              </a:schemeClr>
-            </a:gs>
-            <a:gs pos="35000">
-              <a:schemeClr val="phClr">
-                <a:tint val="37000"/>
-                <a:satMod val="300000"/>
-              </a:schemeClr>
-            </a:gs>
-            <a:gs pos="100000">
-              <a:schemeClr val="phClr">
-                <a:tint val="15000"/>
-                <a:satMod val="350000"/>
-              </a:schemeClr>
-            </a:gs>
-          </a:gsLst>
-          <a:lin ang="16200000" scaled="1"/>
-        </a:gradFill>
-        <a:gradFill rotWithShape="1">
-          <a:gsLst>
-            <a:gs pos="0">
-              <a:schemeClr val="phClr">
-                <a:tint val="100000"/>
-                <a:shade val="100000"/>
-                <a:satMod val="130000"/>
-              </a:schemeClr>
-            </a:gs>
-            <a:gs pos="100000">
-              <a:schemeClr val="phClr">
-                <a:tint val="50000"/>
-                <a:shade val="100000"/>
-                <a:satMod val="350000"/>
-              </a:schemeClr>
-            </a:gs>
-          </a:gsLst>
-          <a:lin ang="16200000" scaled="0"/>
-        </a:gradFill>
-      </a:fillStyleLst>
-      <a:lnStyleLst>
-        <a:ln w="9525" cap="flat" cmpd="sng" algn="ctr">
-          <a:solidFill>
-            <a:schemeClr val="phClr">
-              <a:shade val="95000"/>
-              <a:satMod val="105000"/>
-            </a:schemeClr>
-          </a:solidFill>
-          <a:prstDash val="solid"/>
-        </a:ln>
-        <a:ln w="25400" cap="flat" cmpd="sng" algn="ctr">
-          <a:solidFill>
-            <a:schemeClr val="phClr"/>
-          </a:solidFill>
-          <a:prstDash val="solid"/>
-        </a:ln>
-        <a:ln w="38100" cap="flat" cmpd="sng" algn="ctr">
-          <a:solidFill>
-            <a:schemeClr val="phClr"/>
-          </a:solidFill>
-          <a:prstDash val="solid"/>
-        </a:ln>
-      </a:lnStyleLst>
-      <a:effectStyleLst>
-        <a:effectStyle>
-          <a:effectLst>
-            <a:outerShdw blurRad="40000" dist="20000" dir="5400000" rotWithShape="0">
-              <a:srgbClr val="000000">
-                <a:alpha val="38000"/>
-              </a:srgbClr>
-            </a:outerShdw>
-          </a:effectLst>
-        </a:effectStyle>
-        <a:effectStyle>
-          <a:effectLst>
-            <a:outerShdw blurRad="40000" dist="23000" dir="5400000" rotWithShape="0">
-              <a:srgbClr val="000000">
-                <a:alpha val="35000"/>
-              </a:srgbClr>
-            </a:outerShdw>
-          </a:effectLst>
-        </a:effectStyle>
-        <a:effectStyle>
-          <a:effectLst>
-            <a:outerShdw blurRad="40000" dist="23000" dir="5400000" rotWithShape="0">
-              <a:srgbClr val="000000">
-                <a:alpha val="35000"/>
-              </a:srgbClr>
-            </a:outerShdw>
-          </a:effectLst>
-          <a:scene3d>
-            <a:camera prst="orthographicFront">
-              <a:rot lat="0" lon="0" rev="0"/>
-            </a:camera>
-            <a:lightRig rig="threePt" dir="t">
-              <a:rot lat="0" lon="0" rev="1200000"/>
-            </a:lightRig>
-          </a:scene3d>
-          <a:sp3d>
-            <a:bevelT w="63500" h="25400"/>
-          </a:sp3d>
-        </a:effectStyle>
-      </a:effectStyleLst>
-      <a:bgFillStyleLst>
-        <a:solidFill>
-          <a:schemeClr val="phClr"/>
-        </a:solidFill>
-        <a:gradFill rotWithShape="1">
-          <a:gsLst>
-            <a:gs pos="0">
-              <a:schemeClr val="phClr">
-                <a:tint val="40000"/>
-                <a:satMod val="350000"/>
-              </a:schemeClr>
-            </a:gs>
-            <a:gs pos="40000">
-              <a:schemeClr val="phClr">
-                <a:tint val="45000"/>
-                <a:shade val="99000"/>
-                <a:satMod val="350000"/>
-              </a:schemeClr>
-            </a:gs>
-            <a:gs pos="100000">
-              <a:schemeClr val="phClr">
-                <a:shade val="20000"/>
-                <a:satMod val="255000"/>
-              </a:schemeClr>
-            </a:gs>
-          </a:gsLst>
-          <a:path path="circle">
-            <a:fillToRect l="50000" t="-80000" r="50000" b="180000"/>
-          </a:path>
-        </a:gradFill>
-        <a:gradFill rotWithShape="1">
-          <a:gsLst>
-            <a:gs pos="0">
-              <a:schemeClr val="phClr">
-                <a:tint val="80000"/>
-                <a:satMod val="300000"/>
-              </a:schemeClr>
-            </a:gs>
-            <a:gs pos="100000">
-              <a:schemeClr val="phClr">
-                <a:shade val="30000"/>
-                <a:satMod val="200000"/>
-              </a:schemeClr>
-            </a:gs>
-          </a:gsLst>
-          <a:path path="circle">
-            <a:fillToRect l="50000" t="50000" r="50000" b="50000"/>
-          </a:path>
-        </a:gradFill>
-      </a:bgFillStyleLst>
-    </a:fmtScheme>
-  </a:themeElements>
-</a:theme>
 </file>
--- a/Blank/Lecture_05_ Tokenization_03.pptx
+++ b/Blank/Lecture_05_ Tokenization_03.pptx
@@ -267,7 +267,7 @@
   </p:defaultTextStyle>
   <p:extLst>
     <p:ext uri="GoogleSlidesCustomDataVersion2">
-      <go:slidesCustomData xmlns:go="http://customooxmlschemas.google.com/" r:id="rId30" roundtripDataSignature="AMtx7mhYMrLYAAQJQ/tC4BrRvp9R3qZNsw=="/>
+      <go:slidesCustomData xmlns:go="http://customooxmlschemas.google.com/" r:id="rId30" roundtripDataSignature="AMtx7mi4T2+YXSeykhj9D+Gkhd3lghAE0Q=="/>
     </p:ext>
   </p:extLst>
 </p:presentation>
@@ -1523,7 +1523,7 @@
   <p:cSld>
     <p:spTree>
       <p:nvGrpSpPr>
-        <p:cNvPr id="153" name="Shape 153"/>
+        <p:cNvPr id="160" name="Shape 160"/>
         <p:cNvGrpSpPr/>
         <p:nvPr/>
       </p:nvGrpSpPr>
@@ -1537,7 +1537,7 @@
       </p:grpSpPr>
       <p:sp>
         <p:nvSpPr>
-          <p:cNvPr id="154" name="Google Shape;154;g3b8409de4d6_0_108:notes"/>
+          <p:cNvPr id="161" name="Google Shape;161;g3b8409de4d6_0_108:notes"/>
           <p:cNvSpPr/>
           <p:nvPr>
             <p:ph idx="2" type="sldImg"/>
@@ -1582,7 +1582,7 @@
       </p:sp>
       <p:sp>
         <p:nvSpPr>
-          <p:cNvPr id="155" name="Google Shape;155;g3b8409de4d6_0_108:notes"/>
+          <p:cNvPr id="162" name="Google Shape;162;g3b8409de4d6_0_108:notes"/>
           <p:cNvSpPr txBox="1"/>
           <p:nvPr>
             <p:ph idx="1" type="body"/>
@@ -1640,7 +1640,7 @@
   <p:cSld>
     <p:spTree>
       <p:nvGrpSpPr>
-        <p:cNvPr id="161" name="Shape 161"/>
+        <p:cNvPr id="168" name="Shape 168"/>
         <p:cNvGrpSpPr/>
         <p:nvPr/>
       </p:nvGrpSpPr>
@@ -1654,7 +1654,7 @@
       </p:grpSpPr>
       <p:sp>
         <p:nvSpPr>
-          <p:cNvPr id="162" name="Google Shape;162;g3bbeee67e43_0_26:notes"/>
+          <p:cNvPr id="169" name="Google Shape;169;g3bbeee67e43_0_26:notes"/>
           <p:cNvSpPr/>
           <p:nvPr>
             <p:ph idx="2" type="sldImg"/>
@@ -1699,7 +1699,7 @@
       </p:sp>
       <p:sp>
         <p:nvSpPr>
-          <p:cNvPr id="163" name="Google Shape;163;g3bbeee67e43_0_26:notes"/>
+          <p:cNvPr id="170" name="Google Shape;170;g3bbeee67e43_0_26:notes"/>
           <p:cNvSpPr txBox="1"/>
           <p:nvPr>
             <p:ph idx="1" type="body"/>
@@ -1757,7 +1757,7 @@
   <p:cSld>
     <p:spTree>
       <p:nvGrpSpPr>
-        <p:cNvPr id="166" name="Shape 166"/>
+        <p:cNvPr id="173" name="Shape 173"/>
         <p:cNvGrpSpPr/>
         <p:nvPr/>
       </p:nvGrpSpPr>
@@ -1771,7 +1771,7 @@
       </p:grpSpPr>
       <p:sp>
         <p:nvSpPr>
-          <p:cNvPr id="167" name="Google Shape;167;g3bbeee67e43_0_44:notes"/>
+          <p:cNvPr id="174" name="Google Shape;174;g3bbeee67e43_0_44:notes"/>
           <p:cNvSpPr/>
           <p:nvPr>
             <p:ph idx="2" type="sldImg"/>
@@ -1806,7 +1806,7 @@
       </p:sp>
       <p:sp>
         <p:nvSpPr>
-          <p:cNvPr id="168" name="Google Shape;168;g3bbeee67e43_0_44:notes"/>
+          <p:cNvPr id="175" name="Google Shape;175;g3bbeee67e43_0_44:notes"/>
           <p:cNvSpPr txBox="1"/>
           <p:nvPr>
             <p:ph idx="1" type="body"/>
@@ -1856,7 +1856,7 @@
   <p:cSld>
     <p:spTree>
       <p:nvGrpSpPr>
-        <p:cNvPr id="174" name="Shape 174"/>
+        <p:cNvPr id="181" name="Shape 181"/>
         <p:cNvGrpSpPr/>
         <p:nvPr/>
       </p:nvGrpSpPr>
@@ -1870,7 +1870,7 @@
       </p:grpSpPr>
       <p:sp>
         <p:nvSpPr>
-          <p:cNvPr id="175" name="Google Shape;175;g3bbeee67e43_0_53:notes"/>
+          <p:cNvPr id="182" name="Google Shape;182;g3bbeee67e43_0_53:notes"/>
           <p:cNvSpPr/>
           <p:nvPr>
             <p:ph idx="2" type="sldImg"/>
@@ -1905,7 +1905,7 @@
       </p:sp>
       <p:sp>
         <p:nvSpPr>
-          <p:cNvPr id="176" name="Google Shape;176;g3bbeee67e43_0_53:notes"/>
+          <p:cNvPr id="183" name="Google Shape;183;g3bbeee67e43_0_53:notes"/>
           <p:cNvSpPr txBox="1"/>
           <p:nvPr>
             <p:ph idx="1" type="body"/>
@@ -1955,7 +1955,7 @@
   <p:cSld>
     <p:spTree>
       <p:nvGrpSpPr>
-        <p:cNvPr id="196" name="Shape 196"/>
+        <p:cNvPr id="203" name="Shape 203"/>
         <p:cNvGrpSpPr/>
         <p:nvPr/>
       </p:nvGrpSpPr>
@@ -1969,7 +1969,7 @@
       </p:grpSpPr>
       <p:sp>
         <p:nvSpPr>
-          <p:cNvPr id="197" name="Google Shape;197;g3bbeee67e43_0_98:notes"/>
+          <p:cNvPr id="204" name="Google Shape;204;g3bbeee67e43_0_98:notes"/>
           <p:cNvSpPr/>
           <p:nvPr>
             <p:ph idx="2" type="sldImg"/>
@@ -2004,7 +2004,7 @@
       </p:sp>
       <p:sp>
         <p:nvSpPr>
-          <p:cNvPr id="198" name="Google Shape;198;g3bbeee67e43_0_98:notes"/>
+          <p:cNvPr id="205" name="Google Shape;205;g3bbeee67e43_0_98:notes"/>
           <p:cNvSpPr txBox="1"/>
           <p:nvPr>
             <p:ph idx="1" type="body"/>
@@ -2171,7 +2171,7 @@
   <p:cSld>
     <p:spTree>
       <p:nvGrpSpPr>
-        <p:cNvPr id="202" name="Shape 202"/>
+        <p:cNvPr id="209" name="Shape 209"/>
         <p:cNvGrpSpPr/>
         <p:nvPr/>
       </p:nvGrpSpPr>
@@ -2185,7 +2185,7 @@
       </p:grpSpPr>
       <p:sp>
         <p:nvSpPr>
-          <p:cNvPr id="203" name="Google Shape;203;g3bbeee67e43_0_137:notes"/>
+          <p:cNvPr id="210" name="Google Shape;210;g3bbeee67e43_0_137:notes"/>
           <p:cNvSpPr/>
           <p:nvPr>
             <p:ph idx="2" type="sldImg"/>
@@ -2230,7 +2230,7 @@
       </p:sp>
       <p:sp>
         <p:nvSpPr>
-          <p:cNvPr id="204" name="Google Shape;204;g3bbeee67e43_0_137:notes"/>
+          <p:cNvPr id="211" name="Google Shape;211;g3bbeee67e43_0_137:notes"/>
           <p:cNvSpPr txBox="1"/>
           <p:nvPr>
             <p:ph idx="1" type="body"/>
@@ -2288,7 +2288,7 @@
   <p:cSld>
     <p:spTree>
       <p:nvGrpSpPr>
-        <p:cNvPr id="208" name="Shape 208"/>
+        <p:cNvPr id="215" name="Shape 215"/>
         <p:cNvGrpSpPr/>
         <p:nvPr/>
       </p:nvGrpSpPr>
@@ -2302,7 +2302,7 @@
       </p:grpSpPr>
       <p:sp>
         <p:nvSpPr>
-          <p:cNvPr id="209" name="Google Shape;209;g3bbeee67e43_0_126:notes"/>
+          <p:cNvPr id="216" name="Google Shape;216;g3bbeee67e43_0_126:notes"/>
           <p:cNvSpPr/>
           <p:nvPr>
             <p:ph idx="2" type="sldImg"/>
@@ -2347,7 +2347,7 @@
       </p:sp>
       <p:sp>
         <p:nvSpPr>
-          <p:cNvPr id="210" name="Google Shape;210;g3bbeee67e43_0_126:notes"/>
+          <p:cNvPr id="217" name="Google Shape;217;g3bbeee67e43_0_126:notes"/>
           <p:cNvSpPr txBox="1"/>
           <p:nvPr>
             <p:ph idx="1" type="body"/>
@@ -2405,7 +2405,7 @@
   <p:cSld>
     <p:spTree>
       <p:nvGrpSpPr>
-        <p:cNvPr id="214" name="Shape 214"/>
+        <p:cNvPr id="221" name="Shape 221"/>
         <p:cNvGrpSpPr/>
         <p:nvPr/>
       </p:nvGrpSpPr>
@@ -2419,7 +2419,7 @@
       </p:grpSpPr>
       <p:sp>
         <p:nvSpPr>
-          <p:cNvPr id="215" name="Google Shape;215;g3bbeee67e43_0_132:notes"/>
+          <p:cNvPr id="222" name="Google Shape;222;g3bbeee67e43_0_132:notes"/>
           <p:cNvSpPr/>
           <p:nvPr>
             <p:ph idx="2" type="sldImg"/>
@@ -2464,7 +2464,7 @@
       </p:sp>
       <p:sp>
         <p:nvSpPr>
-          <p:cNvPr id="216" name="Google Shape;216;g3bbeee67e43_0_132:notes"/>
+          <p:cNvPr id="223" name="Google Shape;223;g3bbeee67e43_0_132:notes"/>
           <p:cNvSpPr txBox="1"/>
           <p:nvPr>
             <p:ph idx="1" type="body"/>
@@ -2522,7 +2522,7 @@
   <p:cSld>
     <p:spTree>
       <p:nvGrpSpPr>
-        <p:cNvPr id="220" name="Shape 220"/>
+        <p:cNvPr id="227" name="Shape 227"/>
         <p:cNvGrpSpPr/>
         <p:nvPr/>
       </p:nvGrpSpPr>
@@ -2536,7 +2536,7 @@
       </p:grpSpPr>
       <p:sp>
         <p:nvSpPr>
-          <p:cNvPr id="221" name="Google Shape;221;g3bbeee67e43_0_147:notes"/>
+          <p:cNvPr id="228" name="Google Shape;228;g3bbeee67e43_0_147:notes"/>
           <p:cNvSpPr/>
           <p:nvPr>
             <p:ph idx="2" type="sldImg"/>
@@ -2581,7 +2581,7 @@
       </p:sp>
       <p:sp>
         <p:nvSpPr>
-          <p:cNvPr id="222" name="Google Shape;222;g3bbeee67e43_0_147:notes"/>
+          <p:cNvPr id="229" name="Google Shape;229;g3bbeee67e43_0_147:notes"/>
           <p:cNvSpPr txBox="1"/>
           <p:nvPr>
             <p:ph idx="1" type="body"/>
@@ -2639,7 +2639,7 @@
   <p:cSld>
     <p:spTree>
       <p:nvGrpSpPr>
-        <p:cNvPr id="226" name="Shape 226"/>
+        <p:cNvPr id="233" name="Shape 233"/>
         <p:cNvGrpSpPr/>
         <p:nvPr/>
       </p:nvGrpSpPr>
@@ -2653,7 +2653,7 @@
       </p:grpSpPr>
       <p:sp>
         <p:nvSpPr>
-          <p:cNvPr id="227" name="Google Shape;227;g3bbeee67e43_0_142:notes"/>
+          <p:cNvPr id="234" name="Google Shape;234;g3bbeee67e43_0_142:notes"/>
           <p:cNvSpPr/>
           <p:nvPr>
             <p:ph idx="2" type="sldImg"/>
@@ -2698,7 +2698,7 @@
       </p:sp>
       <p:sp>
         <p:nvSpPr>
-          <p:cNvPr id="228" name="Google Shape;228;g3bbeee67e43_0_142:notes"/>
+          <p:cNvPr id="235" name="Google Shape;235;g3bbeee67e43_0_142:notes"/>
           <p:cNvSpPr txBox="1"/>
           <p:nvPr>
             <p:ph idx="1" type="body"/>
@@ -2756,7 +2756,7 @@
   <p:cSld>
     <p:spTree>
       <p:nvGrpSpPr>
-        <p:cNvPr id="232" name="Shape 232"/>
+        <p:cNvPr id="239" name="Shape 239"/>
         <p:cNvGrpSpPr/>
         <p:nvPr/>
       </p:nvGrpSpPr>
@@ -2770,7 +2770,7 @@
       </p:grpSpPr>
       <p:sp>
         <p:nvSpPr>
-          <p:cNvPr id="233" name="Google Shape;233;g3bbeee67e43_0_93:notes"/>
+          <p:cNvPr id="240" name="Google Shape;240;g3bbeee67e43_0_93:notes"/>
           <p:cNvSpPr/>
           <p:nvPr>
             <p:ph idx="2" type="sldImg"/>
@@ -2805,7 +2805,7 @@
       </p:sp>
       <p:sp>
         <p:nvSpPr>
-          <p:cNvPr id="234" name="Google Shape;234;g3bbeee67e43_0_93:notes"/>
+          <p:cNvPr id="241" name="Google Shape;241;g3bbeee67e43_0_93:notes"/>
           <p:cNvSpPr txBox="1"/>
           <p:nvPr>
             <p:ph idx="1" type="body"/>
@@ -11602,8 +11602,8 @@
         </p:nvSpPr>
         <p:spPr>
           <a:xfrm>
-            <a:off x="2980435" y="5974447"/>
-            <a:ext cx="1295100" cy="548100"/>
+            <a:off x="3302300" y="5974450"/>
+            <a:ext cx="678300" cy="226800"/>
           </a:xfrm>
           <a:prstGeom prst="rect">
             <a:avLst/>
@@ -11611,7 +11611,7 @@
           <a:noFill/>
           <a:ln cap="flat" cmpd="sng" w="38100">
             <a:solidFill>
-              <a:srgbClr val="DCB439"/>
+              <a:srgbClr val="A31515"/>
             </a:solidFill>
             <a:prstDash val="solid"/>
             <a:round/>
@@ -11665,15 +11665,21 @@
         </p:nvSpPr>
         <p:spPr>
           <a:xfrm>
-            <a:off x="2081625" y="6135100"/>
+            <a:off x="2086125" y="5974450"/>
             <a:ext cx="725400" cy="226800"/>
           </a:xfrm>
           <a:prstGeom prst="rect">
             <a:avLst/>
           </a:prstGeom>
           <a:noFill/>
-          <a:ln>
-            <a:noFill/>
+          <a:ln cap="flat" cmpd="sng" w="38100">
+            <a:solidFill>
+              <a:srgbClr val="A31515"/>
+            </a:solidFill>
+            <a:prstDash val="solid"/>
+            <a:round/>
+            <a:headEnd len="sm" w="sm" type="none"/>
+            <a:tailEnd len="sm" w="sm" type="none"/>
           </a:ln>
         </p:spPr>
         <p:txBody>
@@ -11715,6 +11721,347 @@
           </a:p>
         </p:txBody>
       </p:sp>
+      <p:sp>
+        <p:nvSpPr>
+          <p:cNvPr id="153" name="Google Shape;153;g3bbeee67e43_0_30"/>
+          <p:cNvSpPr/>
+          <p:nvPr/>
+        </p:nvSpPr>
+        <p:spPr>
+          <a:xfrm>
+            <a:off x="3302300" y="5751250"/>
+            <a:ext cx="678300" cy="226800"/>
+          </a:xfrm>
+          <a:prstGeom prst="rect">
+            <a:avLst/>
+          </a:prstGeom>
+          <a:noFill/>
+          <a:ln cap="flat" cmpd="sng" w="38100">
+            <a:solidFill>
+              <a:srgbClr val="A31515"/>
+            </a:solidFill>
+            <a:prstDash val="solid"/>
+            <a:round/>
+            <a:headEnd len="sm" w="sm" type="none"/>
+            <a:tailEnd len="sm" w="sm" type="none"/>
+          </a:ln>
+        </p:spPr>
+        <p:txBody>
+          <a:bodyPr anchorCtr="0" anchor="ctr" bIns="40675" lIns="40675" spcFirstLastPara="1" rIns="40675" wrap="square" tIns="40675">
+            <a:noAutofit/>
+          </a:bodyPr>
+          <a:lstStyle/>
+          <a:p>
+            <a:pPr indent="0" lvl="0" marL="0" marR="0" rtl="0" algn="ctr">
+              <a:lnSpc>
+                <a:spcPct val="100000"/>
+              </a:lnSpc>
+              <a:spcBef>
+                <a:spcPts val="0"/>
+              </a:spcBef>
+              <a:spcAft>
+                <a:spcPts val="0"/>
+              </a:spcAft>
+              <a:buClr>
+                <a:srgbClr val="000000"/>
+              </a:buClr>
+              <a:buSzPts val="623"/>
+              <a:buFont typeface="Arial"/>
+              <a:buNone/>
+            </a:pPr>
+            <a:r>
+              <a:t/>
+            </a:r>
+            <a:endParaRPr b="0" i="0" sz="622" u="none" cap="none" strike="noStrike">
+              <a:solidFill>
+                <a:srgbClr val="DCB439"/>
+              </a:solidFill>
+              <a:latin typeface="Arial"/>
+              <a:ea typeface="Arial"/>
+              <a:cs typeface="Arial"/>
+              <a:sym typeface="Arial"/>
+            </a:endParaRPr>
+          </a:p>
+        </p:txBody>
+      </p:sp>
+      <p:sp>
+        <p:nvSpPr>
+          <p:cNvPr id="154" name="Google Shape;154;g3bbeee67e43_0_30"/>
+          <p:cNvSpPr txBox="1"/>
+          <p:nvPr/>
+        </p:nvSpPr>
+        <p:spPr>
+          <a:xfrm>
+            <a:off x="2086125" y="5751250"/>
+            <a:ext cx="725400" cy="226800"/>
+          </a:xfrm>
+          <a:prstGeom prst="rect">
+            <a:avLst/>
+          </a:prstGeom>
+          <a:noFill/>
+          <a:ln cap="flat" cmpd="sng" w="38100">
+            <a:solidFill>
+              <a:srgbClr val="A31515"/>
+            </a:solidFill>
+            <a:prstDash val="solid"/>
+            <a:round/>
+            <a:headEnd len="sm" w="sm" type="none"/>
+            <a:tailEnd len="sm" w="sm" type="none"/>
+          </a:ln>
+        </p:spPr>
+        <p:txBody>
+          <a:bodyPr anchorCtr="0" anchor="ctr" bIns="91425" lIns="91425" spcFirstLastPara="1" rIns="91425" wrap="square" tIns="91425">
+            <a:noAutofit/>
+          </a:bodyPr>
+          <a:lstStyle/>
+          <a:p>
+            <a:pPr indent="0" lvl="0" marL="0" rtl="0" algn="ctr">
+              <a:spcBef>
+                <a:spcPts val="0"/>
+              </a:spcBef>
+              <a:spcAft>
+                <a:spcPts val="0"/>
+              </a:spcAft>
+              <a:buNone/>
+            </a:pPr>
+            <a:r>
+              <a:rPr b="1" lang="en" sz="1200">
+                <a:solidFill>
+                  <a:srgbClr val="DCB439"/>
+                </a:solidFill>
+                <a:latin typeface="Consolas"/>
+                <a:ea typeface="Consolas"/>
+                <a:cs typeface="Consolas"/>
+                <a:sym typeface="Consolas"/>
+              </a:rPr>
+              <a:t>Lab 02</a:t>
+            </a:r>
+            <a:endParaRPr b="1" sz="1200">
+              <a:solidFill>
+                <a:srgbClr val="DCB439"/>
+              </a:solidFill>
+              <a:latin typeface="Consolas"/>
+              <a:ea typeface="Consolas"/>
+              <a:cs typeface="Consolas"/>
+              <a:sym typeface="Consolas"/>
+            </a:endParaRPr>
+          </a:p>
+        </p:txBody>
+      </p:sp>
+      <p:sp>
+        <p:nvSpPr>
+          <p:cNvPr id="155" name="Google Shape;155;g3bbeee67e43_0_30"/>
+          <p:cNvSpPr/>
+          <p:nvPr/>
+        </p:nvSpPr>
+        <p:spPr>
+          <a:xfrm>
+            <a:off x="3302300" y="4285275"/>
+            <a:ext cx="678300" cy="226800"/>
+          </a:xfrm>
+          <a:prstGeom prst="rect">
+            <a:avLst/>
+          </a:prstGeom>
+          <a:noFill/>
+          <a:ln cap="flat" cmpd="sng" w="38100">
+            <a:solidFill>
+              <a:srgbClr val="A31515"/>
+            </a:solidFill>
+            <a:prstDash val="solid"/>
+            <a:round/>
+            <a:headEnd len="sm" w="sm" type="none"/>
+            <a:tailEnd len="sm" w="sm" type="none"/>
+          </a:ln>
+        </p:spPr>
+        <p:txBody>
+          <a:bodyPr anchorCtr="0" anchor="ctr" bIns="40675" lIns="40675" spcFirstLastPara="1" rIns="40675" wrap="square" tIns="40675">
+            <a:noAutofit/>
+          </a:bodyPr>
+          <a:lstStyle/>
+          <a:p>
+            <a:pPr indent="0" lvl="0" marL="0" marR="0" rtl="0" algn="ctr">
+              <a:lnSpc>
+                <a:spcPct val="100000"/>
+              </a:lnSpc>
+              <a:spcBef>
+                <a:spcPts val="0"/>
+              </a:spcBef>
+              <a:spcAft>
+                <a:spcPts val="0"/>
+              </a:spcAft>
+              <a:buClr>
+                <a:srgbClr val="000000"/>
+              </a:buClr>
+              <a:buSzPts val="623"/>
+              <a:buFont typeface="Arial"/>
+              <a:buNone/>
+            </a:pPr>
+            <a:r>
+              <a:t/>
+            </a:r>
+            <a:endParaRPr b="0" i="0" sz="622" u="none" cap="none" strike="noStrike">
+              <a:solidFill>
+                <a:srgbClr val="DCB439"/>
+              </a:solidFill>
+              <a:latin typeface="Arial"/>
+              <a:ea typeface="Arial"/>
+              <a:cs typeface="Arial"/>
+              <a:sym typeface="Arial"/>
+            </a:endParaRPr>
+          </a:p>
+        </p:txBody>
+      </p:sp>
+      <p:sp>
+        <p:nvSpPr>
+          <p:cNvPr id="156" name="Google Shape;156;g3bbeee67e43_0_30"/>
+          <p:cNvSpPr txBox="1"/>
+          <p:nvPr/>
+        </p:nvSpPr>
+        <p:spPr>
+          <a:xfrm>
+            <a:off x="2111200" y="4285275"/>
+            <a:ext cx="725400" cy="226800"/>
+          </a:xfrm>
+          <a:prstGeom prst="rect">
+            <a:avLst/>
+          </a:prstGeom>
+          <a:noFill/>
+          <a:ln cap="flat" cmpd="sng" w="38100">
+            <a:solidFill>
+              <a:srgbClr val="A31515"/>
+            </a:solidFill>
+            <a:prstDash val="solid"/>
+            <a:round/>
+            <a:headEnd len="sm" w="sm" type="none"/>
+            <a:tailEnd len="sm" w="sm" type="none"/>
+          </a:ln>
+        </p:spPr>
+        <p:txBody>
+          <a:bodyPr anchorCtr="0" anchor="ctr" bIns="91425" lIns="91425" spcFirstLastPara="1" rIns="91425" wrap="square" tIns="91425">
+            <a:noAutofit/>
+          </a:bodyPr>
+          <a:lstStyle/>
+          <a:p>
+            <a:pPr indent="0" lvl="0" marL="0" rtl="0" algn="ctr">
+              <a:spcBef>
+                <a:spcPts val="0"/>
+              </a:spcBef>
+              <a:spcAft>
+                <a:spcPts val="0"/>
+              </a:spcAft>
+              <a:buNone/>
+            </a:pPr>
+            <a:r>
+              <a:rPr b="1" lang="en" sz="1200">
+                <a:solidFill>
+                  <a:srgbClr val="DCB439"/>
+                </a:solidFill>
+                <a:latin typeface="Consolas"/>
+                <a:ea typeface="Consolas"/>
+                <a:cs typeface="Consolas"/>
+                <a:sym typeface="Consolas"/>
+              </a:rPr>
+              <a:t>Lab 03</a:t>
+            </a:r>
+            <a:endParaRPr b="1" sz="1200">
+              <a:solidFill>
+                <a:srgbClr val="DCB439"/>
+              </a:solidFill>
+              <a:latin typeface="Consolas"/>
+              <a:ea typeface="Consolas"/>
+              <a:cs typeface="Consolas"/>
+              <a:sym typeface="Consolas"/>
+            </a:endParaRPr>
+          </a:p>
+        </p:txBody>
+      </p:sp>
+      <p:cxnSp>
+        <p:nvCxnSpPr>
+          <p:cNvPr id="157" name="Google Shape;157;g3bbeee67e43_0_30"/>
+          <p:cNvCxnSpPr>
+            <a:stCxn id="156" idx="3"/>
+            <a:endCxn id="155" idx="1"/>
+          </p:cNvCxnSpPr>
+          <p:nvPr/>
+        </p:nvCxnSpPr>
+        <p:spPr>
+          <a:xfrm>
+            <a:off x="2836600" y="4398675"/>
+            <a:ext cx="465600" cy="0"/>
+          </a:xfrm>
+          <a:prstGeom prst="straightConnector1">
+            <a:avLst/>
+          </a:prstGeom>
+          <a:noFill/>
+          <a:ln cap="flat" cmpd="sng" w="19050">
+            <a:solidFill>
+              <a:srgbClr val="A31515"/>
+            </a:solidFill>
+            <a:prstDash val="solid"/>
+            <a:round/>
+            <a:headEnd len="med" w="med" type="none"/>
+            <a:tailEnd len="med" w="med" type="none"/>
+          </a:ln>
+        </p:spPr>
+      </p:cxnSp>
+      <p:cxnSp>
+        <p:nvCxnSpPr>
+          <p:cNvPr id="158" name="Google Shape;158;g3bbeee67e43_0_30"/>
+          <p:cNvCxnSpPr>
+            <a:stCxn id="154" idx="3"/>
+            <a:endCxn id="153" idx="1"/>
+          </p:cNvCxnSpPr>
+          <p:nvPr/>
+        </p:nvCxnSpPr>
+        <p:spPr>
+          <a:xfrm>
+            <a:off x="2811525" y="5864650"/>
+            <a:ext cx="490800" cy="0"/>
+          </a:xfrm>
+          <a:prstGeom prst="straightConnector1">
+            <a:avLst/>
+          </a:prstGeom>
+          <a:noFill/>
+          <a:ln cap="flat" cmpd="sng" w="19050">
+            <a:solidFill>
+              <a:srgbClr val="A31515"/>
+            </a:solidFill>
+            <a:prstDash val="solid"/>
+            <a:round/>
+            <a:headEnd len="med" w="med" type="none"/>
+            <a:tailEnd len="med" w="med" type="none"/>
+          </a:ln>
+        </p:spPr>
+      </p:cxnSp>
+      <p:cxnSp>
+        <p:nvCxnSpPr>
+          <p:cNvPr id="159" name="Google Shape;159;g3bbeee67e43_0_30"/>
+          <p:cNvCxnSpPr>
+            <a:stCxn id="152" idx="3"/>
+            <a:endCxn id="151" idx="1"/>
+          </p:cNvCxnSpPr>
+          <p:nvPr/>
+        </p:nvCxnSpPr>
+        <p:spPr>
+          <a:xfrm>
+            <a:off x="2811525" y="6087850"/>
+            <a:ext cx="490800" cy="0"/>
+          </a:xfrm>
+          <a:prstGeom prst="straightConnector1">
+            <a:avLst/>
+          </a:prstGeom>
+          <a:noFill/>
+          <a:ln cap="flat" cmpd="sng" w="19050">
+            <a:solidFill>
+              <a:srgbClr val="A31515"/>
+            </a:solidFill>
+            <a:prstDash val="solid"/>
+            <a:round/>
+            <a:headEnd len="med" w="med" type="none"/>
+            <a:tailEnd len="med" w="med" type="none"/>
+          </a:ln>
+        </p:spPr>
+      </p:cxnSp>
     </p:spTree>
   </p:cSld>
   <p:clrMapOvr>
@@ -11728,7 +12075,7 @@
   <p:cSld>
     <p:spTree>
       <p:nvGrpSpPr>
-        <p:cNvPr id="156" name="Shape 156"/>
+        <p:cNvPr id="163" name="Shape 163"/>
         <p:cNvGrpSpPr/>
         <p:nvPr/>
       </p:nvGrpSpPr>
@@ -11742,7 +12089,7 @@
       </p:grpSpPr>
       <p:sp>
         <p:nvSpPr>
-          <p:cNvPr id="157" name="Google Shape;157;g3b8409de4d6_0_108"/>
+          <p:cNvPr id="164" name="Google Shape;164;g3b8409de4d6_0_108"/>
           <p:cNvSpPr txBox="1"/>
           <p:nvPr>
             <p:ph type="title"/>
@@ -11790,7 +12137,7 @@
       </p:sp>
       <p:sp>
         <p:nvSpPr>
-          <p:cNvPr id="158" name="Google Shape;158;g3b8409de4d6_0_108"/>
+          <p:cNvPr id="165" name="Google Shape;165;g3b8409de4d6_0_108"/>
           <p:cNvSpPr txBox="1"/>
           <p:nvPr>
             <p:ph idx="1" type="body"/>
@@ -11938,7 +12285,7 @@
       </p:sp>
       <p:pic>
         <p:nvPicPr>
-          <p:cNvPr id="159" name="Google Shape;159;g3b8409de4d6_0_108"/>
+          <p:cNvPr id="166" name="Google Shape;166;g3b8409de4d6_0_108"/>
           <p:cNvPicPr preferRelativeResize="0"/>
           <p:nvPr/>
         </p:nvPicPr>
@@ -11965,7 +12312,7 @@
       </p:pic>
       <p:pic>
         <p:nvPicPr>
-          <p:cNvPr id="160" name="Google Shape;160;g3b8409de4d6_0_108" title="IMG_0529.jpeg"/>
+          <p:cNvPr id="167" name="Google Shape;167;g3b8409de4d6_0_108" title="IMG_0529.jpeg"/>
           <p:cNvPicPr preferRelativeResize="0"/>
           <p:nvPr/>
         </p:nvPicPr>
@@ -12003,7 +12350,7 @@
   <p:cSld>
     <p:spTree>
       <p:nvGrpSpPr>
-        <p:cNvPr id="164" name="Shape 164"/>
+        <p:cNvPr id="171" name="Shape 171"/>
         <p:cNvGrpSpPr/>
         <p:nvPr/>
       </p:nvGrpSpPr>
@@ -12017,7 +12364,7 @@
       </p:grpSpPr>
       <p:sp>
         <p:nvSpPr>
-          <p:cNvPr id="165" name="Google Shape;165;g3bbeee67e43_0_26"/>
+          <p:cNvPr id="172" name="Google Shape;172;g3bbeee67e43_0_26"/>
           <p:cNvSpPr txBox="1"/>
           <p:nvPr>
             <p:ph type="ctrTitle"/>
@@ -12119,7 +12466,7 @@
   <p:cSld>
     <p:spTree>
       <p:nvGrpSpPr>
-        <p:cNvPr id="169" name="Shape 169"/>
+        <p:cNvPr id="176" name="Shape 176"/>
         <p:cNvGrpSpPr/>
         <p:nvPr/>
       </p:nvGrpSpPr>
@@ -12133,7 +12480,7 @@
       </p:grpSpPr>
       <p:sp>
         <p:nvSpPr>
-          <p:cNvPr id="170" name="Google Shape;170;g3bbeee67e43_0_44"/>
+          <p:cNvPr id="177" name="Google Shape;177;g3bbeee67e43_0_44"/>
           <p:cNvSpPr txBox="1"/>
           <p:nvPr>
             <p:ph type="title"/>
@@ -12173,7 +12520,7 @@
       </p:sp>
       <p:sp>
         <p:nvSpPr>
-          <p:cNvPr id="171" name="Google Shape;171;g3bbeee67e43_0_44"/>
+          <p:cNvPr id="178" name="Google Shape;178;g3bbeee67e43_0_44"/>
           <p:cNvSpPr txBox="1"/>
           <p:nvPr>
             <p:ph idx="1" type="body"/>
@@ -12221,7 +12568,7 @@
       </p:sp>
       <p:pic>
         <p:nvPicPr>
-          <p:cNvPr id="172" name="Google Shape;172;g3bbeee67e43_0_44" title="Screenshot 2026-01-27 at 11.03.21 AM.png"/>
+          <p:cNvPr id="179" name="Google Shape;179;g3bbeee67e43_0_44" title="Screenshot 2026-01-27 at 11.03.21 AM.png"/>
           <p:cNvPicPr preferRelativeResize="0"/>
           <p:nvPr/>
         </p:nvPicPr>
@@ -12249,7 +12596,7 @@
       </p:pic>
       <p:pic>
         <p:nvPicPr>
-          <p:cNvPr id="173" name="Google Shape;173;g3bbeee67e43_0_44" title="Screenshot 2026-01-27 at 11.04.18 AM.png"/>
+          <p:cNvPr id="180" name="Google Shape;180;g3bbeee67e43_0_44" title="Screenshot 2026-01-27 at 11.04.18 AM.png"/>
           <p:cNvPicPr preferRelativeResize="0"/>
           <p:nvPr/>
         </p:nvPicPr>
@@ -12288,7 +12635,7 @@
   <p:cSld>
     <p:spTree>
       <p:nvGrpSpPr>
-        <p:cNvPr id="177" name="Shape 177"/>
+        <p:cNvPr id="184" name="Shape 184"/>
         <p:cNvGrpSpPr/>
         <p:nvPr/>
       </p:nvGrpSpPr>
@@ -12302,7 +12649,7 @@
       </p:grpSpPr>
       <p:sp>
         <p:nvSpPr>
-          <p:cNvPr id="178" name="Google Shape;178;g3bbeee67e43_0_53"/>
+          <p:cNvPr id="185" name="Google Shape;185;g3bbeee67e43_0_53"/>
           <p:cNvSpPr txBox="1"/>
           <p:nvPr>
             <p:ph type="title"/>
@@ -12342,7 +12689,7 @@
       </p:sp>
       <p:pic>
         <p:nvPicPr>
-          <p:cNvPr id="179" name="Google Shape;179;g3bbeee67e43_0_53" title="Screenshot 2026-01-27 at 11.06.13 AM.png"/>
+          <p:cNvPr id="186" name="Google Shape;186;g3bbeee67e43_0_53" title="Screenshot 2026-01-27 at 11.06.13 AM.png"/>
           <p:cNvPicPr preferRelativeResize="0"/>
           <p:nvPr/>
         </p:nvPicPr>
@@ -12370,7 +12717,7 @@
       </p:pic>
       <p:pic>
         <p:nvPicPr>
-          <p:cNvPr id="180" name="Google Shape;180;g3bbeee67e43_0_53" title="Screenshot 2026-01-27 at 11.06.43 AM.png"/>
+          <p:cNvPr id="187" name="Google Shape;187;g3bbeee67e43_0_53" title="Screenshot 2026-01-27 at 11.06.43 AM.png"/>
           <p:cNvPicPr preferRelativeResize="0"/>
           <p:nvPr/>
         </p:nvPicPr>
@@ -12398,7 +12745,7 @@
       </p:pic>
       <p:pic>
         <p:nvPicPr>
-          <p:cNvPr id="181" name="Google Shape;181;g3bbeee67e43_0_53" title="Screenshot 2026-01-27 at 11.12.02 AM.png"/>
+          <p:cNvPr id="188" name="Google Shape;188;g3bbeee67e43_0_53" title="Screenshot 2026-01-27 at 11.12.02 AM.png"/>
           <p:cNvPicPr preferRelativeResize="0"/>
           <p:nvPr/>
         </p:nvPicPr>
@@ -12426,7 +12773,7 @@
       </p:pic>
       <p:pic>
         <p:nvPicPr>
-          <p:cNvPr id="182" name="Google Shape;182;g3bbeee67e43_0_53" title="Screenshot 2026-01-27 at 11.12.43 AM.png"/>
+          <p:cNvPr id="189" name="Google Shape;189;g3bbeee67e43_0_53" title="Screenshot 2026-01-27 at 11.12.43 AM.png"/>
           <p:cNvPicPr preferRelativeResize="0"/>
           <p:nvPr/>
         </p:nvPicPr>
@@ -12454,7 +12801,7 @@
       </p:pic>
       <p:pic>
         <p:nvPicPr>
-          <p:cNvPr id="183" name="Google Shape;183;g3bbeee67e43_0_53" title="Screenshot 2026-01-27 at 11.12.59 AM.png"/>
+          <p:cNvPr id="190" name="Google Shape;190;g3bbeee67e43_0_53" title="Screenshot 2026-01-27 at 11.12.59 AM.png"/>
           <p:cNvPicPr preferRelativeResize="0"/>
           <p:nvPr/>
         </p:nvPicPr>
@@ -12482,7 +12829,7 @@
       </p:pic>
       <p:sp>
         <p:nvSpPr>
-          <p:cNvPr id="184" name="Google Shape;184;g3bbeee67e43_0_53"/>
+          <p:cNvPr id="191" name="Google Shape;191;g3bbeee67e43_0_53"/>
           <p:cNvSpPr/>
           <p:nvPr/>
         </p:nvSpPr>
@@ -12529,7 +12876,7 @@
       </p:sp>
       <p:sp>
         <p:nvSpPr>
-          <p:cNvPr id="185" name="Google Shape;185;g3bbeee67e43_0_53"/>
+          <p:cNvPr id="192" name="Google Shape;192;g3bbeee67e43_0_53"/>
           <p:cNvSpPr/>
           <p:nvPr/>
         </p:nvSpPr>
@@ -12576,10 +12923,10 @@
       </p:sp>
       <p:cxnSp>
         <p:nvCxnSpPr>
-          <p:cNvPr id="186" name="Google Shape;186;g3bbeee67e43_0_53"/>
+          <p:cNvPr id="193" name="Google Shape;193;g3bbeee67e43_0_53"/>
           <p:cNvCxnSpPr>
-            <a:stCxn id="184" idx="3"/>
-            <a:endCxn id="185" idx="0"/>
+            <a:stCxn id="191" idx="3"/>
+            <a:endCxn id="192" idx="0"/>
           </p:cNvCxnSpPr>
           <p:nvPr/>
         </p:nvCxnSpPr>
@@ -12605,7 +12952,7 @@
       </p:cxnSp>
       <p:sp>
         <p:nvSpPr>
-          <p:cNvPr id="187" name="Google Shape;187;g3bbeee67e43_0_53"/>
+          <p:cNvPr id="194" name="Google Shape;194;g3bbeee67e43_0_53"/>
           <p:cNvSpPr/>
           <p:nvPr/>
         </p:nvSpPr>
@@ -12652,7 +12999,7 @@
       </p:sp>
       <p:sp>
         <p:nvSpPr>
-          <p:cNvPr id="188" name="Google Shape;188;g3bbeee67e43_0_53"/>
+          <p:cNvPr id="195" name="Google Shape;195;g3bbeee67e43_0_53"/>
           <p:cNvSpPr/>
           <p:nvPr/>
         </p:nvSpPr>
@@ -12699,7 +13046,7 @@
       </p:sp>
       <p:sp>
         <p:nvSpPr>
-          <p:cNvPr id="189" name="Google Shape;189;g3bbeee67e43_0_53"/>
+          <p:cNvPr id="196" name="Google Shape;196;g3bbeee67e43_0_53"/>
           <p:cNvSpPr/>
           <p:nvPr/>
         </p:nvSpPr>
@@ -12746,9 +13093,9 @@
       </p:sp>
       <p:cxnSp>
         <p:nvCxnSpPr>
-          <p:cNvPr id="190" name="Google Shape;190;g3bbeee67e43_0_53"/>
+          <p:cNvPr id="197" name="Google Shape;197;g3bbeee67e43_0_53"/>
           <p:cNvCxnSpPr>
-            <a:endCxn id="188" idx="2"/>
+            <a:endCxn id="195" idx="2"/>
           </p:cNvCxnSpPr>
           <p:nvPr/>
         </p:nvCxnSpPr>
@@ -12774,10 +13121,10 @@
       </p:cxnSp>
       <p:cxnSp>
         <p:nvCxnSpPr>
-          <p:cNvPr id="191" name="Google Shape;191;g3bbeee67e43_0_53"/>
+          <p:cNvPr id="198" name="Google Shape;198;g3bbeee67e43_0_53"/>
           <p:cNvCxnSpPr>
-            <a:stCxn id="187" idx="3"/>
-            <a:endCxn id="189" idx="2"/>
+            <a:stCxn id="194" idx="3"/>
+            <a:endCxn id="196" idx="2"/>
           </p:cNvCxnSpPr>
           <p:nvPr/>
         </p:nvCxnSpPr>
@@ -12803,7 +13150,7 @@
       </p:cxnSp>
       <p:sp>
         <p:nvSpPr>
-          <p:cNvPr id="192" name="Google Shape;192;g3bbeee67e43_0_53"/>
+          <p:cNvPr id="199" name="Google Shape;199;g3bbeee67e43_0_53"/>
           <p:cNvSpPr/>
           <p:nvPr/>
         </p:nvSpPr>
@@ -12850,7 +13197,7 @@
       </p:sp>
       <p:sp>
         <p:nvSpPr>
-          <p:cNvPr id="193" name="Google Shape;193;g3bbeee67e43_0_53"/>
+          <p:cNvPr id="200" name="Google Shape;200;g3bbeee67e43_0_53"/>
           <p:cNvSpPr/>
           <p:nvPr/>
         </p:nvSpPr>
@@ -12897,10 +13244,10 @@
       </p:sp>
       <p:cxnSp>
         <p:nvCxnSpPr>
-          <p:cNvPr id="194" name="Google Shape;194;g3bbeee67e43_0_53"/>
+          <p:cNvPr id="201" name="Google Shape;201;g3bbeee67e43_0_53"/>
           <p:cNvCxnSpPr>
-            <a:stCxn id="193" idx="0"/>
-            <a:endCxn id="192" idx="1"/>
+            <a:stCxn id="200" idx="0"/>
+            <a:endCxn id="199" idx="1"/>
           </p:cNvCxnSpPr>
           <p:nvPr/>
         </p:nvCxnSpPr>
@@ -12926,10 +13273,10 @@
       </p:cxnSp>
       <p:cxnSp>
         <p:nvCxnSpPr>
-          <p:cNvPr id="195" name="Google Shape;195;g3bbeee67e43_0_53"/>
+          <p:cNvPr id="202" name="Google Shape;202;g3bbeee67e43_0_53"/>
           <p:cNvCxnSpPr>
-            <a:stCxn id="185" idx="0"/>
-            <a:endCxn id="187" idx="1"/>
+            <a:stCxn id="192" idx="0"/>
+            <a:endCxn id="194" idx="1"/>
           </p:cNvCxnSpPr>
           <p:nvPr/>
         </p:nvCxnSpPr>
@@ -12966,7 +13313,7 @@
   <p:cSld>
     <p:spTree>
       <p:nvGrpSpPr>
-        <p:cNvPr id="199" name="Shape 199"/>
+        <p:cNvPr id="206" name="Shape 206"/>
         <p:cNvGrpSpPr/>
         <p:nvPr/>
       </p:nvGrpSpPr>
@@ -12980,7 +13327,7 @@
       </p:grpSpPr>
       <p:sp>
         <p:nvSpPr>
-          <p:cNvPr id="200" name="Google Shape;200;g3bbeee67e43_0_98"/>
+          <p:cNvPr id="207" name="Google Shape;207;g3bbeee67e43_0_98"/>
           <p:cNvSpPr txBox="1"/>
           <p:nvPr>
             <p:ph type="title"/>
@@ -13020,7 +13367,7 @@
       </p:sp>
       <p:sp>
         <p:nvSpPr>
-          <p:cNvPr id="201" name="Google Shape;201;g3bbeee67e43_0_98"/>
+          <p:cNvPr id="208" name="Google Shape;208;g3bbeee67e43_0_98"/>
           <p:cNvSpPr txBox="1"/>
           <p:nvPr>
             <p:ph idx="1" type="body"/>
@@ -13232,7 +13579,7 @@
   <p:cSld>
     <p:spTree>
       <p:nvGrpSpPr>
-        <p:cNvPr id="205" name="Shape 205"/>
+        <p:cNvPr id="212" name="Shape 212"/>
         <p:cNvGrpSpPr/>
         <p:nvPr/>
       </p:nvGrpSpPr>
@@ -13246,7 +13593,7 @@
       </p:grpSpPr>
       <p:sp>
         <p:nvSpPr>
-          <p:cNvPr id="206" name="Google Shape;206;g3bbeee67e43_0_137"/>
+          <p:cNvPr id="213" name="Google Shape;213;g3bbeee67e43_0_137"/>
           <p:cNvSpPr txBox="1"/>
           <p:nvPr>
             <p:ph type="title"/>
@@ -13322,7 +13669,7 @@
       </p:sp>
       <p:sp>
         <p:nvSpPr>
-          <p:cNvPr id="207" name="Google Shape;207;g3bbeee67e43_0_137"/>
+          <p:cNvPr id="214" name="Google Shape;214;g3bbeee67e43_0_137"/>
           <p:cNvSpPr txBox="1"/>
           <p:nvPr>
             <p:ph idx="1" type="body"/>
@@ -13495,7 +13842,7 @@
   <p:cSld>
     <p:spTree>
       <p:nvGrpSpPr>
-        <p:cNvPr id="211" name="Shape 211"/>
+        <p:cNvPr id="218" name="Shape 218"/>
         <p:cNvGrpSpPr/>
         <p:nvPr/>
       </p:nvGrpSpPr>
@@ -13509,7 +13856,7 @@
       </p:grpSpPr>
       <p:sp>
         <p:nvSpPr>
-          <p:cNvPr id="212" name="Google Shape;212;g3bbeee67e43_0_126"/>
+          <p:cNvPr id="219" name="Google Shape;219;g3bbeee67e43_0_126"/>
           <p:cNvSpPr txBox="1"/>
           <p:nvPr>
             <p:ph type="title"/>
@@ -13589,7 +13936,7 @@
       </p:sp>
       <p:sp>
         <p:nvSpPr>
-          <p:cNvPr id="213" name="Google Shape;213;g3bbeee67e43_0_126"/>
+          <p:cNvPr id="220" name="Google Shape;220;g3bbeee67e43_0_126"/>
           <p:cNvSpPr txBox="1"/>
           <p:nvPr>
             <p:ph idx="1" type="body"/>
@@ -13759,7 +14106,7 @@
   <p:cSld>
     <p:spTree>
       <p:nvGrpSpPr>
-        <p:cNvPr id="217" name="Shape 217"/>
+        <p:cNvPr id="224" name="Shape 224"/>
         <p:cNvGrpSpPr/>
         <p:nvPr/>
       </p:nvGrpSpPr>
@@ -13773,7 +14120,7 @@
       </p:grpSpPr>
       <p:sp>
         <p:nvSpPr>
-          <p:cNvPr id="218" name="Google Shape;218;g3bbeee67e43_0_132"/>
+          <p:cNvPr id="225" name="Google Shape;225;g3bbeee67e43_0_132"/>
           <p:cNvSpPr txBox="1"/>
           <p:nvPr>
             <p:ph type="title"/>
@@ -13849,7 +14196,7 @@
       </p:sp>
       <p:sp>
         <p:nvSpPr>
-          <p:cNvPr id="219" name="Google Shape;219;g3bbeee67e43_0_132"/>
+          <p:cNvPr id="226" name="Google Shape;226;g3bbeee67e43_0_132"/>
           <p:cNvSpPr txBox="1"/>
           <p:nvPr>
             <p:ph idx="1" type="body"/>
@@ -13994,7 +14341,7 @@
   <p:cSld>
     <p:spTree>
       <p:nvGrpSpPr>
-        <p:cNvPr id="223" name="Shape 223"/>
+        <p:cNvPr id="230" name="Shape 230"/>
         <p:cNvGrpSpPr/>
         <p:nvPr/>
       </p:nvGrpSpPr>
@@ -14008,7 +14355,7 @@
       </p:grpSpPr>
       <p:sp>
         <p:nvSpPr>
-          <p:cNvPr id="224" name="Google Shape;224;g3bbeee67e43_0_147"/>
+          <p:cNvPr id="231" name="Google Shape;231;g3bbeee67e43_0_147"/>
           <p:cNvSpPr txBox="1"/>
           <p:nvPr>
             <p:ph type="title"/>
@@ -14092,7 +14439,7 @@
       </p:sp>
       <p:sp>
         <p:nvSpPr>
-          <p:cNvPr id="225" name="Google Shape;225;g3bbeee67e43_0_147"/>
+          <p:cNvPr id="232" name="Google Shape;232;g3bbeee67e43_0_147"/>
           <p:cNvSpPr txBox="1"/>
           <p:nvPr>
             <p:ph idx="1" type="body"/>
@@ -14386,7 +14733,7 @@
   <p:cSld>
     <p:spTree>
       <p:nvGrpSpPr>
-        <p:cNvPr id="229" name="Shape 229"/>
+        <p:cNvPr id="236" name="Shape 236"/>
         <p:cNvGrpSpPr/>
         <p:nvPr/>
       </p:nvGrpSpPr>
@@ -14400,7 +14747,7 @@
       </p:grpSpPr>
       <p:sp>
         <p:nvSpPr>
-          <p:cNvPr id="230" name="Google Shape;230;g3bbeee67e43_0_142"/>
+          <p:cNvPr id="237" name="Google Shape;237;g3bbeee67e43_0_142"/>
           <p:cNvSpPr txBox="1"/>
           <p:nvPr>
             <p:ph type="title"/>
@@ -14484,7 +14831,7 @@
       </p:sp>
       <p:sp>
         <p:nvSpPr>
-          <p:cNvPr id="231" name="Google Shape;231;g3bbeee67e43_0_142"/>
+          <p:cNvPr id="238" name="Google Shape;238;g3bbeee67e43_0_142"/>
           <p:cNvSpPr txBox="1"/>
           <p:nvPr>
             <p:ph idx="1" type="body"/>
@@ -14634,7 +14981,7 @@
   <p:cSld>
     <p:spTree>
       <p:nvGrpSpPr>
-        <p:cNvPr id="235" name="Shape 235"/>
+        <p:cNvPr id="242" name="Shape 242"/>
         <p:cNvGrpSpPr/>
         <p:nvPr/>
       </p:nvGrpSpPr>
@@ -14648,7 +14995,7 @@
       </p:grpSpPr>
       <p:sp>
         <p:nvSpPr>
-          <p:cNvPr id="236" name="Google Shape;236;g3bbeee67e43_0_93"/>
+          <p:cNvPr id="243" name="Google Shape;243;g3bbeee67e43_0_93"/>
           <p:cNvSpPr txBox="1"/>
           <p:nvPr>
             <p:ph type="title"/>
@@ -14688,7 +15035,7 @@
       </p:sp>
       <p:sp>
         <p:nvSpPr>
-          <p:cNvPr id="237" name="Google Shape;237;g3bbeee67e43_0_93"/>
+          <p:cNvPr id="244" name="Google Shape;244;g3bbeee67e43_0_93"/>
           <p:cNvSpPr txBox="1"/>
           <p:nvPr>
             <p:ph idx="1" type="body"/>
@@ -18026,6 +18373,285 @@
 </file>
 
 <file path=ppt/theme/theme1.xml><?xml version="1.0" encoding="utf-8"?>
+<a:theme xmlns:a="http://schemas.openxmlformats.org/drawingml/2006/main" xmlns:r="http://schemas.openxmlformats.org/officeDocument/2006/relationships" name="PB Theme">
+  <a:themeElements>
+    <a:clrScheme name="Custom 347">
+      <a:dk1>
+        <a:srgbClr val="000000"/>
+      </a:dk1>
+      <a:lt1>
+        <a:srgbClr val="FFFFFF"/>
+      </a:lt1>
+      <a:dk2>
+        <a:srgbClr val="666666"/>
+      </a:dk2>
+      <a:lt2>
+        <a:srgbClr val="CCCCCC"/>
+      </a:lt2>
+      <a:accent1>
+        <a:srgbClr val="3A81BA"/>
+      </a:accent1>
+      <a:accent2>
+        <a:srgbClr val="D89F39"/>
+      </a:accent2>
+      <a:accent3>
+        <a:srgbClr val="8BAB42"/>
+      </a:accent3>
+      <a:accent4>
+        <a:srgbClr val="57A7B5"/>
+      </a:accent4>
+      <a:accent5>
+        <a:srgbClr val="8B81D2"/>
+      </a:accent5>
+      <a:accent6>
+        <a:srgbClr val="963334"/>
+      </a:accent6>
+      <a:hlink>
+        <a:srgbClr val="1155CC"/>
+      </a:hlink>
+      <a:folHlink>
+        <a:srgbClr val="6611CC"/>
+      </a:folHlink>
+    </a:clrScheme>
+    <a:fontScheme name="Office">
+      <a:majorFont>
+        <a:latin typeface="Arial"/>
+        <a:ea typeface=""/>
+        <a:cs typeface=""/>
+        <a:font script="Jpan" typeface="ＭＳ Ｐゴシック"/>
+        <a:font script="Hang" typeface="맑은 고딕"/>
+        <a:font script="Hans" typeface="宋体"/>
+        <a:font script="Hant" typeface="新細明體"/>
+        <a:font script="Arab" typeface="Times New Roman"/>
+        <a:font script="Hebr" typeface="Times New Roman"/>
+        <a:font script="Thai" typeface="Angsana New"/>
+        <a:font script="Ethi" typeface="Nyala"/>
+        <a:font script="Beng" typeface="Vrinda"/>
+        <a:font script="Gujr" typeface="Shruti"/>
+        <a:font script="Khmr" typeface="MoolBoran"/>
+        <a:font script="Knda" typeface="Tunga"/>
+        <a:font script="Guru" typeface="Raavi"/>
+        <a:font script="Cans" typeface="Euphemia"/>
+        <a:font script="Cher" typeface="Plantagenet Cherokee"/>
+        <a:font script="Yiii" typeface="Microsoft Yi Baiti"/>
+        <a:font script="Tibt" typeface="Microsoft Himalaya"/>
+        <a:font script="Thaa" typeface="MV Boli"/>
+        <a:font script="Deva" typeface="Mangal"/>
+        <a:font script="Telu" typeface="Gautami"/>
+        <a:font script="Taml" typeface="Latha"/>
+        <a:font script="Syrc" typeface="Estrangelo Edessa"/>
+        <a:font script="Orya" typeface="Kalinga"/>
+        <a:font script="Mlym" typeface="Kartika"/>
+        <a:font script="Laoo" typeface="DokChampa"/>
+        <a:font script="Sinh" typeface="Iskoola Pota"/>
+        <a:font script="Mong" typeface="Mongolian Baiti"/>
+        <a:font script="Viet" typeface="Times New Roman"/>
+        <a:font script="Uigh" typeface="Microsoft Uighur"/>
+        <a:font script="Geor" typeface="Sylfaen"/>
+      </a:majorFont>
+      <a:minorFont>
+        <a:latin typeface="Arial"/>
+        <a:ea typeface=""/>
+        <a:cs typeface=""/>
+        <a:font script="Jpan" typeface="ＭＳ Ｐゴシック"/>
+        <a:font script="Hang" typeface="맑은 고딕"/>
+        <a:font script="Hans" typeface="宋体"/>
+        <a:font script="Hant" typeface="新細明體"/>
+        <a:font script="Arab" typeface="Arial"/>
+        <a:font script="Hebr" typeface="Arial"/>
+        <a:font script="Thai" typeface="Cordia New"/>
+        <a:font script="Ethi" typeface="Nyala"/>
+        <a:font script="Beng" typeface="Vrinda"/>
+        <a:font script="Gujr" typeface="Shruti"/>
+        <a:font script="Khmr" typeface="DaunPenh"/>
+        <a:font script="Knda" typeface="Tunga"/>
+        <a:font script="Guru" typeface="Raavi"/>
+        <a:font script="Cans" typeface="Euphemia"/>
+        <a:font script="Cher" typeface="Plantagenet Cherokee"/>
+        <a:font script="Yiii" typeface="Microsoft Yi Baiti"/>
+        <a:font script="Tibt" typeface="Microsoft Himalaya"/>
+        <a:font script="Thaa" typeface="MV Boli"/>
+        <a:font script="Deva" typeface="Mangal"/>
+        <a:font script="Telu" typeface="Gautami"/>
+        <a:font script="Taml" typeface="Latha"/>
+        <a:font script="Syrc" typeface="Estrangelo Edessa"/>
+        <a:font script="Orya" typeface="Kalinga"/>
+        <a:font script="Mlym" typeface="Kartika"/>
+        <a:font script="Laoo" typeface="DokChampa"/>
+        <a:font script="Sinh" typeface="Iskoola Pota"/>
+        <a:font script="Mong" typeface="Mongolian Baiti"/>
+        <a:font script="Viet" typeface="Arial"/>
+        <a:font script="Uigh" typeface="Microsoft Uighur"/>
+        <a:font script="Geor" typeface="Sylfaen"/>
+      </a:minorFont>
+    </a:fontScheme>
+    <a:fmtScheme name="Office">
+      <a:fillStyleLst>
+        <a:solidFill>
+          <a:schemeClr val="phClr"/>
+        </a:solidFill>
+        <a:gradFill rotWithShape="1">
+          <a:gsLst>
+            <a:gs pos="0">
+              <a:schemeClr val="phClr">
+                <a:tint val="50000"/>
+                <a:satMod val="300000"/>
+              </a:schemeClr>
+            </a:gs>
+            <a:gs pos="35000">
+              <a:schemeClr val="phClr">
+                <a:tint val="37000"/>
+                <a:satMod val="300000"/>
+              </a:schemeClr>
+            </a:gs>
+            <a:gs pos="100000">
+              <a:schemeClr val="phClr">
+                <a:tint val="15000"/>
+                <a:satMod val="350000"/>
+              </a:schemeClr>
+            </a:gs>
+          </a:gsLst>
+          <a:lin ang="16200000" scaled="1"/>
+        </a:gradFill>
+        <a:gradFill rotWithShape="1">
+          <a:gsLst>
+            <a:gs pos="0">
+              <a:schemeClr val="phClr">
+                <a:tint val="100000"/>
+                <a:shade val="100000"/>
+                <a:satMod val="130000"/>
+              </a:schemeClr>
+            </a:gs>
+            <a:gs pos="100000">
+              <a:schemeClr val="phClr">
+                <a:tint val="50000"/>
+                <a:shade val="100000"/>
+                <a:satMod val="350000"/>
+              </a:schemeClr>
+            </a:gs>
+          </a:gsLst>
+          <a:lin ang="16200000" scaled="0"/>
+        </a:gradFill>
+      </a:fillStyleLst>
+      <a:lnStyleLst>
+        <a:ln w="9525" cap="flat" cmpd="sng" algn="ctr">
+          <a:solidFill>
+            <a:schemeClr val="phClr">
+              <a:shade val="95000"/>
+              <a:satMod val="105000"/>
+            </a:schemeClr>
+          </a:solidFill>
+          <a:prstDash val="solid"/>
+        </a:ln>
+        <a:ln w="25400" cap="flat" cmpd="sng" algn="ctr">
+          <a:solidFill>
+            <a:schemeClr val="phClr"/>
+          </a:solidFill>
+          <a:prstDash val="solid"/>
+        </a:ln>
+        <a:ln w="38100" cap="flat" cmpd="sng" algn="ctr">
+          <a:solidFill>
+            <a:schemeClr val="phClr"/>
+          </a:solidFill>
+          <a:prstDash val="solid"/>
+        </a:ln>
+      </a:lnStyleLst>
+      <a:effectStyleLst>
+        <a:effectStyle>
+          <a:effectLst>
+            <a:outerShdw blurRad="40000" dist="20000" dir="5400000" rotWithShape="0">
+              <a:srgbClr val="000000">
+                <a:alpha val="38000"/>
+              </a:srgbClr>
+            </a:outerShdw>
+          </a:effectLst>
+        </a:effectStyle>
+        <a:effectStyle>
+          <a:effectLst>
+            <a:outerShdw blurRad="40000" dist="23000" dir="5400000" rotWithShape="0">
+              <a:srgbClr val="000000">
+                <a:alpha val="35000"/>
+              </a:srgbClr>
+            </a:outerShdw>
+          </a:effectLst>
+        </a:effectStyle>
+        <a:effectStyle>
+          <a:effectLst>
+            <a:outerShdw blurRad="40000" dist="23000" dir="5400000" rotWithShape="0">
+              <a:srgbClr val="000000">
+                <a:alpha val="35000"/>
+              </a:srgbClr>
+            </a:outerShdw>
+          </a:effectLst>
+          <a:scene3d>
+            <a:camera prst="orthographicFront">
+              <a:rot lat="0" lon="0" rev="0"/>
+            </a:camera>
+            <a:lightRig rig="threePt" dir="t">
+              <a:rot lat="0" lon="0" rev="1200000"/>
+            </a:lightRig>
+          </a:scene3d>
+          <a:sp3d>
+            <a:bevelT w="63500" h="25400"/>
+          </a:sp3d>
+        </a:effectStyle>
+      </a:effectStyleLst>
+      <a:bgFillStyleLst>
+        <a:solidFill>
+          <a:schemeClr val="phClr"/>
+        </a:solidFill>
+        <a:gradFill rotWithShape="1">
+          <a:gsLst>
+            <a:gs pos="0">
+              <a:schemeClr val="phClr">
+                <a:tint val="40000"/>
+                <a:satMod val="350000"/>
+              </a:schemeClr>
+            </a:gs>
+            <a:gs pos="40000">
+              <a:schemeClr val="phClr">
+                <a:tint val="45000"/>
+                <a:shade val="99000"/>
+                <a:satMod val="350000"/>
+              </a:schemeClr>
+            </a:gs>
+            <a:gs pos="100000">
+              <a:schemeClr val="phClr">
+                <a:shade val="20000"/>
+                <a:satMod val="255000"/>
+              </a:schemeClr>
+            </a:gs>
+          </a:gsLst>
+          <a:path path="circle">
+            <a:fillToRect l="50000" t="-80000" r="50000" b="180000"/>
+          </a:path>
+        </a:gradFill>
+        <a:gradFill rotWithShape="1">
+          <a:gsLst>
+            <a:gs pos="0">
+              <a:schemeClr val="phClr">
+                <a:tint val="80000"/>
+                <a:satMod val="300000"/>
+              </a:schemeClr>
+            </a:gs>
+            <a:gs pos="100000">
+              <a:schemeClr val="phClr">
+                <a:shade val="30000"/>
+                <a:satMod val="200000"/>
+              </a:schemeClr>
+            </a:gs>
+          </a:gsLst>
+          <a:path path="circle">
+            <a:fillToRect l="50000" t="50000" r="50000" b="50000"/>
+          </a:path>
+        </a:gradFill>
+      </a:bgFillStyleLst>
+    </a:fmtScheme>
+  </a:themeElements>
+</a:theme>
+</file>
+
+<file path=ppt/theme/theme2.xml><?xml version="1.0" encoding="utf-8"?>
 <a:theme xmlns:a="http://schemas.openxmlformats.org/drawingml/2006/main" xmlns:r="http://schemas.openxmlformats.org/officeDocument/2006/relationships">
   <a:themeElements>
     <a:clrScheme name="Default">
@@ -18302,283 +18928,4 @@
     </a:fmtScheme>
   </a:themeElements>
 </a:theme>
-</file>
-
-<file path=ppt/theme/theme2.xml><?xml version="1.0" encoding="utf-8"?>
-<a:theme xmlns:a="http://schemas.openxmlformats.org/drawingml/2006/main" xmlns:r="http://schemas.openxmlformats.org/officeDocument/2006/relationships" name="PB Theme">
-  <a:themeElements>
-    <a:clrScheme name="Custom 347">
-      <a:dk1>
-        <a:srgbClr val="000000"/>
-      </a:dk1>
-      <a:lt1>
-        <a:srgbClr val="FFFFFF"/>
-      </a:lt1>
-      <a:dk2>
-        <a:srgbClr val="666666"/>
-      </a:dk2>
-      <a:lt2>
-        <a:srgbClr val="CCCCCC"/>
-      </a:lt2>
-      <a:accent1>
-        <a:srgbClr val="3A81BA"/>
-      </a:accent1>
-      <a:accent2>
-        <a:srgbClr val="D89F39"/>
-      </a:accent2>
-      <a:accent3>
-        <a:srgbClr val="8BAB42"/>
-      </a:accent3>
-      <a:accent4>
-        <a:srgbClr val="57A7B5"/>
-      </a:accent4>
-      <a:accent5>
-        <a:srgbClr val="8B81D2"/>
-      </a:accent5>
-      <a:accent6>
-        <a:srgbClr val="963334"/>
-      </a:accent6>
-      <a:hlink>
-        <a:srgbClr val="1155CC"/>
-      </a:hlink>
-      <a:folHlink>
-        <a:srgbClr val="6611CC"/>
-      </a:folHlink>
-    </a:clrScheme>
-    <a:fontScheme name="Office">
-      <a:majorFont>
-        <a:latin typeface="Arial"/>
-        <a:ea typeface=""/>
-        <a:cs typeface=""/>
-        <a:font script="Jpan" typeface="ＭＳ Ｐゴシック"/>
-        <a:font script="Hang" typeface="맑은 고딕"/>
-        <a:font script="Hans" typeface="宋体"/>
-        <a:font script="Hant" typeface="新細明體"/>
-        <a:font script="Arab" typeface="Times New Roman"/>
-        <a:font script="Hebr" typeface="Times New Roman"/>
-        <a:font script="Thai" typeface="Angsana New"/>
-        <a:font script="Ethi" typeface="Nyala"/>
-        <a:font script="Beng" typeface="Vrinda"/>
-        <a:font script="Gujr" typeface="Shruti"/>
-        <a:font script="Khmr" typeface="MoolBoran"/>
-        <a:font script="Knda" typeface="Tunga"/>
-        <a:font script="Guru" typeface="Raavi"/>
-        <a:font script="Cans" typeface="Euphemia"/>
-        <a:font script="Cher" typeface="Plantagenet Cherokee"/>
-        <a:font script="Yiii" typeface="Microsoft Yi Baiti"/>
-        <a:font script="Tibt" typeface="Microsoft Himalaya"/>
-        <a:font script="Thaa" typeface="MV Boli"/>
-        <a:font script="Deva" typeface="Mangal"/>
-        <a:font script="Telu" typeface="Gautami"/>
-        <a:font script="Taml" typeface="Latha"/>
-        <a:font script="Syrc" typeface="Estrangelo Edessa"/>
-        <a:font script="Orya" typeface="Kalinga"/>
-        <a:font script="Mlym" typeface="Kartika"/>
-        <a:font script="Laoo" typeface="DokChampa"/>
-        <a:font script="Sinh" typeface="Iskoola Pota"/>
-        <a:font script="Mong" typeface="Mongolian Baiti"/>
-        <a:font script="Viet" typeface="Times New Roman"/>
-        <a:font script="Uigh" typeface="Microsoft Uighur"/>
-        <a:font script="Geor" typeface="Sylfaen"/>
-      </a:majorFont>
-      <a:minorFont>
-        <a:latin typeface="Arial"/>
-        <a:ea typeface=""/>
-        <a:cs typeface=""/>
-        <a:font script="Jpan" typeface="ＭＳ Ｐゴシック"/>
-        <a:font script="Hang" typeface="맑은 고딕"/>
-        <a:font script="Hans" typeface="宋体"/>
-        <a:font script="Hant" typeface="新細明體"/>
-        <a:font script="Arab" typeface="Arial"/>
-        <a:font script="Hebr" typeface="Arial"/>
-        <a:font script="Thai" typeface="Cordia New"/>
-        <a:font script="Ethi" typeface="Nyala"/>
-        <a:font script="Beng" typeface="Vrinda"/>
-        <a:font script="Gujr" typeface="Shruti"/>
-        <a:font script="Khmr" typeface="DaunPenh"/>
-        <a:font script="Knda" typeface="Tunga"/>
-        <a:font script="Guru" typeface="Raavi"/>
-        <a:font script="Cans" typeface="Euphemia"/>
-        <a:font script="Cher" typeface="Plantagenet Cherokee"/>
-        <a:font script="Yiii" typeface="Microsoft Yi Baiti"/>
-        <a:font script="Tibt" typeface="Microsoft Himalaya"/>
-        <a:font script="Thaa" typeface="MV Boli"/>
-        <a:font script="Deva" typeface="Mangal"/>
-        <a:font script="Telu" typeface="Gautami"/>
-        <a:font script="Taml" typeface="Latha"/>
-        <a:font script="Syrc" typeface="Estrangelo Edessa"/>
-        <a:font script="Orya" typeface="Kalinga"/>
-        <a:font script="Mlym" typeface="Kartika"/>
-        <a:font script="Laoo" typeface="DokChampa"/>
-        <a:font script="Sinh" typeface="Iskoola Pota"/>
-        <a:font script="Mong" typeface="Mongolian Baiti"/>
-        <a:font script="Viet" typeface="Arial"/>
-        <a:font script="Uigh" typeface="Microsoft Uighur"/>
-        <a:font script="Geor" typeface="Sylfaen"/>
-      </a:minorFont>
-    </a:fontScheme>
-    <a:fmtScheme name="Office">
-      <a:fillStyleLst>
-        <a:solidFill>
-          <a:schemeClr val="phClr"/>
-        </a:solidFill>
-        <a:gradFill rotWithShape="1">
-          <a:gsLst>
-            <a:gs pos="0">
-              <a:schemeClr val="phClr">
-                <a:tint val="50000"/>
-                <a:satMod val="300000"/>
-              </a:schemeClr>
-            </a:gs>
-            <a:gs pos="35000">
-              <a:schemeClr val="phClr">
-                <a:tint val="37000"/>
-                <a:satMod val="300000"/>
-              </a:schemeClr>
-            </a:gs>
-            <a:gs pos="100000">
-              <a:schemeClr val="phClr">
-                <a:tint val="15000"/>
-                <a:satMod val="350000"/>
-              </a:schemeClr>
-            </a:gs>
-          </a:gsLst>
-          <a:lin ang="16200000" scaled="1"/>
-        </a:gradFill>
-        <a:gradFill rotWithShape="1">
-          <a:gsLst>
-            <a:gs pos="0">
-              <a:schemeClr val="phClr">
-                <a:tint val="100000"/>
-                <a:shade val="100000"/>
-                <a:satMod val="130000"/>
-              </a:schemeClr>
-            </a:gs>
-            <a:gs pos="100000">
-              <a:schemeClr val="phClr">
-                <a:tint val="50000"/>
-                <a:shade val="100000"/>
-                <a:satMod val="350000"/>
-              </a:schemeClr>
-            </a:gs>
-          </a:gsLst>
-          <a:lin ang="16200000" scaled="0"/>
-        </a:gradFill>
-      </a:fillStyleLst>
-      <a:lnStyleLst>
-        <a:ln w="9525" cap="flat" cmpd="sng" algn="ctr">
-          <a:solidFill>
-            <a:schemeClr val="phClr">
-              <a:shade val="95000"/>
-              <a:satMod val="105000"/>
-            </a:schemeClr>
-          </a:solidFill>
-          <a:prstDash val="solid"/>
-        </a:ln>
-        <a:ln w="25400" cap="flat" cmpd="sng" algn="ctr">
-          <a:solidFill>
-            <a:schemeClr val="phClr"/>
-          </a:solidFill>
-          <a:prstDash val="solid"/>
-        </a:ln>
-        <a:ln w="38100" cap="flat" cmpd="sng" algn="ctr">
-          <a:solidFill>
-            <a:schemeClr val="phClr"/>
-          </a:solidFill>
-          <a:prstDash val="solid"/>
-        </a:ln>
-      </a:lnStyleLst>
-      <a:effectStyleLst>
-        <a:effectStyle>
-          <a:effectLst>
-            <a:outerShdw blurRad="40000" dist="20000" dir="5400000" rotWithShape="0">
-              <a:srgbClr val="000000">
-                <a:alpha val="38000"/>
-              </a:srgbClr>
-            </a:outerShdw>
-          </a:effectLst>
-        </a:effectStyle>
-        <a:effectStyle>
-          <a:effectLst>
-            <a:outerShdw blurRad="40000" dist="23000" dir="5400000" rotWithShape="0">
-              <a:srgbClr val="000000">
-                <a:alpha val="35000"/>
-              </a:srgbClr>
-            </a:outerShdw>
-          </a:effectLst>
-        </a:effectStyle>
-        <a:effectStyle>
-          <a:effectLst>
-            <a:outerShdw blurRad="40000" dist="23000" dir="5400000" rotWithShape="0">
-              <a:srgbClr val="000000">
-                <a:alpha val="35000"/>
-              </a:srgbClr>
-            </a:outerShdw>
-          </a:effectLst>
-          <a:scene3d>
-            <a:camera prst="orthographicFront">
-              <a:rot lat="0" lon="0" rev="0"/>
-            </a:camera>
-            <a:lightRig rig="threePt" dir="t">
-              <a:rot lat="0" lon="0" rev="1200000"/>
-            </a:lightRig>
-          </a:scene3d>
-          <a:sp3d>
-            <a:bevelT w="63500" h="25400"/>
-          </a:sp3d>
-        </a:effectStyle>
-      </a:effectStyleLst>
-      <a:bgFillStyleLst>
-        <a:solidFill>
-          <a:schemeClr val="phClr"/>
-        </a:solidFill>
-        <a:gradFill rotWithShape="1">
-          <a:gsLst>
-            <a:gs pos="0">
-              <a:schemeClr val="phClr">
-                <a:tint val="40000"/>
-                <a:satMod val="350000"/>
-              </a:schemeClr>
-            </a:gs>
-            <a:gs pos="40000">
-              <a:schemeClr val="phClr">
-                <a:tint val="45000"/>
-                <a:shade val="99000"/>
-                <a:satMod val="350000"/>
-              </a:schemeClr>
-            </a:gs>
-            <a:gs pos="100000">
-              <a:schemeClr val="phClr">
-                <a:shade val="20000"/>
-                <a:satMod val="255000"/>
-              </a:schemeClr>
-            </a:gs>
-          </a:gsLst>
-          <a:path path="circle">
-            <a:fillToRect l="50000" t="-80000" r="50000" b="180000"/>
-          </a:path>
-        </a:gradFill>
-        <a:gradFill rotWithShape="1">
-          <a:gsLst>
-            <a:gs pos="0">
-              <a:schemeClr val="phClr">
-                <a:tint val="80000"/>
-                <a:satMod val="300000"/>
-              </a:schemeClr>
-            </a:gs>
-            <a:gs pos="100000">
-              <a:schemeClr val="phClr">
-                <a:shade val="30000"/>
-                <a:satMod val="200000"/>
-              </a:schemeClr>
-            </a:gs>
-          </a:gsLst>
-          <a:path path="circle">
-            <a:fillToRect l="50000" t="50000" r="50000" b="50000"/>
-          </a:path>
-        </a:gradFill>
-      </a:bgFillStyleLst>
-    </a:fmtScheme>
-  </a:themeElements>
-</a:theme>
 </file>